--- a/Perceptron Algorithm neueres PPT-Format.pptx
+++ b/Perceptron Algorithm neueres PPT-Format.pptx
@@ -5,10 +5,10 @@
     <p:sldMasterId id="2147483724" r:id="rId1"/>
   </p:sldMasterIdLst>
   <p:notesMasterIdLst>
-    <p:notesMasterId r:id="rId21"/>
+    <p:notesMasterId r:id="rId23"/>
   </p:notesMasterIdLst>
   <p:handoutMasterIdLst>
-    <p:handoutMasterId r:id="rId22"/>
+    <p:handoutMasterId r:id="rId24"/>
   </p:handoutMasterIdLst>
   <p:sldIdLst>
     <p:sldId id="256" r:id="rId2"/>
@@ -27,9 +27,11 @@
     <p:sldId id="329" r:id="rId15"/>
     <p:sldId id="330" r:id="rId16"/>
     <p:sldId id="334" r:id="rId17"/>
-    <p:sldId id="333" r:id="rId18"/>
+    <p:sldId id="348" r:id="rId18"/>
     <p:sldId id="336" r:id="rId19"/>
-    <p:sldId id="335" r:id="rId20"/>
+    <p:sldId id="333" r:id="rId20"/>
+    <p:sldId id="349" r:id="rId21"/>
+    <p:sldId id="347" r:id="rId22"/>
   </p:sldIdLst>
   <p:sldSz cx="9144000" cy="6858000" type="screen4x3"/>
   <p:notesSz cx="6858000" cy="9144000"/>
@@ -172,6 +174,9 @@
           </p15:clr>
         </p15:guide>
       </p15:sldGuideLst>
+    </p:ext>
+    <p:ext uri="{2D200454-40CA-4A62-9FC3-DE9A4176ACB9}">
+      <p15:notesGuideLst xmlns:p15="http://schemas.microsoft.com/office/powerpoint/2012/main"/>
     </p:ext>
   </p:extLst>
 </p:presentation>
@@ -992,7 +997,7 @@
           <a:lstStyle/>
           <a:p>
             <a:r>
-              <a:rPr lang="de-DE" altLang="de-DE"/>
+              <a:rPr lang="de-DE" altLang="de-DE" dirty="0"/>
               <a:t>Idee der Parallelisierung vorstellen</a:t>
             </a:r>
           </a:p>
@@ -1076,6 +1081,172 @@
       </p:grpSpPr>
       <p:sp>
         <p:nvSpPr>
+          <p:cNvPr id="23554" name="Folienbildplatzhalter 1">
+            <a:extLst>
+              <a:ext uri="{FF2B5EF4-FFF2-40B4-BE49-F238E27FC236}">
+                <a16:creationId xmlns:a16="http://schemas.microsoft.com/office/drawing/2014/main" id="{0E128AEF-EAD5-4343-961E-C2CEA132C1E0}"/>
+              </a:ext>
+            </a:extLst>
+          </p:cNvPr>
+          <p:cNvSpPr>
+            <a:spLocks noGrp="1" noRot="1" noChangeAspect="1" noChangeArrowheads="1" noTextEdit="1"/>
+          </p:cNvSpPr>
+          <p:nvPr>
+            <p:ph type="sldImg"/>
+          </p:nvPr>
+        </p:nvSpPr>
+        <p:spPr bwMode="auto">
+          <a:noFill/>
+          <a:ln>
+            <a:solidFill>
+              <a:srgbClr val="000000"/>
+            </a:solidFill>
+            <a:miter lim="800000"/>
+            <a:headEnd/>
+            <a:tailEnd/>
+          </a:ln>
+          <a:extLst>
+            <a:ext uri="{909E8E84-426E-40DD-AFC4-6F175D3DCCD1}">
+              <a14:hiddenFill xmlns:a14="http://schemas.microsoft.com/office/drawing/2010/main">
+                <a:solidFill>
+                  <a:srgbClr val="FFFFFF"/>
+                </a:solidFill>
+              </a14:hiddenFill>
+            </a:ext>
+          </a:extLst>
+        </p:spPr>
+      </p:sp>
+      <p:sp>
+        <p:nvSpPr>
+          <p:cNvPr id="23555" name="Notizenplatzhalter 2">
+            <a:extLst>
+              <a:ext uri="{FF2B5EF4-FFF2-40B4-BE49-F238E27FC236}">
+                <a16:creationId xmlns:a16="http://schemas.microsoft.com/office/drawing/2014/main" id="{D2165727-81AF-48A1-B6AF-E70B3A49D4D5}"/>
+              </a:ext>
+            </a:extLst>
+          </p:cNvPr>
+          <p:cNvSpPr>
+            <a:spLocks noGrp="1" noChangeArrowheads="1"/>
+          </p:cNvSpPr>
+          <p:nvPr>
+            <p:ph type="body" idx="1"/>
+          </p:nvPr>
+        </p:nvSpPr>
+        <p:spPr bwMode="auto">
+          <a:noFill/>
+          <a:extLst>
+            <a:ext uri="{909E8E84-426E-40DD-AFC4-6F175D3DCCD1}">
+              <a14:hiddenFill xmlns:a14="http://schemas.microsoft.com/office/drawing/2010/main">
+                <a:solidFill>
+                  <a:srgbClr val="FFFFFF"/>
+                </a:solidFill>
+              </a14:hiddenFill>
+            </a:ext>
+            <a:ext uri="{91240B29-F687-4F45-9708-019B960494DF}">
+              <a14:hiddenLine xmlns:a14="http://schemas.microsoft.com/office/drawing/2010/main" w="9525">
+                <a:solidFill>
+                  <a:srgbClr val="000000"/>
+                </a:solidFill>
+                <a:miter lim="800000"/>
+                <a:headEnd/>
+                <a:tailEnd/>
+              </a14:hiddenLine>
+            </a:ext>
+          </a:extLst>
+        </p:spPr>
+        <p:txBody>
+          <a:bodyPr wrap="square" numCol="1" anchor="t" anchorCtr="0" compatLnSpc="1">
+            <a:prstTxWarp prst="textNoShape">
+              <a:avLst/>
+            </a:prstTxWarp>
+          </a:bodyPr>
+          <a:lstStyle/>
+          <a:p>
+            <a:r>
+              <a:rPr lang="de-DE" altLang="de-DE"/>
+              <a:t>Idee der Parallelisierung vorstellen</a:t>
+            </a:r>
+          </a:p>
+        </p:txBody>
+      </p:sp>
+      <p:sp>
+        <p:nvSpPr>
+          <p:cNvPr id="23556" name="Foliennummernplatzhalter 3">
+            <a:extLst>
+              <a:ext uri="{FF2B5EF4-FFF2-40B4-BE49-F238E27FC236}">
+                <a16:creationId xmlns:a16="http://schemas.microsoft.com/office/drawing/2014/main" id="{FE34B7EF-493B-44C4-B3B9-30EDCD3C4523}"/>
+              </a:ext>
+            </a:extLst>
+          </p:cNvPr>
+          <p:cNvSpPr>
+            <a:spLocks noGrp="1" noChangeArrowheads="1"/>
+          </p:cNvSpPr>
+          <p:nvPr>
+            <p:ph type="sldNum" sz="quarter" idx="5"/>
+          </p:nvPr>
+        </p:nvSpPr>
+        <p:spPr bwMode="auto">
+          <a:noFill/>
+          <a:extLst>
+            <a:ext uri="{909E8E84-426E-40DD-AFC4-6F175D3DCCD1}">
+              <a14:hiddenFill xmlns:a14="http://schemas.microsoft.com/office/drawing/2010/main">
+                <a:solidFill>
+                  <a:srgbClr val="FFFFFF"/>
+                </a:solidFill>
+              </a14:hiddenFill>
+            </a:ext>
+            <a:ext uri="{91240B29-F687-4F45-9708-019B960494DF}">
+              <a14:hiddenLine xmlns:a14="http://schemas.microsoft.com/office/drawing/2010/main" w="9525">
+                <a:solidFill>
+                  <a:srgbClr val="000000"/>
+                </a:solidFill>
+                <a:miter lim="800000"/>
+                <a:headEnd/>
+                <a:tailEnd/>
+              </a14:hiddenLine>
+            </a:ext>
+          </a:extLst>
+        </p:spPr>
+        <p:txBody>
+          <a:bodyPr/>
+          <a:lstStyle/>
+          <a:p>
+            <a:fld id="{283C067B-29A0-4707-8286-0ED31307D255}" type="slidenum">
+              <a:rPr lang="de-DE" altLang="de-DE" smtClean="0"/>
+              <a:pPr/>
+              <a:t>19</a:t>
+            </a:fld>
+            <a:endParaRPr lang="de-DE" altLang="de-DE"/>
+          </a:p>
+        </p:txBody>
+      </p:sp>
+    </p:spTree>
+  </p:cSld>
+  <p:clrMapOvr>
+    <a:masterClrMapping/>
+  </p:clrMapOvr>
+</p:notes>
+</file>
+
+<file path=ppt/notesSlides/notesSlide12.xml><?xml version="1.0" encoding="utf-8"?>
+<p:notes xmlns:a="http://schemas.openxmlformats.org/drawingml/2006/main" xmlns:r="http://schemas.openxmlformats.org/officeDocument/2006/relationships" xmlns:p="http://schemas.openxmlformats.org/presentationml/2006/main">
+  <p:cSld>
+    <p:spTree>
+      <p:nvGrpSpPr>
+        <p:cNvPr id="1" name=""/>
+        <p:cNvGrpSpPr/>
+        <p:nvPr/>
+      </p:nvGrpSpPr>
+      <p:grpSpPr>
+        <a:xfrm>
+          <a:off x="0" y="0"/>
+          <a:ext cx="0" cy="0"/>
+          <a:chOff x="0" y="0"/>
+          <a:chExt cx="0" cy="0"/>
+        </a:xfrm>
+      </p:grpSpPr>
+      <p:sp>
+        <p:nvSpPr>
           <p:cNvPr id="27650" name="Folienbildplatzhalter 1">
             <a:extLst>
               <a:ext uri="{FF2B5EF4-FFF2-40B4-BE49-F238E27FC236}">
@@ -1209,13 +1380,189 @@
             <a:fld id="{B8070FD6-CC21-437A-B352-6FFD9372CCF8}" type="slidenum">
               <a:rPr lang="de-DE" altLang="de-DE" smtClean="0"/>
               <a:pPr/>
-              <a:t>19</a:t>
+              <a:t>20</a:t>
             </a:fld>
             <a:endParaRPr lang="de-DE" altLang="de-DE"/>
           </a:p>
         </p:txBody>
       </p:sp>
     </p:spTree>
+    <p:extLst>
+      <p:ext uri="{BB962C8B-B14F-4D97-AF65-F5344CB8AC3E}">
+        <p14:creationId xmlns:p14="http://schemas.microsoft.com/office/powerpoint/2010/main" val="2028616677"/>
+      </p:ext>
+    </p:extLst>
+  </p:cSld>
+  <p:clrMapOvr>
+    <a:masterClrMapping/>
+  </p:clrMapOvr>
+</p:notes>
+</file>
+
+<file path=ppt/notesSlides/notesSlide13.xml><?xml version="1.0" encoding="utf-8"?>
+<p:notes xmlns:a="http://schemas.openxmlformats.org/drawingml/2006/main" xmlns:r="http://schemas.openxmlformats.org/officeDocument/2006/relationships" xmlns:p="http://schemas.openxmlformats.org/presentationml/2006/main">
+  <p:cSld>
+    <p:spTree>
+      <p:nvGrpSpPr>
+        <p:cNvPr id="1" name=""/>
+        <p:cNvGrpSpPr/>
+        <p:nvPr/>
+      </p:nvGrpSpPr>
+      <p:grpSpPr>
+        <a:xfrm>
+          <a:off x="0" y="0"/>
+          <a:ext cx="0" cy="0"/>
+          <a:chOff x="0" y="0"/>
+          <a:chExt cx="0" cy="0"/>
+        </a:xfrm>
+      </p:grpSpPr>
+      <p:sp>
+        <p:nvSpPr>
+          <p:cNvPr id="27650" name="Folienbildplatzhalter 1">
+            <a:extLst>
+              <a:ext uri="{FF2B5EF4-FFF2-40B4-BE49-F238E27FC236}">
+                <a16:creationId xmlns:a16="http://schemas.microsoft.com/office/drawing/2014/main" id="{38F0EFBF-33D4-4226-8C8F-7DDAD356215E}"/>
+              </a:ext>
+            </a:extLst>
+          </p:cNvPr>
+          <p:cNvSpPr>
+            <a:spLocks noGrp="1" noRot="1" noChangeAspect="1" noChangeArrowheads="1" noTextEdit="1"/>
+          </p:cNvSpPr>
+          <p:nvPr>
+            <p:ph type="sldImg"/>
+          </p:nvPr>
+        </p:nvSpPr>
+        <p:spPr bwMode="auto">
+          <a:noFill/>
+          <a:ln>
+            <a:solidFill>
+              <a:srgbClr val="000000"/>
+            </a:solidFill>
+            <a:miter lim="800000"/>
+            <a:headEnd/>
+            <a:tailEnd/>
+          </a:ln>
+          <a:extLst>
+            <a:ext uri="{909E8E84-426E-40DD-AFC4-6F175D3DCCD1}">
+              <a14:hiddenFill xmlns:a14="http://schemas.microsoft.com/office/drawing/2010/main">
+                <a:solidFill>
+                  <a:srgbClr val="FFFFFF"/>
+                </a:solidFill>
+              </a14:hiddenFill>
+            </a:ext>
+          </a:extLst>
+        </p:spPr>
+      </p:sp>
+      <p:sp>
+        <p:nvSpPr>
+          <p:cNvPr id="27651" name="Notizenplatzhalter 2">
+            <a:extLst>
+              <a:ext uri="{FF2B5EF4-FFF2-40B4-BE49-F238E27FC236}">
+                <a16:creationId xmlns:a16="http://schemas.microsoft.com/office/drawing/2014/main" id="{EEA692D9-FBAD-4653-92DE-A307199AA493}"/>
+              </a:ext>
+            </a:extLst>
+          </p:cNvPr>
+          <p:cNvSpPr>
+            <a:spLocks noGrp="1" noChangeArrowheads="1"/>
+          </p:cNvSpPr>
+          <p:nvPr>
+            <p:ph type="body" idx="1"/>
+          </p:nvPr>
+        </p:nvSpPr>
+        <p:spPr bwMode="auto">
+          <a:noFill/>
+          <a:extLst>
+            <a:ext uri="{909E8E84-426E-40DD-AFC4-6F175D3DCCD1}">
+              <a14:hiddenFill xmlns:a14="http://schemas.microsoft.com/office/drawing/2010/main">
+                <a:solidFill>
+                  <a:srgbClr val="FFFFFF"/>
+                </a:solidFill>
+              </a14:hiddenFill>
+            </a:ext>
+            <a:ext uri="{91240B29-F687-4F45-9708-019B960494DF}">
+              <a14:hiddenLine xmlns:a14="http://schemas.microsoft.com/office/drawing/2010/main" w="9525">
+                <a:solidFill>
+                  <a:srgbClr val="000000"/>
+                </a:solidFill>
+                <a:miter lim="800000"/>
+                <a:headEnd/>
+                <a:tailEnd/>
+              </a14:hiddenLine>
+            </a:ext>
+          </a:extLst>
+        </p:spPr>
+        <p:txBody>
+          <a:bodyPr wrap="square" numCol="1" anchor="t" anchorCtr="0" compatLnSpc="1">
+            <a:prstTxWarp prst="textNoShape">
+              <a:avLst/>
+            </a:prstTxWarp>
+          </a:bodyPr>
+          <a:lstStyle/>
+          <a:p>
+            <a:r>
+              <a:rPr lang="de-DE" altLang="de-DE" dirty="0"/>
+              <a:t>Idee der Parallelisierung vorstellen</a:t>
+            </a:r>
+          </a:p>
+        </p:txBody>
+      </p:sp>
+      <p:sp>
+        <p:nvSpPr>
+          <p:cNvPr id="27652" name="Foliennummernplatzhalter 3">
+            <a:extLst>
+              <a:ext uri="{FF2B5EF4-FFF2-40B4-BE49-F238E27FC236}">
+                <a16:creationId xmlns:a16="http://schemas.microsoft.com/office/drawing/2014/main" id="{E30CDF4A-B172-4A31-844F-F8BB419EA932}"/>
+              </a:ext>
+            </a:extLst>
+          </p:cNvPr>
+          <p:cNvSpPr>
+            <a:spLocks noGrp="1" noChangeArrowheads="1"/>
+          </p:cNvSpPr>
+          <p:nvPr>
+            <p:ph type="sldNum" sz="quarter" idx="5"/>
+          </p:nvPr>
+        </p:nvSpPr>
+        <p:spPr bwMode="auto">
+          <a:noFill/>
+          <a:extLst>
+            <a:ext uri="{909E8E84-426E-40DD-AFC4-6F175D3DCCD1}">
+              <a14:hiddenFill xmlns:a14="http://schemas.microsoft.com/office/drawing/2010/main">
+                <a:solidFill>
+                  <a:srgbClr val="FFFFFF"/>
+                </a:solidFill>
+              </a14:hiddenFill>
+            </a:ext>
+            <a:ext uri="{91240B29-F687-4F45-9708-019B960494DF}">
+              <a14:hiddenLine xmlns:a14="http://schemas.microsoft.com/office/drawing/2010/main" w="9525">
+                <a:solidFill>
+                  <a:srgbClr val="000000"/>
+                </a:solidFill>
+                <a:miter lim="800000"/>
+                <a:headEnd/>
+                <a:tailEnd/>
+              </a14:hiddenLine>
+            </a:ext>
+          </a:extLst>
+        </p:spPr>
+        <p:txBody>
+          <a:bodyPr/>
+          <a:lstStyle/>
+          <a:p>
+            <a:fld id="{B8070FD6-CC21-437A-B352-6FFD9372CCF8}" type="slidenum">
+              <a:rPr lang="de-DE" altLang="de-DE" smtClean="0"/>
+              <a:pPr/>
+              <a:t>21</a:t>
+            </a:fld>
+            <a:endParaRPr lang="de-DE" altLang="de-DE"/>
+          </a:p>
+        </p:txBody>
+      </p:sp>
+    </p:spTree>
+    <p:extLst>
+      <p:ext uri="{BB962C8B-B14F-4D97-AF65-F5344CB8AC3E}">
+        <p14:creationId xmlns:p14="http://schemas.microsoft.com/office/powerpoint/2010/main" val="1759688481"/>
+      </p:ext>
+    </p:extLst>
   </p:cSld>
   <p:clrMapOvr>
     <a:masterClrMapping/>
@@ -2328,10 +2675,10 @@
       </p:grpSpPr>
       <p:sp>
         <p:nvSpPr>
-          <p:cNvPr id="23554" name="Folienbildplatzhalter 1">
+          <p:cNvPr id="21506" name="Folienbildplatzhalter 1">
             <a:extLst>
               <a:ext uri="{FF2B5EF4-FFF2-40B4-BE49-F238E27FC236}">
-                <a16:creationId xmlns:a16="http://schemas.microsoft.com/office/drawing/2014/main" id="{0E128AEF-EAD5-4343-961E-C2CEA132C1E0}"/>
+                <a16:creationId xmlns:a16="http://schemas.microsoft.com/office/drawing/2014/main" id="{C2E8B55E-C471-4F71-9C4B-0D2197AD63F5}"/>
               </a:ext>
             </a:extLst>
           </p:cNvPr>
@@ -2365,10 +2712,10 @@
       </p:sp>
       <p:sp>
         <p:nvSpPr>
-          <p:cNvPr id="23555" name="Notizenplatzhalter 2">
+          <p:cNvPr id="21507" name="Notizenplatzhalter 2">
             <a:extLst>
               <a:ext uri="{FF2B5EF4-FFF2-40B4-BE49-F238E27FC236}">
-                <a16:creationId xmlns:a16="http://schemas.microsoft.com/office/drawing/2014/main" id="{D2165727-81AF-48A1-B6AF-E70B3A49D4D5}"/>
+                <a16:creationId xmlns:a16="http://schemas.microsoft.com/office/drawing/2014/main" id="{D0AD0F03-BF4E-4850-81B5-59393E604BE3}"/>
               </a:ext>
             </a:extLst>
           </p:cNvPr>
@@ -2410,7 +2757,7 @@
           <a:lstStyle/>
           <a:p>
             <a:r>
-              <a:rPr lang="de-DE" altLang="de-DE"/>
+              <a:rPr lang="de-DE" altLang="de-DE" dirty="0"/>
               <a:t>Idee der Parallelisierung vorstellen</a:t>
             </a:r>
           </a:p>
@@ -2418,10 +2765,10 @@
       </p:sp>
       <p:sp>
         <p:nvSpPr>
-          <p:cNvPr id="23556" name="Foliennummernplatzhalter 3">
+          <p:cNvPr id="21508" name="Foliennummernplatzhalter 3">
             <a:extLst>
               <a:ext uri="{FF2B5EF4-FFF2-40B4-BE49-F238E27FC236}">
-                <a16:creationId xmlns:a16="http://schemas.microsoft.com/office/drawing/2014/main" id="{FE34B7EF-493B-44C4-B3B9-30EDCD3C4523}"/>
+                <a16:creationId xmlns:a16="http://schemas.microsoft.com/office/drawing/2014/main" id="{D168EE6E-3F86-4FDC-A5ED-0C2449CD9E07}"/>
               </a:ext>
             </a:extLst>
           </p:cNvPr>
@@ -2458,7 +2805,7 @@
           <a:bodyPr/>
           <a:lstStyle/>
           <a:p>
-            <a:fld id="{283C067B-29A0-4707-8286-0ED31307D255}" type="slidenum">
+            <a:fld id="{FE4E8BD1-05C2-4FB0-ABCD-24B0747143D8}" type="slidenum">
               <a:rPr lang="de-DE" altLang="de-DE" smtClean="0"/>
               <a:pPr/>
               <a:t>17</a:t>
@@ -2468,6 +2815,11 @@
         </p:txBody>
       </p:sp>
     </p:spTree>
+    <p:extLst>
+      <p:ext uri="{BB962C8B-B14F-4D97-AF65-F5344CB8AC3E}">
+        <p14:creationId xmlns:p14="http://schemas.microsoft.com/office/powerpoint/2010/main" val="4051492371"/>
+      </p:ext>
+    </p:extLst>
   </p:cSld>
   <p:clrMapOvr>
     <a:masterClrMapping/>
@@ -11167,243 +11519,6 @@
       </p:sp>
       <p:sp>
         <p:nvSpPr>
-          <p:cNvPr id="20485" name="Textfeld 4">
-            <a:extLst>
-              <a:ext uri="{FF2B5EF4-FFF2-40B4-BE49-F238E27FC236}">
-                <a16:creationId xmlns:a16="http://schemas.microsoft.com/office/drawing/2014/main" id="{5B6F1DEA-E332-4996-A8C4-F03755531C44}"/>
-              </a:ext>
-            </a:extLst>
-          </p:cNvPr>
-          <p:cNvSpPr txBox="1">
-            <a:spLocks noChangeArrowheads="1"/>
-          </p:cNvSpPr>
-          <p:nvPr/>
-        </p:nvSpPr>
-        <p:spPr bwMode="auto">
-          <a:xfrm>
-            <a:off x="338138" y="1031875"/>
-            <a:ext cx="8353425" cy="276225"/>
-          </a:xfrm>
-          <a:prstGeom prst="rect">
-            <a:avLst/>
-          </a:prstGeom>
-          <a:noFill/>
-          <a:ln>
-            <a:noFill/>
-          </a:ln>
-          <a:extLst>
-            <a:ext uri="{909E8E84-426E-40DD-AFC4-6F175D3DCCD1}">
-              <a14:hiddenFill xmlns:a14="http://schemas.microsoft.com/office/drawing/2010/main">
-                <a:solidFill>
-                  <a:srgbClr val="FFFFFF"/>
-                </a:solidFill>
-              </a14:hiddenFill>
-            </a:ext>
-            <a:ext uri="{91240B29-F687-4F45-9708-019B960494DF}">
-              <a14:hiddenLine xmlns:a14="http://schemas.microsoft.com/office/drawing/2010/main" w="9525">
-                <a:solidFill>
-                  <a:srgbClr val="000000"/>
-                </a:solidFill>
-                <a:miter lim="800000"/>
-                <a:headEnd/>
-                <a:tailEnd/>
-              </a14:hiddenLine>
-            </a:ext>
-          </a:extLst>
-        </p:spPr>
-        <p:txBody>
-          <a:bodyPr lIns="0" tIns="0" rIns="0" bIns="0">
-            <a:spAutoFit/>
-          </a:bodyPr>
-          <a:lstStyle>
-            <a:lvl1pPr marL="285750" indent="-285750" defTabSz="287338">
-              <a:lnSpc>
-                <a:spcPct val="90000"/>
-              </a:lnSpc>
-              <a:spcBef>
-                <a:spcPts val="1000"/>
-              </a:spcBef>
-              <a:buFont typeface="Arial" panose="020B0604020202020204" pitchFamily="34" charset="0"/>
-              <a:buChar char="•"/>
-              <a:defRPr sz="2800">
-                <a:solidFill>
-                  <a:schemeClr val="tx1"/>
-                </a:solidFill>
-                <a:latin typeface="Calibri" panose="020F0502020204030204" pitchFamily="34" charset="0"/>
-              </a:defRPr>
-            </a:lvl1pPr>
-            <a:lvl2pPr marL="742950" indent="-285750" defTabSz="287338">
-              <a:lnSpc>
-                <a:spcPct val="90000"/>
-              </a:lnSpc>
-              <a:spcBef>
-                <a:spcPts val="500"/>
-              </a:spcBef>
-              <a:buFont typeface="Arial" panose="020B0604020202020204" pitchFamily="34" charset="0"/>
-              <a:buChar char="•"/>
-              <a:defRPr sz="2400">
-                <a:solidFill>
-                  <a:schemeClr val="tx1"/>
-                </a:solidFill>
-                <a:latin typeface="Calibri" panose="020F0502020204030204" pitchFamily="34" charset="0"/>
-              </a:defRPr>
-            </a:lvl2pPr>
-            <a:lvl3pPr marL="1143000" indent="-228600" defTabSz="287338">
-              <a:lnSpc>
-                <a:spcPct val="90000"/>
-              </a:lnSpc>
-              <a:spcBef>
-                <a:spcPts val="500"/>
-              </a:spcBef>
-              <a:buFont typeface="Arial" panose="020B0604020202020204" pitchFamily="34" charset="0"/>
-              <a:buChar char="•"/>
-              <a:defRPr sz="2000">
-                <a:solidFill>
-                  <a:schemeClr val="tx1"/>
-                </a:solidFill>
-                <a:latin typeface="Calibri" panose="020F0502020204030204" pitchFamily="34" charset="0"/>
-              </a:defRPr>
-            </a:lvl3pPr>
-            <a:lvl4pPr marL="1600200" indent="-228600" defTabSz="287338">
-              <a:lnSpc>
-                <a:spcPct val="90000"/>
-              </a:lnSpc>
-              <a:spcBef>
-                <a:spcPts val="500"/>
-              </a:spcBef>
-              <a:buFont typeface="Arial" panose="020B0604020202020204" pitchFamily="34" charset="0"/>
-              <a:buChar char="•"/>
-              <a:defRPr>
-                <a:solidFill>
-                  <a:schemeClr val="tx1"/>
-                </a:solidFill>
-                <a:latin typeface="Calibri" panose="020F0502020204030204" pitchFamily="34" charset="0"/>
-              </a:defRPr>
-            </a:lvl4pPr>
-            <a:lvl5pPr marL="2057400" indent="-228600" defTabSz="287338">
-              <a:lnSpc>
-                <a:spcPct val="90000"/>
-              </a:lnSpc>
-              <a:spcBef>
-                <a:spcPts val="500"/>
-              </a:spcBef>
-              <a:buFont typeface="Arial" panose="020B0604020202020204" pitchFamily="34" charset="0"/>
-              <a:buChar char="•"/>
-              <a:defRPr>
-                <a:solidFill>
-                  <a:schemeClr val="tx1"/>
-                </a:solidFill>
-                <a:latin typeface="Calibri" panose="020F0502020204030204" pitchFamily="34" charset="0"/>
-              </a:defRPr>
-            </a:lvl5pPr>
-            <a:lvl6pPr marL="2514600" indent="-228600" defTabSz="287338" eaLnBrk="0" fontAlgn="base" hangingPunct="0">
-              <a:lnSpc>
-                <a:spcPct val="90000"/>
-              </a:lnSpc>
-              <a:spcBef>
-                <a:spcPts val="500"/>
-              </a:spcBef>
-              <a:spcAft>
-                <a:spcPct val="0"/>
-              </a:spcAft>
-              <a:buFont typeface="Arial" panose="020B0604020202020204" pitchFamily="34" charset="0"/>
-              <a:buChar char="•"/>
-              <a:defRPr>
-                <a:solidFill>
-                  <a:schemeClr val="tx1"/>
-                </a:solidFill>
-                <a:latin typeface="Calibri" panose="020F0502020204030204" pitchFamily="34" charset="0"/>
-              </a:defRPr>
-            </a:lvl6pPr>
-            <a:lvl7pPr marL="2971800" indent="-228600" defTabSz="287338" eaLnBrk="0" fontAlgn="base" hangingPunct="0">
-              <a:lnSpc>
-                <a:spcPct val="90000"/>
-              </a:lnSpc>
-              <a:spcBef>
-                <a:spcPts val="500"/>
-              </a:spcBef>
-              <a:spcAft>
-                <a:spcPct val="0"/>
-              </a:spcAft>
-              <a:buFont typeface="Arial" panose="020B0604020202020204" pitchFamily="34" charset="0"/>
-              <a:buChar char="•"/>
-              <a:defRPr>
-                <a:solidFill>
-                  <a:schemeClr val="tx1"/>
-                </a:solidFill>
-                <a:latin typeface="Calibri" panose="020F0502020204030204" pitchFamily="34" charset="0"/>
-              </a:defRPr>
-            </a:lvl7pPr>
-            <a:lvl8pPr marL="3429000" indent="-228600" defTabSz="287338" eaLnBrk="0" fontAlgn="base" hangingPunct="0">
-              <a:lnSpc>
-                <a:spcPct val="90000"/>
-              </a:lnSpc>
-              <a:spcBef>
-                <a:spcPts val="500"/>
-              </a:spcBef>
-              <a:spcAft>
-                <a:spcPct val="0"/>
-              </a:spcAft>
-              <a:buFont typeface="Arial" panose="020B0604020202020204" pitchFamily="34" charset="0"/>
-              <a:buChar char="•"/>
-              <a:defRPr>
-                <a:solidFill>
-                  <a:schemeClr val="tx1"/>
-                </a:solidFill>
-                <a:latin typeface="Calibri" panose="020F0502020204030204" pitchFamily="34" charset="0"/>
-              </a:defRPr>
-            </a:lvl8pPr>
-            <a:lvl9pPr marL="3886200" indent="-228600" defTabSz="287338" eaLnBrk="0" fontAlgn="base" hangingPunct="0">
-              <a:lnSpc>
-                <a:spcPct val="90000"/>
-              </a:lnSpc>
-              <a:spcBef>
-                <a:spcPts val="500"/>
-              </a:spcBef>
-              <a:spcAft>
-                <a:spcPct val="0"/>
-              </a:spcAft>
-              <a:buFont typeface="Arial" panose="020B0604020202020204" pitchFamily="34" charset="0"/>
-              <a:buChar char="•"/>
-              <a:defRPr>
-                <a:solidFill>
-                  <a:schemeClr val="tx1"/>
-                </a:solidFill>
-                <a:latin typeface="Calibri" panose="020F0502020204030204" pitchFamily="34" charset="0"/>
-              </a:defRPr>
-            </a:lvl9pPr>
-          </a:lstStyle>
-          <a:p>
-            <a:pPr eaLnBrk="1" hangingPunct="1">
-              <a:lnSpc>
-                <a:spcPct val="100000"/>
-              </a:lnSpc>
-              <a:spcBef>
-                <a:spcPct val="0"/>
-              </a:spcBef>
-              <a:spcAft>
-                <a:spcPts val="600"/>
-              </a:spcAft>
-              <a:buClr>
-                <a:srgbClr val="8DAE10"/>
-              </a:buClr>
-              <a:buSzPct val="130000"/>
-            </a:pPr>
-            <a:r>
-              <a:rPr lang="de-DE" altLang="de-DE" sz="1800">
-                <a:solidFill>
-                  <a:srgbClr val="17365C"/>
-                </a:solidFill>
-                <a:latin typeface="Arial" panose="020B0604020202020204" pitchFamily="34" charset="0"/>
-                <a:cs typeface="Arial" panose="020B0604020202020204" pitchFamily="34" charset="0"/>
-              </a:rPr>
-              <a:t>dsdsdsdsd</a:t>
-            </a:r>
-          </a:p>
-        </p:txBody>
-      </p:sp>
-      <p:sp>
-        <p:nvSpPr>
           <p:cNvPr id="6" name="Fußzeilenplatzhalter 1">
             <a:extLst>
               <a:ext uri="{FF2B5EF4-FFF2-40B4-BE49-F238E27FC236}">
@@ -11709,6 +11824,35 @@
           </a:p>
         </p:txBody>
       </p:sp>
+      <p:pic>
+        <p:nvPicPr>
+          <p:cNvPr id="7" name="Grafik 6">
+            <a:extLst>
+              <a:ext uri="{FF2B5EF4-FFF2-40B4-BE49-F238E27FC236}">
+                <a16:creationId xmlns:a16="http://schemas.microsoft.com/office/drawing/2014/main" id="{F077528F-D7C0-40C9-A08C-87A3B631520F}"/>
+              </a:ext>
+            </a:extLst>
+          </p:cNvPr>
+          <p:cNvPicPr>
+            <a:picLocks noChangeAspect="1"/>
+          </p:cNvPicPr>
+          <p:nvPr/>
+        </p:nvPicPr>
+        <p:blipFill rotWithShape="1">
+          <a:blip r:embed="rId3"/>
+          <a:srcRect t="787" b="9937"/>
+          <a:stretch/>
+        </p:blipFill>
+        <p:spPr>
+          <a:xfrm>
+            <a:off x="512763" y="1054842"/>
+            <a:ext cx="7790213" cy="4748316"/>
+          </a:xfrm>
+          <a:prstGeom prst="rect">
+            <a:avLst/>
+          </a:prstGeom>
+        </p:spPr>
+      </p:pic>
     </p:spTree>
   </p:cSld>
   <p:clrMapOvr>
@@ -11739,10 +11883,10 @@
       </p:grpSpPr>
       <p:sp>
         <p:nvSpPr>
-          <p:cNvPr id="22531" name="Foliennummernplatzhalter 2">
+          <p:cNvPr id="20483" name="Foliennummernplatzhalter 2">
             <a:extLst>
               <a:ext uri="{FF2B5EF4-FFF2-40B4-BE49-F238E27FC236}">
-                <a16:creationId xmlns:a16="http://schemas.microsoft.com/office/drawing/2014/main" id="{1101F834-6FBC-4EF6-8D6D-D494497EFC1B}"/>
+                <a16:creationId xmlns:a16="http://schemas.microsoft.com/office/drawing/2014/main" id="{30AD6C17-FD4A-494B-BEA0-0394B8BA24B2}"/>
               </a:ext>
             </a:extLst>
           </p:cNvPr>
@@ -11946,7 +12090,7 @@
               <a:buFontTx/>
               <a:buNone/>
             </a:pPr>
-            <a:fld id="{4E264448-EA81-4887-B443-1152E7000F5D}" type="slidenum">
+            <a:fld id="{F4040BA5-BF02-4F26-ACEC-B89EC8EC5196}" type="slidenum">
               <a:rPr lang="de-DE" altLang="de-DE" sz="900" smtClean="0">
                 <a:solidFill>
                   <a:srgbClr val="17365C"/>
@@ -11976,10 +12120,10 @@
       </p:sp>
       <p:sp>
         <p:nvSpPr>
-          <p:cNvPr id="22532" name="Textfeld 3">
+          <p:cNvPr id="20484" name="Textfeld 3">
             <a:extLst>
               <a:ext uri="{FF2B5EF4-FFF2-40B4-BE49-F238E27FC236}">
-                <a16:creationId xmlns:a16="http://schemas.microsoft.com/office/drawing/2014/main" id="{55DF10BD-4692-42DF-AFEE-1A691AC96783}"/>
+                <a16:creationId xmlns:a16="http://schemas.microsoft.com/office/drawing/2014/main" id="{331FF0E3-167E-4F9D-B6D8-56D8D86DA722}"/>
               </a:ext>
             </a:extLst>
           </p:cNvPr>
@@ -12201,244 +12345,7 @@
                 <a:latin typeface="Arial" panose="020B0604020202020204" pitchFamily="34" charset="0"/>
                 <a:cs typeface="Arial" panose="020B0604020202020204" pitchFamily="34" charset="0"/>
               </a:rPr>
-              <a:t>Parallel Problems</a:t>
-            </a:r>
-          </a:p>
-        </p:txBody>
-      </p:sp>
-      <p:sp>
-        <p:nvSpPr>
-          <p:cNvPr id="22533" name="Textfeld 4">
-            <a:extLst>
-              <a:ext uri="{FF2B5EF4-FFF2-40B4-BE49-F238E27FC236}">
-                <a16:creationId xmlns:a16="http://schemas.microsoft.com/office/drawing/2014/main" id="{ADDE3302-D2D8-4A7A-BBB2-C130E11C4FE6}"/>
-              </a:ext>
-            </a:extLst>
-          </p:cNvPr>
-          <p:cNvSpPr txBox="1">
-            <a:spLocks noChangeArrowheads="1"/>
-          </p:cNvSpPr>
-          <p:nvPr/>
-        </p:nvSpPr>
-        <p:spPr bwMode="auto">
-          <a:xfrm>
-            <a:off x="338138" y="1031875"/>
-            <a:ext cx="8353425" cy="276225"/>
-          </a:xfrm>
-          <a:prstGeom prst="rect">
-            <a:avLst/>
-          </a:prstGeom>
-          <a:noFill/>
-          <a:ln>
-            <a:noFill/>
-          </a:ln>
-          <a:extLst>
-            <a:ext uri="{909E8E84-426E-40DD-AFC4-6F175D3DCCD1}">
-              <a14:hiddenFill xmlns:a14="http://schemas.microsoft.com/office/drawing/2010/main">
-                <a:solidFill>
-                  <a:srgbClr val="FFFFFF"/>
-                </a:solidFill>
-              </a14:hiddenFill>
-            </a:ext>
-            <a:ext uri="{91240B29-F687-4F45-9708-019B960494DF}">
-              <a14:hiddenLine xmlns:a14="http://schemas.microsoft.com/office/drawing/2010/main" w="9525">
-                <a:solidFill>
-                  <a:srgbClr val="000000"/>
-                </a:solidFill>
-                <a:miter lim="800000"/>
-                <a:headEnd/>
-                <a:tailEnd/>
-              </a14:hiddenLine>
-            </a:ext>
-          </a:extLst>
-        </p:spPr>
-        <p:txBody>
-          <a:bodyPr lIns="0" tIns="0" rIns="0" bIns="0">
-            <a:spAutoFit/>
-          </a:bodyPr>
-          <a:lstStyle>
-            <a:lvl1pPr marL="285750" indent="-285750" defTabSz="287338">
-              <a:lnSpc>
-                <a:spcPct val="90000"/>
-              </a:lnSpc>
-              <a:spcBef>
-                <a:spcPts val="1000"/>
-              </a:spcBef>
-              <a:buFont typeface="Arial" panose="020B0604020202020204" pitchFamily="34" charset="0"/>
-              <a:buChar char="•"/>
-              <a:defRPr sz="2800">
-                <a:solidFill>
-                  <a:schemeClr val="tx1"/>
-                </a:solidFill>
-                <a:latin typeface="Calibri" panose="020F0502020204030204" pitchFamily="34" charset="0"/>
-              </a:defRPr>
-            </a:lvl1pPr>
-            <a:lvl2pPr marL="742950" indent="-285750" defTabSz="287338">
-              <a:lnSpc>
-                <a:spcPct val="90000"/>
-              </a:lnSpc>
-              <a:spcBef>
-                <a:spcPts val="500"/>
-              </a:spcBef>
-              <a:buFont typeface="Arial" panose="020B0604020202020204" pitchFamily="34" charset="0"/>
-              <a:buChar char="•"/>
-              <a:defRPr sz="2400">
-                <a:solidFill>
-                  <a:schemeClr val="tx1"/>
-                </a:solidFill>
-                <a:latin typeface="Calibri" panose="020F0502020204030204" pitchFamily="34" charset="0"/>
-              </a:defRPr>
-            </a:lvl2pPr>
-            <a:lvl3pPr marL="1143000" indent="-228600" defTabSz="287338">
-              <a:lnSpc>
-                <a:spcPct val="90000"/>
-              </a:lnSpc>
-              <a:spcBef>
-                <a:spcPts val="500"/>
-              </a:spcBef>
-              <a:buFont typeface="Arial" panose="020B0604020202020204" pitchFamily="34" charset="0"/>
-              <a:buChar char="•"/>
-              <a:defRPr sz="2000">
-                <a:solidFill>
-                  <a:schemeClr val="tx1"/>
-                </a:solidFill>
-                <a:latin typeface="Calibri" panose="020F0502020204030204" pitchFamily="34" charset="0"/>
-              </a:defRPr>
-            </a:lvl3pPr>
-            <a:lvl4pPr marL="1600200" indent="-228600" defTabSz="287338">
-              <a:lnSpc>
-                <a:spcPct val="90000"/>
-              </a:lnSpc>
-              <a:spcBef>
-                <a:spcPts val="500"/>
-              </a:spcBef>
-              <a:buFont typeface="Arial" panose="020B0604020202020204" pitchFamily="34" charset="0"/>
-              <a:buChar char="•"/>
-              <a:defRPr>
-                <a:solidFill>
-                  <a:schemeClr val="tx1"/>
-                </a:solidFill>
-                <a:latin typeface="Calibri" panose="020F0502020204030204" pitchFamily="34" charset="0"/>
-              </a:defRPr>
-            </a:lvl4pPr>
-            <a:lvl5pPr marL="2057400" indent="-228600" defTabSz="287338">
-              <a:lnSpc>
-                <a:spcPct val="90000"/>
-              </a:lnSpc>
-              <a:spcBef>
-                <a:spcPts val="500"/>
-              </a:spcBef>
-              <a:buFont typeface="Arial" panose="020B0604020202020204" pitchFamily="34" charset="0"/>
-              <a:buChar char="•"/>
-              <a:defRPr>
-                <a:solidFill>
-                  <a:schemeClr val="tx1"/>
-                </a:solidFill>
-                <a:latin typeface="Calibri" panose="020F0502020204030204" pitchFamily="34" charset="0"/>
-              </a:defRPr>
-            </a:lvl5pPr>
-            <a:lvl6pPr marL="2514600" indent="-228600" defTabSz="287338" eaLnBrk="0" fontAlgn="base" hangingPunct="0">
-              <a:lnSpc>
-                <a:spcPct val="90000"/>
-              </a:lnSpc>
-              <a:spcBef>
-                <a:spcPts val="500"/>
-              </a:spcBef>
-              <a:spcAft>
-                <a:spcPct val="0"/>
-              </a:spcAft>
-              <a:buFont typeface="Arial" panose="020B0604020202020204" pitchFamily="34" charset="0"/>
-              <a:buChar char="•"/>
-              <a:defRPr>
-                <a:solidFill>
-                  <a:schemeClr val="tx1"/>
-                </a:solidFill>
-                <a:latin typeface="Calibri" panose="020F0502020204030204" pitchFamily="34" charset="0"/>
-              </a:defRPr>
-            </a:lvl6pPr>
-            <a:lvl7pPr marL="2971800" indent="-228600" defTabSz="287338" eaLnBrk="0" fontAlgn="base" hangingPunct="0">
-              <a:lnSpc>
-                <a:spcPct val="90000"/>
-              </a:lnSpc>
-              <a:spcBef>
-                <a:spcPts val="500"/>
-              </a:spcBef>
-              <a:spcAft>
-                <a:spcPct val="0"/>
-              </a:spcAft>
-              <a:buFont typeface="Arial" panose="020B0604020202020204" pitchFamily="34" charset="0"/>
-              <a:buChar char="•"/>
-              <a:defRPr>
-                <a:solidFill>
-                  <a:schemeClr val="tx1"/>
-                </a:solidFill>
-                <a:latin typeface="Calibri" panose="020F0502020204030204" pitchFamily="34" charset="0"/>
-              </a:defRPr>
-            </a:lvl7pPr>
-            <a:lvl8pPr marL="3429000" indent="-228600" defTabSz="287338" eaLnBrk="0" fontAlgn="base" hangingPunct="0">
-              <a:lnSpc>
-                <a:spcPct val="90000"/>
-              </a:lnSpc>
-              <a:spcBef>
-                <a:spcPts val="500"/>
-              </a:spcBef>
-              <a:spcAft>
-                <a:spcPct val="0"/>
-              </a:spcAft>
-              <a:buFont typeface="Arial" panose="020B0604020202020204" pitchFamily="34" charset="0"/>
-              <a:buChar char="•"/>
-              <a:defRPr>
-                <a:solidFill>
-                  <a:schemeClr val="tx1"/>
-                </a:solidFill>
-                <a:latin typeface="Calibri" panose="020F0502020204030204" pitchFamily="34" charset="0"/>
-              </a:defRPr>
-            </a:lvl8pPr>
-            <a:lvl9pPr marL="3886200" indent="-228600" defTabSz="287338" eaLnBrk="0" fontAlgn="base" hangingPunct="0">
-              <a:lnSpc>
-                <a:spcPct val="90000"/>
-              </a:lnSpc>
-              <a:spcBef>
-                <a:spcPts val="500"/>
-              </a:spcBef>
-              <a:spcAft>
-                <a:spcPct val="0"/>
-              </a:spcAft>
-              <a:buFont typeface="Arial" panose="020B0604020202020204" pitchFamily="34" charset="0"/>
-              <a:buChar char="•"/>
-              <a:defRPr>
-                <a:solidFill>
-                  <a:schemeClr val="tx1"/>
-                </a:solidFill>
-                <a:latin typeface="Calibri" panose="020F0502020204030204" pitchFamily="34" charset="0"/>
-              </a:defRPr>
-            </a:lvl9pPr>
-          </a:lstStyle>
-          <a:p>
-            <a:pPr eaLnBrk="1" hangingPunct="1">
-              <a:lnSpc>
-                <a:spcPct val="100000"/>
-              </a:lnSpc>
-              <a:spcBef>
-                <a:spcPct val="0"/>
-              </a:spcBef>
-              <a:spcAft>
-                <a:spcPts val="600"/>
-              </a:spcAft>
-              <a:buClr>
-                <a:srgbClr val="8DAE10"/>
-              </a:buClr>
-              <a:buSzPct val="130000"/>
-            </a:pPr>
-            <a:r>
-              <a:rPr lang="de-DE" altLang="de-DE" sz="1800">
-                <a:solidFill>
-                  <a:srgbClr val="17365C"/>
-                </a:solidFill>
-                <a:latin typeface="Arial" panose="020B0604020202020204" pitchFamily="34" charset="0"/>
-                <a:cs typeface="Arial" panose="020B0604020202020204" pitchFamily="34" charset="0"/>
-              </a:rPr>
-              <a:t>dsdsdsdsd</a:t>
+              <a:t>Benchmarks</a:t>
             </a:r>
           </a:p>
         </p:txBody>
@@ -12448,7 +12355,7 @@
           <p:cNvPr id="6" name="Fußzeilenplatzhalter 1">
             <a:extLst>
               <a:ext uri="{FF2B5EF4-FFF2-40B4-BE49-F238E27FC236}">
-                <a16:creationId xmlns:a16="http://schemas.microsoft.com/office/drawing/2014/main" id="{4780A6E9-2EF5-40C7-A807-2A4D393448CD}"/>
+                <a16:creationId xmlns:a16="http://schemas.microsoft.com/office/drawing/2014/main" id="{851F1EC6-CA49-48E0-9170-D87057F5C51E}"/>
               </a:ext>
             </a:extLst>
           </p:cNvPr>
@@ -12708,10 +12615,30 @@
                 <a:latin typeface="Arial" panose="020B0604020202020204" pitchFamily="34" charset="0"/>
                 <a:cs typeface="Arial" panose="020B0604020202020204" pitchFamily="34" charset="0"/>
               </a:rPr>
-              <a:t> parallel – Benchmarking - </a:t>
-            </a:r>
-            <a:r>
-              <a:rPr lang="de-DE" altLang="de-DE" sz="1050" dirty="0" err="1">
+              <a:t> parallel – </a:t>
+            </a:r>
+            <a:r>
+              <a:rPr lang="de-DE" altLang="de-DE" sz="1050" dirty="0">
+                <a:solidFill>
+                  <a:srgbClr val="17365C"/>
+                </a:solidFill>
+                <a:latin typeface="Arial" panose="020B0604020202020204" pitchFamily="34" charset="0"/>
+                <a:cs typeface="Arial" panose="020B0604020202020204" pitchFamily="34" charset="0"/>
+              </a:rPr>
+              <a:t>Benchmarking</a:t>
+            </a:r>
+            <a:r>
+              <a:rPr lang="de-DE" altLang="de-DE" sz="1050" b="0" dirty="0">
+                <a:solidFill>
+                  <a:srgbClr val="17365C"/>
+                </a:solidFill>
+                <a:latin typeface="Arial" panose="020B0604020202020204" pitchFamily="34" charset="0"/>
+                <a:cs typeface="Arial" panose="020B0604020202020204" pitchFamily="34" charset="0"/>
+              </a:rPr>
+              <a:t> - </a:t>
+            </a:r>
+            <a:r>
+              <a:rPr lang="de-DE" altLang="de-DE" sz="1050" b="0" dirty="0" err="1">
                 <a:solidFill>
                   <a:srgbClr val="17365C"/>
                 </a:solidFill>
@@ -12720,7 +12647,7 @@
               </a:rPr>
               <a:t>Conclusion</a:t>
             </a:r>
-            <a:endParaRPr lang="de-DE" altLang="de-DE" sz="1050" dirty="0">
+            <a:endParaRPr lang="de-DE" altLang="de-DE" sz="1050" b="0" dirty="0">
               <a:solidFill>
                 <a:srgbClr val="17365C"/>
               </a:solidFill>
@@ -12730,7 +12657,215 @@
           </a:p>
         </p:txBody>
       </p:sp>
+      <p:pic>
+        <p:nvPicPr>
+          <p:cNvPr id="7" name="Grafik 6">
+            <a:extLst>
+              <a:ext uri="{FF2B5EF4-FFF2-40B4-BE49-F238E27FC236}">
+                <a16:creationId xmlns:a16="http://schemas.microsoft.com/office/drawing/2014/main" id="{F077528F-D7C0-40C9-A08C-87A3B631520F}"/>
+              </a:ext>
+            </a:extLst>
+          </p:cNvPr>
+          <p:cNvPicPr>
+            <a:picLocks noChangeAspect="1"/>
+          </p:cNvPicPr>
+          <p:nvPr/>
+        </p:nvPicPr>
+        <p:blipFill rotWithShape="1">
+          <a:blip r:embed="rId3"/>
+          <a:srcRect t="787" b="9937"/>
+          <a:stretch/>
+        </p:blipFill>
+        <p:spPr>
+          <a:xfrm>
+            <a:off x="512763" y="1054842"/>
+            <a:ext cx="7790213" cy="4748316"/>
+          </a:xfrm>
+          <a:prstGeom prst="rect">
+            <a:avLst/>
+          </a:prstGeom>
+        </p:spPr>
+      </p:pic>
+      <p:sp>
+        <p:nvSpPr>
+          <p:cNvPr id="2" name="Rechteck 1">
+            <a:extLst>
+              <a:ext uri="{FF2B5EF4-FFF2-40B4-BE49-F238E27FC236}">
+                <a16:creationId xmlns:a16="http://schemas.microsoft.com/office/drawing/2014/main" id="{18012030-B8A8-490C-9030-03BCA34A0A8B}"/>
+              </a:ext>
+            </a:extLst>
+          </p:cNvPr>
+          <p:cNvSpPr/>
+          <p:nvPr/>
+        </p:nvSpPr>
+        <p:spPr>
+          <a:xfrm>
+            <a:off x="1318161" y="4134737"/>
+            <a:ext cx="4409817" cy="1565419"/>
+          </a:xfrm>
+          <a:prstGeom prst="rect">
+            <a:avLst/>
+          </a:prstGeom>
+          <a:noFill/>
+          <a:ln w="28575">
+            <a:solidFill>
+              <a:srgbClr val="FF0000"/>
+            </a:solidFill>
+          </a:ln>
+        </p:spPr>
+        <p:style>
+          <a:lnRef idx="2">
+            <a:schemeClr val="accent1">
+              <a:shade val="50000"/>
+            </a:schemeClr>
+          </a:lnRef>
+          <a:fillRef idx="1">
+            <a:schemeClr val="accent1"/>
+          </a:fillRef>
+          <a:effectRef idx="0">
+            <a:schemeClr val="accent1"/>
+          </a:effectRef>
+          <a:fontRef idx="minor">
+            <a:schemeClr val="lt1"/>
+          </a:fontRef>
+        </p:style>
+        <p:txBody>
+          <a:bodyPr rtlCol="0" anchor="ctr"/>
+          <a:lstStyle/>
+          <a:p>
+            <a:pPr algn="ctr"/>
+            <a:endParaRPr lang="de-DE"/>
+          </a:p>
+        </p:txBody>
+      </p:sp>
+      <p:cxnSp>
+        <p:nvCxnSpPr>
+          <p:cNvPr id="4" name="Gerader Verbinder 3">
+            <a:extLst>
+              <a:ext uri="{FF2B5EF4-FFF2-40B4-BE49-F238E27FC236}">
+                <a16:creationId xmlns:a16="http://schemas.microsoft.com/office/drawing/2014/main" id="{D5291FD5-F4DE-442D-9458-2C0021967AC4}"/>
+              </a:ext>
+            </a:extLst>
+          </p:cNvPr>
+          <p:cNvCxnSpPr/>
+          <p:nvPr/>
+        </p:nvCxnSpPr>
+        <p:spPr>
+          <a:xfrm flipH="1" flipV="1">
+            <a:off x="2790701" y="3253839"/>
+            <a:ext cx="859096" cy="880898"/>
+          </a:xfrm>
+          <a:prstGeom prst="line">
+            <a:avLst/>
+          </a:prstGeom>
+          <a:ln w="28575">
+            <a:solidFill>
+              <a:srgbClr val="FF0000"/>
+            </a:solidFill>
+          </a:ln>
+        </p:spPr>
+        <p:style>
+          <a:lnRef idx="1">
+            <a:schemeClr val="accent1"/>
+          </a:lnRef>
+          <a:fillRef idx="0">
+            <a:schemeClr val="accent1"/>
+          </a:fillRef>
+          <a:effectRef idx="0">
+            <a:schemeClr val="accent1"/>
+          </a:effectRef>
+          <a:fontRef idx="minor">
+            <a:schemeClr val="tx1"/>
+          </a:fontRef>
+        </p:style>
+      </p:cxnSp>
+      <p:sp>
+        <p:nvSpPr>
+          <p:cNvPr id="5" name="Textfeld 4">
+            <a:extLst>
+              <a:ext uri="{FF2B5EF4-FFF2-40B4-BE49-F238E27FC236}">
+                <a16:creationId xmlns:a16="http://schemas.microsoft.com/office/drawing/2014/main" id="{EC030916-CA1D-4BA9-A3D0-DECE19609CF8}"/>
+              </a:ext>
+            </a:extLst>
+          </p:cNvPr>
+          <p:cNvSpPr txBox="1"/>
+          <p:nvPr/>
+        </p:nvSpPr>
+        <p:spPr>
+          <a:xfrm>
+            <a:off x="1749744" y="2459447"/>
+            <a:ext cx="2370994" cy="707886"/>
+          </a:xfrm>
+          <a:prstGeom prst="rect">
+            <a:avLst/>
+          </a:prstGeom>
+          <a:noFill/>
+        </p:spPr>
+        <p:txBody>
+          <a:bodyPr wrap="square" rtlCol="0">
+            <a:spAutoFit/>
+          </a:bodyPr>
+          <a:lstStyle/>
+          <a:p>
+            <a:r>
+              <a:rPr lang="de-DE" sz="2000" dirty="0">
+                <a:solidFill>
+                  <a:srgbClr val="17365C"/>
+                </a:solidFill>
+                <a:latin typeface="Arial" panose="020B0604020202020204" pitchFamily="34" charset="0"/>
+                <a:cs typeface="Arial" panose="020B0604020202020204" pitchFamily="34" charset="0"/>
+              </a:rPr>
+              <a:t>Overhead </a:t>
+            </a:r>
+            <a:r>
+              <a:rPr lang="de-DE" sz="2000" dirty="0" err="1">
+                <a:solidFill>
+                  <a:srgbClr val="17365C"/>
+                </a:solidFill>
+                <a:latin typeface="Arial" panose="020B0604020202020204" pitchFamily="34" charset="0"/>
+                <a:cs typeface="Arial" panose="020B0604020202020204" pitchFamily="34" charset="0"/>
+              </a:rPr>
+              <a:t>caused</a:t>
+            </a:r>
+            <a:r>
+              <a:rPr lang="de-DE" sz="2000" dirty="0">
+                <a:solidFill>
+                  <a:srgbClr val="17365C"/>
+                </a:solidFill>
+                <a:latin typeface="Arial" panose="020B0604020202020204" pitchFamily="34" charset="0"/>
+                <a:cs typeface="Arial" panose="020B0604020202020204" pitchFamily="34" charset="0"/>
+              </a:rPr>
+              <a:t> </a:t>
+            </a:r>
+            <a:r>
+              <a:rPr lang="de-DE" sz="2000" dirty="0" err="1">
+                <a:solidFill>
+                  <a:srgbClr val="17365C"/>
+                </a:solidFill>
+                <a:latin typeface="Arial" panose="020B0604020202020204" pitchFamily="34" charset="0"/>
+                <a:cs typeface="Arial" panose="020B0604020202020204" pitchFamily="34" charset="0"/>
+              </a:rPr>
+              <a:t>by</a:t>
+            </a:r>
+            <a:r>
+              <a:rPr lang="de-DE" sz="2000" dirty="0">
+                <a:solidFill>
+                  <a:srgbClr val="17365C"/>
+                </a:solidFill>
+                <a:latin typeface="Arial" panose="020B0604020202020204" pitchFamily="34" charset="0"/>
+                <a:cs typeface="Arial" panose="020B0604020202020204" pitchFamily="34" charset="0"/>
+              </a:rPr>
+              <a:t> Java Threads</a:t>
+            </a:r>
+          </a:p>
+        </p:txBody>
+      </p:sp>
     </p:spTree>
+    <p:extLst>
+      <p:ext uri="{BB962C8B-B14F-4D97-AF65-F5344CB8AC3E}">
+        <p14:creationId xmlns:p14="http://schemas.microsoft.com/office/powerpoint/2010/main" val="1892642936"/>
+      </p:ext>
+    </p:extLst>
   </p:cSld>
   <p:clrMapOvr>
     <a:masterClrMapping/>
@@ -13229,243 +13364,6 @@
       </p:sp>
       <p:sp>
         <p:nvSpPr>
-          <p:cNvPr id="24581" name="Textfeld 4">
-            <a:extLst>
-              <a:ext uri="{FF2B5EF4-FFF2-40B4-BE49-F238E27FC236}">
-                <a16:creationId xmlns:a16="http://schemas.microsoft.com/office/drawing/2014/main" id="{11DA86CA-B8ED-42EA-86A8-1A34E6ACC2F9}"/>
-              </a:ext>
-            </a:extLst>
-          </p:cNvPr>
-          <p:cNvSpPr txBox="1">
-            <a:spLocks noChangeArrowheads="1"/>
-          </p:cNvSpPr>
-          <p:nvPr/>
-        </p:nvSpPr>
-        <p:spPr bwMode="auto">
-          <a:xfrm>
-            <a:off x="338138" y="1031875"/>
-            <a:ext cx="8353425" cy="276225"/>
-          </a:xfrm>
-          <a:prstGeom prst="rect">
-            <a:avLst/>
-          </a:prstGeom>
-          <a:noFill/>
-          <a:ln>
-            <a:noFill/>
-          </a:ln>
-          <a:extLst>
-            <a:ext uri="{909E8E84-426E-40DD-AFC4-6F175D3DCCD1}">
-              <a14:hiddenFill xmlns:a14="http://schemas.microsoft.com/office/drawing/2010/main">
-                <a:solidFill>
-                  <a:srgbClr val="FFFFFF"/>
-                </a:solidFill>
-              </a14:hiddenFill>
-            </a:ext>
-            <a:ext uri="{91240B29-F687-4F45-9708-019B960494DF}">
-              <a14:hiddenLine xmlns:a14="http://schemas.microsoft.com/office/drawing/2010/main" w="9525">
-                <a:solidFill>
-                  <a:srgbClr val="000000"/>
-                </a:solidFill>
-                <a:miter lim="800000"/>
-                <a:headEnd/>
-                <a:tailEnd/>
-              </a14:hiddenLine>
-            </a:ext>
-          </a:extLst>
-        </p:spPr>
-        <p:txBody>
-          <a:bodyPr lIns="0" tIns="0" rIns="0" bIns="0">
-            <a:spAutoFit/>
-          </a:bodyPr>
-          <a:lstStyle>
-            <a:lvl1pPr marL="285750" indent="-285750" defTabSz="287338">
-              <a:lnSpc>
-                <a:spcPct val="90000"/>
-              </a:lnSpc>
-              <a:spcBef>
-                <a:spcPts val="1000"/>
-              </a:spcBef>
-              <a:buFont typeface="Arial" panose="020B0604020202020204" pitchFamily="34" charset="0"/>
-              <a:buChar char="•"/>
-              <a:defRPr sz="2800">
-                <a:solidFill>
-                  <a:schemeClr val="tx1"/>
-                </a:solidFill>
-                <a:latin typeface="Calibri" panose="020F0502020204030204" pitchFamily="34" charset="0"/>
-              </a:defRPr>
-            </a:lvl1pPr>
-            <a:lvl2pPr marL="742950" indent="-285750" defTabSz="287338">
-              <a:lnSpc>
-                <a:spcPct val="90000"/>
-              </a:lnSpc>
-              <a:spcBef>
-                <a:spcPts val="500"/>
-              </a:spcBef>
-              <a:buFont typeface="Arial" panose="020B0604020202020204" pitchFamily="34" charset="0"/>
-              <a:buChar char="•"/>
-              <a:defRPr sz="2400">
-                <a:solidFill>
-                  <a:schemeClr val="tx1"/>
-                </a:solidFill>
-                <a:latin typeface="Calibri" panose="020F0502020204030204" pitchFamily="34" charset="0"/>
-              </a:defRPr>
-            </a:lvl2pPr>
-            <a:lvl3pPr marL="1143000" indent="-228600" defTabSz="287338">
-              <a:lnSpc>
-                <a:spcPct val="90000"/>
-              </a:lnSpc>
-              <a:spcBef>
-                <a:spcPts val="500"/>
-              </a:spcBef>
-              <a:buFont typeface="Arial" panose="020B0604020202020204" pitchFamily="34" charset="0"/>
-              <a:buChar char="•"/>
-              <a:defRPr sz="2000">
-                <a:solidFill>
-                  <a:schemeClr val="tx1"/>
-                </a:solidFill>
-                <a:latin typeface="Calibri" panose="020F0502020204030204" pitchFamily="34" charset="0"/>
-              </a:defRPr>
-            </a:lvl3pPr>
-            <a:lvl4pPr marL="1600200" indent="-228600" defTabSz="287338">
-              <a:lnSpc>
-                <a:spcPct val="90000"/>
-              </a:lnSpc>
-              <a:spcBef>
-                <a:spcPts val="500"/>
-              </a:spcBef>
-              <a:buFont typeface="Arial" panose="020B0604020202020204" pitchFamily="34" charset="0"/>
-              <a:buChar char="•"/>
-              <a:defRPr>
-                <a:solidFill>
-                  <a:schemeClr val="tx1"/>
-                </a:solidFill>
-                <a:latin typeface="Calibri" panose="020F0502020204030204" pitchFamily="34" charset="0"/>
-              </a:defRPr>
-            </a:lvl4pPr>
-            <a:lvl5pPr marL="2057400" indent="-228600" defTabSz="287338">
-              <a:lnSpc>
-                <a:spcPct val="90000"/>
-              </a:lnSpc>
-              <a:spcBef>
-                <a:spcPts val="500"/>
-              </a:spcBef>
-              <a:buFont typeface="Arial" panose="020B0604020202020204" pitchFamily="34" charset="0"/>
-              <a:buChar char="•"/>
-              <a:defRPr>
-                <a:solidFill>
-                  <a:schemeClr val="tx1"/>
-                </a:solidFill>
-                <a:latin typeface="Calibri" panose="020F0502020204030204" pitchFamily="34" charset="0"/>
-              </a:defRPr>
-            </a:lvl5pPr>
-            <a:lvl6pPr marL="2514600" indent="-228600" defTabSz="287338" eaLnBrk="0" fontAlgn="base" hangingPunct="0">
-              <a:lnSpc>
-                <a:spcPct val="90000"/>
-              </a:lnSpc>
-              <a:spcBef>
-                <a:spcPts val="500"/>
-              </a:spcBef>
-              <a:spcAft>
-                <a:spcPct val="0"/>
-              </a:spcAft>
-              <a:buFont typeface="Arial" panose="020B0604020202020204" pitchFamily="34" charset="0"/>
-              <a:buChar char="•"/>
-              <a:defRPr>
-                <a:solidFill>
-                  <a:schemeClr val="tx1"/>
-                </a:solidFill>
-                <a:latin typeface="Calibri" panose="020F0502020204030204" pitchFamily="34" charset="0"/>
-              </a:defRPr>
-            </a:lvl6pPr>
-            <a:lvl7pPr marL="2971800" indent="-228600" defTabSz="287338" eaLnBrk="0" fontAlgn="base" hangingPunct="0">
-              <a:lnSpc>
-                <a:spcPct val="90000"/>
-              </a:lnSpc>
-              <a:spcBef>
-                <a:spcPts val="500"/>
-              </a:spcBef>
-              <a:spcAft>
-                <a:spcPct val="0"/>
-              </a:spcAft>
-              <a:buFont typeface="Arial" panose="020B0604020202020204" pitchFamily="34" charset="0"/>
-              <a:buChar char="•"/>
-              <a:defRPr>
-                <a:solidFill>
-                  <a:schemeClr val="tx1"/>
-                </a:solidFill>
-                <a:latin typeface="Calibri" panose="020F0502020204030204" pitchFamily="34" charset="0"/>
-              </a:defRPr>
-            </a:lvl7pPr>
-            <a:lvl8pPr marL="3429000" indent="-228600" defTabSz="287338" eaLnBrk="0" fontAlgn="base" hangingPunct="0">
-              <a:lnSpc>
-                <a:spcPct val="90000"/>
-              </a:lnSpc>
-              <a:spcBef>
-                <a:spcPts val="500"/>
-              </a:spcBef>
-              <a:spcAft>
-                <a:spcPct val="0"/>
-              </a:spcAft>
-              <a:buFont typeface="Arial" panose="020B0604020202020204" pitchFamily="34" charset="0"/>
-              <a:buChar char="•"/>
-              <a:defRPr>
-                <a:solidFill>
-                  <a:schemeClr val="tx1"/>
-                </a:solidFill>
-                <a:latin typeface="Calibri" panose="020F0502020204030204" pitchFamily="34" charset="0"/>
-              </a:defRPr>
-            </a:lvl8pPr>
-            <a:lvl9pPr marL="3886200" indent="-228600" defTabSz="287338" eaLnBrk="0" fontAlgn="base" hangingPunct="0">
-              <a:lnSpc>
-                <a:spcPct val="90000"/>
-              </a:lnSpc>
-              <a:spcBef>
-                <a:spcPts val="500"/>
-              </a:spcBef>
-              <a:spcAft>
-                <a:spcPct val="0"/>
-              </a:spcAft>
-              <a:buFont typeface="Arial" panose="020B0604020202020204" pitchFamily="34" charset="0"/>
-              <a:buChar char="•"/>
-              <a:defRPr>
-                <a:solidFill>
-                  <a:schemeClr val="tx1"/>
-                </a:solidFill>
-                <a:latin typeface="Calibri" panose="020F0502020204030204" pitchFamily="34" charset="0"/>
-              </a:defRPr>
-            </a:lvl9pPr>
-          </a:lstStyle>
-          <a:p>
-            <a:pPr eaLnBrk="1" hangingPunct="1">
-              <a:lnSpc>
-                <a:spcPct val="100000"/>
-              </a:lnSpc>
-              <a:spcBef>
-                <a:spcPct val="0"/>
-              </a:spcBef>
-              <a:spcAft>
-                <a:spcPts val="600"/>
-              </a:spcAft>
-              <a:buClr>
-                <a:srgbClr val="8DAE10"/>
-              </a:buClr>
-              <a:buSzPct val="130000"/>
-            </a:pPr>
-            <a:r>
-              <a:rPr lang="de-DE" altLang="de-DE" sz="1800">
-                <a:solidFill>
-                  <a:srgbClr val="17365C"/>
-                </a:solidFill>
-                <a:latin typeface="Arial" panose="020B0604020202020204" pitchFamily="34" charset="0"/>
-                <a:cs typeface="Arial" panose="020B0604020202020204" pitchFamily="34" charset="0"/>
-              </a:rPr>
-              <a:t>dsdsdsdsd</a:t>
-            </a:r>
-          </a:p>
-        </p:txBody>
-      </p:sp>
-      <p:sp>
-        <p:nvSpPr>
           <p:cNvPr id="6" name="Fußzeilenplatzhalter 1">
             <a:extLst>
               <a:ext uri="{FF2B5EF4-FFF2-40B4-BE49-F238E27FC236}">
@@ -13748,6 +13646,785 @@
               <a:latin typeface="Arial" panose="020B0604020202020204" pitchFamily="34" charset="0"/>
               <a:cs typeface="Arial" panose="020B0604020202020204" pitchFamily="34" charset="0"/>
             </a:endParaRPr>
+          </a:p>
+        </p:txBody>
+      </p:sp>
+      <p:pic>
+        <p:nvPicPr>
+          <p:cNvPr id="3" name="Grafik 2">
+            <a:extLst>
+              <a:ext uri="{FF2B5EF4-FFF2-40B4-BE49-F238E27FC236}">
+                <a16:creationId xmlns:a16="http://schemas.microsoft.com/office/drawing/2014/main" id="{C0E28C3B-E865-4524-AAE5-48F11B81C223}"/>
+              </a:ext>
+            </a:extLst>
+          </p:cNvPr>
+          <p:cNvPicPr>
+            <a:picLocks noChangeAspect="1"/>
+          </p:cNvPicPr>
+          <p:nvPr/>
+        </p:nvPicPr>
+        <p:blipFill rotWithShape="1">
+          <a:blip r:embed="rId3"/>
+          <a:srcRect t="787" b="9937"/>
+          <a:stretch/>
+        </p:blipFill>
+        <p:spPr>
+          <a:xfrm>
+            <a:off x="338138" y="1054841"/>
+            <a:ext cx="8295223" cy="5056131"/>
+          </a:xfrm>
+          <a:prstGeom prst="rect">
+            <a:avLst/>
+          </a:prstGeom>
+        </p:spPr>
+      </p:pic>
+      <p:sp>
+        <p:nvSpPr>
+          <p:cNvPr id="9" name="Textfeld 4">
+            <a:extLst>
+              <a:ext uri="{FF2B5EF4-FFF2-40B4-BE49-F238E27FC236}">
+                <a16:creationId xmlns:a16="http://schemas.microsoft.com/office/drawing/2014/main" id="{1392E09B-6CBF-4DC9-9C3B-7324447DDECD}"/>
+              </a:ext>
+            </a:extLst>
+          </p:cNvPr>
+          <p:cNvSpPr txBox="1">
+            <a:spLocks noChangeArrowheads="1"/>
+          </p:cNvSpPr>
+          <p:nvPr/>
+        </p:nvSpPr>
+        <p:spPr bwMode="auto">
+          <a:xfrm>
+            <a:off x="1213180" y="1664011"/>
+            <a:ext cx="4875129" cy="2462213"/>
+          </a:xfrm>
+          <a:prstGeom prst="rect">
+            <a:avLst/>
+          </a:prstGeom>
+          <a:noFill/>
+          <a:ln>
+            <a:noFill/>
+          </a:ln>
+          <a:extLst>
+            <a:ext uri="{909E8E84-426E-40DD-AFC4-6F175D3DCCD1}">
+              <a14:hiddenFill xmlns:a14="http://schemas.microsoft.com/office/drawing/2010/main">
+                <a:solidFill>
+                  <a:srgbClr val="FFFFFF"/>
+                </a:solidFill>
+              </a14:hiddenFill>
+            </a:ext>
+            <a:ext uri="{91240B29-F687-4F45-9708-019B960494DF}">
+              <a14:hiddenLine xmlns:a14="http://schemas.microsoft.com/office/drawing/2010/main" w="9525">
+                <a:solidFill>
+                  <a:srgbClr val="000000"/>
+                </a:solidFill>
+                <a:miter lim="800000"/>
+                <a:headEnd/>
+                <a:tailEnd/>
+              </a14:hiddenLine>
+            </a:ext>
+          </a:extLst>
+        </p:spPr>
+        <p:txBody>
+          <a:bodyPr wrap="square" lIns="0" tIns="0" rIns="0" bIns="0">
+            <a:spAutoFit/>
+          </a:bodyPr>
+          <a:lstStyle>
+            <a:lvl1pPr marL="285750" indent="-285750" defTabSz="287338">
+              <a:lnSpc>
+                <a:spcPct val="90000"/>
+              </a:lnSpc>
+              <a:spcBef>
+                <a:spcPts val="1000"/>
+              </a:spcBef>
+              <a:buFont typeface="Arial" panose="020B0604020202020204" pitchFamily="34" charset="0"/>
+              <a:buChar char="•"/>
+              <a:defRPr sz="2800">
+                <a:solidFill>
+                  <a:schemeClr val="tx1"/>
+                </a:solidFill>
+                <a:latin typeface="Calibri" panose="020F0502020204030204" pitchFamily="34" charset="0"/>
+              </a:defRPr>
+            </a:lvl1pPr>
+            <a:lvl2pPr marL="742950" indent="-285750" defTabSz="287338">
+              <a:lnSpc>
+                <a:spcPct val="90000"/>
+              </a:lnSpc>
+              <a:spcBef>
+                <a:spcPts val="500"/>
+              </a:spcBef>
+              <a:buFont typeface="Arial" panose="020B0604020202020204" pitchFamily="34" charset="0"/>
+              <a:buChar char="•"/>
+              <a:defRPr sz="2400">
+                <a:solidFill>
+                  <a:schemeClr val="tx1"/>
+                </a:solidFill>
+                <a:latin typeface="Calibri" panose="020F0502020204030204" pitchFamily="34" charset="0"/>
+              </a:defRPr>
+            </a:lvl2pPr>
+            <a:lvl3pPr marL="1143000" indent="-228600" defTabSz="287338">
+              <a:lnSpc>
+                <a:spcPct val="90000"/>
+              </a:lnSpc>
+              <a:spcBef>
+                <a:spcPts val="500"/>
+              </a:spcBef>
+              <a:buFont typeface="Arial" panose="020B0604020202020204" pitchFamily="34" charset="0"/>
+              <a:buChar char="•"/>
+              <a:defRPr sz="2000">
+                <a:solidFill>
+                  <a:schemeClr val="tx1"/>
+                </a:solidFill>
+                <a:latin typeface="Calibri" panose="020F0502020204030204" pitchFamily="34" charset="0"/>
+              </a:defRPr>
+            </a:lvl3pPr>
+            <a:lvl4pPr marL="1600200" indent="-228600" defTabSz="287338">
+              <a:lnSpc>
+                <a:spcPct val="90000"/>
+              </a:lnSpc>
+              <a:spcBef>
+                <a:spcPts val="500"/>
+              </a:spcBef>
+              <a:buFont typeface="Arial" panose="020B0604020202020204" pitchFamily="34" charset="0"/>
+              <a:buChar char="•"/>
+              <a:defRPr>
+                <a:solidFill>
+                  <a:schemeClr val="tx1"/>
+                </a:solidFill>
+                <a:latin typeface="Calibri" panose="020F0502020204030204" pitchFamily="34" charset="0"/>
+              </a:defRPr>
+            </a:lvl4pPr>
+            <a:lvl5pPr marL="2057400" indent="-228600" defTabSz="287338">
+              <a:lnSpc>
+                <a:spcPct val="90000"/>
+              </a:lnSpc>
+              <a:spcBef>
+                <a:spcPts val="500"/>
+              </a:spcBef>
+              <a:buFont typeface="Arial" panose="020B0604020202020204" pitchFamily="34" charset="0"/>
+              <a:buChar char="•"/>
+              <a:defRPr>
+                <a:solidFill>
+                  <a:schemeClr val="tx1"/>
+                </a:solidFill>
+                <a:latin typeface="Calibri" panose="020F0502020204030204" pitchFamily="34" charset="0"/>
+              </a:defRPr>
+            </a:lvl5pPr>
+            <a:lvl6pPr marL="2514600" indent="-228600" defTabSz="287338" eaLnBrk="0" fontAlgn="base" hangingPunct="0">
+              <a:lnSpc>
+                <a:spcPct val="90000"/>
+              </a:lnSpc>
+              <a:spcBef>
+                <a:spcPts val="500"/>
+              </a:spcBef>
+              <a:spcAft>
+                <a:spcPct val="0"/>
+              </a:spcAft>
+              <a:buFont typeface="Arial" panose="020B0604020202020204" pitchFamily="34" charset="0"/>
+              <a:buChar char="•"/>
+              <a:defRPr>
+                <a:solidFill>
+                  <a:schemeClr val="tx1"/>
+                </a:solidFill>
+                <a:latin typeface="Calibri" panose="020F0502020204030204" pitchFamily="34" charset="0"/>
+              </a:defRPr>
+            </a:lvl6pPr>
+            <a:lvl7pPr marL="2971800" indent="-228600" defTabSz="287338" eaLnBrk="0" fontAlgn="base" hangingPunct="0">
+              <a:lnSpc>
+                <a:spcPct val="90000"/>
+              </a:lnSpc>
+              <a:spcBef>
+                <a:spcPts val="500"/>
+              </a:spcBef>
+              <a:spcAft>
+                <a:spcPct val="0"/>
+              </a:spcAft>
+              <a:buFont typeface="Arial" panose="020B0604020202020204" pitchFamily="34" charset="0"/>
+              <a:buChar char="•"/>
+              <a:defRPr>
+                <a:solidFill>
+                  <a:schemeClr val="tx1"/>
+                </a:solidFill>
+                <a:latin typeface="Calibri" panose="020F0502020204030204" pitchFamily="34" charset="0"/>
+              </a:defRPr>
+            </a:lvl7pPr>
+            <a:lvl8pPr marL="3429000" indent="-228600" defTabSz="287338" eaLnBrk="0" fontAlgn="base" hangingPunct="0">
+              <a:lnSpc>
+                <a:spcPct val="90000"/>
+              </a:lnSpc>
+              <a:spcBef>
+                <a:spcPts val="500"/>
+              </a:spcBef>
+              <a:spcAft>
+                <a:spcPct val="0"/>
+              </a:spcAft>
+              <a:buFont typeface="Arial" panose="020B0604020202020204" pitchFamily="34" charset="0"/>
+              <a:buChar char="•"/>
+              <a:defRPr>
+                <a:solidFill>
+                  <a:schemeClr val="tx1"/>
+                </a:solidFill>
+                <a:latin typeface="Calibri" panose="020F0502020204030204" pitchFamily="34" charset="0"/>
+              </a:defRPr>
+            </a:lvl8pPr>
+            <a:lvl9pPr marL="3886200" indent="-228600" defTabSz="287338" eaLnBrk="0" fontAlgn="base" hangingPunct="0">
+              <a:lnSpc>
+                <a:spcPct val="90000"/>
+              </a:lnSpc>
+              <a:spcBef>
+                <a:spcPts val="500"/>
+              </a:spcBef>
+              <a:spcAft>
+                <a:spcPct val="0"/>
+              </a:spcAft>
+              <a:buFont typeface="Arial" panose="020B0604020202020204" pitchFamily="34" charset="0"/>
+              <a:buChar char="•"/>
+              <a:defRPr>
+                <a:solidFill>
+                  <a:schemeClr val="tx1"/>
+                </a:solidFill>
+                <a:latin typeface="Calibri" panose="020F0502020204030204" pitchFamily="34" charset="0"/>
+              </a:defRPr>
+            </a:lvl9pPr>
+          </a:lstStyle>
+          <a:p>
+            <a:pPr marL="0" indent="0" eaLnBrk="1" hangingPunct="1">
+              <a:lnSpc>
+                <a:spcPct val="100000"/>
+              </a:lnSpc>
+              <a:spcBef>
+                <a:spcPct val="0"/>
+              </a:spcBef>
+              <a:spcAft>
+                <a:spcPts val="600"/>
+              </a:spcAft>
+              <a:buClr>
+                <a:srgbClr val="8DAE10"/>
+              </a:buClr>
+              <a:buSzPct val="130000"/>
+              <a:buNone/>
+            </a:pPr>
+            <a:r>
+              <a:rPr lang="de-DE" altLang="de-DE" sz="2000" dirty="0" err="1">
+                <a:solidFill>
+                  <a:srgbClr val="17365C"/>
+                </a:solidFill>
+                <a:latin typeface="Arial" panose="020B0604020202020204" pitchFamily="34" charset="0"/>
+                <a:cs typeface="Arial" panose="020B0604020202020204" pitchFamily="34" charset="0"/>
+              </a:rPr>
+              <a:t>Algorithm</a:t>
+            </a:r>
+            <a:r>
+              <a:rPr lang="de-DE" altLang="de-DE" sz="2000" dirty="0">
+                <a:solidFill>
+                  <a:srgbClr val="17365C"/>
+                </a:solidFill>
+                <a:latin typeface="Arial" panose="020B0604020202020204" pitchFamily="34" charset="0"/>
+                <a:cs typeface="Arial" panose="020B0604020202020204" pitchFamily="34" charset="0"/>
+              </a:rPr>
+              <a:t> </a:t>
+            </a:r>
+            <a:r>
+              <a:rPr lang="de-DE" altLang="de-DE" sz="2000" dirty="0" err="1">
+                <a:solidFill>
+                  <a:srgbClr val="17365C"/>
+                </a:solidFill>
+                <a:latin typeface="Arial" panose="020B0604020202020204" pitchFamily="34" charset="0"/>
+                <a:cs typeface="Arial" panose="020B0604020202020204" pitchFamily="34" charset="0"/>
+              </a:rPr>
+              <a:t>is</a:t>
+            </a:r>
+            <a:r>
+              <a:rPr lang="de-DE" altLang="de-DE" sz="2000" dirty="0">
+                <a:solidFill>
+                  <a:srgbClr val="17365C"/>
+                </a:solidFill>
+                <a:latin typeface="Arial" panose="020B0604020202020204" pitchFamily="34" charset="0"/>
+                <a:cs typeface="Arial" panose="020B0604020202020204" pitchFamily="34" charset="0"/>
+              </a:rPr>
+              <a:t> </a:t>
+            </a:r>
+            <a:r>
+              <a:rPr lang="de-DE" altLang="de-DE" sz="2000" dirty="0" err="1">
+                <a:solidFill>
+                  <a:srgbClr val="17365C"/>
+                </a:solidFill>
+                <a:latin typeface="Arial" panose="020B0604020202020204" pitchFamily="34" charset="0"/>
+                <a:cs typeface="Arial" panose="020B0604020202020204" pitchFamily="34" charset="0"/>
+              </a:rPr>
+              <a:t>by</a:t>
+            </a:r>
+            <a:r>
+              <a:rPr lang="de-DE" altLang="de-DE" sz="2000" dirty="0">
+                <a:solidFill>
+                  <a:srgbClr val="17365C"/>
+                </a:solidFill>
+                <a:latin typeface="Arial" panose="020B0604020202020204" pitchFamily="34" charset="0"/>
+                <a:cs typeface="Arial" panose="020B0604020202020204" pitchFamily="34" charset="0"/>
+              </a:rPr>
+              <a:t> ist </a:t>
+            </a:r>
+            <a:r>
+              <a:rPr lang="de-DE" altLang="de-DE" sz="2000" dirty="0" err="1">
+                <a:solidFill>
+                  <a:srgbClr val="17365C"/>
+                </a:solidFill>
+                <a:latin typeface="Arial" panose="020B0604020202020204" pitchFamily="34" charset="0"/>
+                <a:cs typeface="Arial" panose="020B0604020202020204" pitchFamily="34" charset="0"/>
+              </a:rPr>
+              <a:t>nature</a:t>
+            </a:r>
+            <a:r>
+              <a:rPr lang="de-DE" altLang="de-DE" sz="2000" dirty="0">
+                <a:solidFill>
+                  <a:srgbClr val="17365C"/>
+                </a:solidFill>
+                <a:latin typeface="Arial" panose="020B0604020202020204" pitchFamily="34" charset="0"/>
+                <a:cs typeface="Arial" panose="020B0604020202020204" pitchFamily="34" charset="0"/>
+              </a:rPr>
+              <a:t> not </a:t>
+            </a:r>
+            <a:r>
+              <a:rPr lang="de-DE" altLang="de-DE" sz="2000" dirty="0" err="1">
+                <a:solidFill>
+                  <a:srgbClr val="17365C"/>
+                </a:solidFill>
+                <a:latin typeface="Arial" panose="020B0604020202020204" pitchFamily="34" charset="0"/>
+                <a:cs typeface="Arial" panose="020B0604020202020204" pitchFamily="34" charset="0"/>
+              </a:rPr>
+              <a:t>efficiently</a:t>
+            </a:r>
+            <a:r>
+              <a:rPr lang="de-DE" altLang="de-DE" sz="2000" dirty="0">
+                <a:solidFill>
+                  <a:srgbClr val="17365C"/>
+                </a:solidFill>
+                <a:latin typeface="Arial" panose="020B0604020202020204" pitchFamily="34" charset="0"/>
+                <a:cs typeface="Arial" panose="020B0604020202020204" pitchFamily="34" charset="0"/>
+              </a:rPr>
+              <a:t> </a:t>
+            </a:r>
+            <a:r>
+              <a:rPr lang="de-DE" altLang="de-DE" sz="2000" dirty="0" err="1">
+                <a:solidFill>
+                  <a:srgbClr val="17365C"/>
+                </a:solidFill>
+                <a:latin typeface="Arial" panose="020B0604020202020204" pitchFamily="34" charset="0"/>
+                <a:cs typeface="Arial" panose="020B0604020202020204" pitchFamily="34" charset="0"/>
+              </a:rPr>
+              <a:t>parralellizable</a:t>
+            </a:r>
+            <a:r>
+              <a:rPr lang="de-DE" altLang="de-DE" sz="2000" dirty="0">
+                <a:solidFill>
+                  <a:srgbClr val="17365C"/>
+                </a:solidFill>
+                <a:latin typeface="Arial" panose="020B0604020202020204" pitchFamily="34" charset="0"/>
+                <a:cs typeface="Arial" panose="020B0604020202020204" pitchFamily="34" charset="0"/>
+              </a:rPr>
+              <a:t>:</a:t>
+            </a:r>
+          </a:p>
+          <a:p>
+            <a:pPr lvl="1" eaLnBrk="1" hangingPunct="1">
+              <a:lnSpc>
+                <a:spcPct val="100000"/>
+              </a:lnSpc>
+              <a:spcBef>
+                <a:spcPct val="0"/>
+              </a:spcBef>
+              <a:spcAft>
+                <a:spcPts val="600"/>
+              </a:spcAft>
+              <a:buClr>
+                <a:srgbClr val="8DAE10"/>
+              </a:buClr>
+              <a:buSzPct val="130000"/>
+            </a:pPr>
+            <a:r>
+              <a:rPr lang="de-DE" altLang="de-DE" sz="1600" dirty="0">
+                <a:solidFill>
+                  <a:srgbClr val="17365C"/>
+                </a:solidFill>
+                <a:latin typeface="Arial" panose="020B0604020202020204" pitchFamily="34" charset="0"/>
+                <a:cs typeface="Arial" panose="020B0604020202020204" pitchFamily="34" charset="0"/>
+              </a:rPr>
+              <a:t>All </a:t>
+            </a:r>
+            <a:r>
+              <a:rPr lang="de-DE" altLang="de-DE" sz="1600" dirty="0" err="1">
+                <a:solidFill>
+                  <a:srgbClr val="17365C"/>
+                </a:solidFill>
+                <a:latin typeface="Arial" panose="020B0604020202020204" pitchFamily="34" charset="0"/>
+                <a:cs typeface="Arial" panose="020B0604020202020204" pitchFamily="34" charset="0"/>
+              </a:rPr>
+              <a:t>threads</a:t>
+            </a:r>
+            <a:r>
+              <a:rPr lang="de-DE" altLang="de-DE" sz="1600" dirty="0">
+                <a:solidFill>
+                  <a:srgbClr val="17365C"/>
+                </a:solidFill>
+                <a:latin typeface="Arial" panose="020B0604020202020204" pitchFamily="34" charset="0"/>
+                <a:cs typeface="Arial" panose="020B0604020202020204" pitchFamily="34" charset="0"/>
+              </a:rPr>
+              <a:t> </a:t>
+            </a:r>
+            <a:r>
+              <a:rPr lang="de-DE" altLang="de-DE" sz="1600" dirty="0" err="1">
+                <a:solidFill>
+                  <a:srgbClr val="17365C"/>
+                </a:solidFill>
+                <a:latin typeface="Arial" panose="020B0604020202020204" pitchFamily="34" charset="0"/>
+                <a:cs typeface="Arial" panose="020B0604020202020204" pitchFamily="34" charset="0"/>
+              </a:rPr>
+              <a:t>share</a:t>
+            </a:r>
+            <a:r>
+              <a:rPr lang="de-DE" altLang="de-DE" sz="1600" dirty="0">
+                <a:solidFill>
+                  <a:srgbClr val="17365C"/>
+                </a:solidFill>
+                <a:latin typeface="Arial" panose="020B0604020202020204" pitchFamily="34" charset="0"/>
+                <a:cs typeface="Arial" panose="020B0604020202020204" pitchFamily="34" charset="0"/>
+              </a:rPr>
+              <a:t> „</a:t>
+            </a:r>
+            <a:r>
+              <a:rPr lang="de-DE" altLang="de-DE" sz="1600" dirty="0" err="1">
+                <a:solidFill>
+                  <a:srgbClr val="17365C"/>
+                </a:solidFill>
+                <a:latin typeface="Arial" panose="020B0604020202020204" pitchFamily="34" charset="0"/>
+                <a:cs typeface="Arial" panose="020B0604020202020204" pitchFamily="34" charset="0"/>
+              </a:rPr>
+              <a:t>weights</a:t>
+            </a:r>
+            <a:r>
+              <a:rPr lang="de-DE" altLang="de-DE" sz="1600" dirty="0">
+                <a:solidFill>
+                  <a:srgbClr val="17365C"/>
+                </a:solidFill>
+                <a:latin typeface="Arial" panose="020B0604020202020204" pitchFamily="34" charset="0"/>
+                <a:cs typeface="Arial" panose="020B0604020202020204" pitchFamily="34" charset="0"/>
+              </a:rPr>
+              <a:t>“ variable </a:t>
+            </a:r>
+            <a:r>
+              <a:rPr lang="de-DE" altLang="de-DE" sz="1600" dirty="0" err="1">
+                <a:solidFill>
+                  <a:srgbClr val="17365C"/>
+                </a:solidFill>
+                <a:latin typeface="Arial" panose="020B0604020202020204" pitchFamily="34" charset="0"/>
+                <a:cs typeface="Arial" panose="020B0604020202020204" pitchFamily="34" charset="0"/>
+              </a:rPr>
+              <a:t>causing</a:t>
+            </a:r>
+            <a:r>
+              <a:rPr lang="de-DE" altLang="de-DE" sz="1600" dirty="0">
+                <a:solidFill>
+                  <a:srgbClr val="17365C"/>
+                </a:solidFill>
+                <a:latin typeface="Arial" panose="020B0604020202020204" pitchFamily="34" charset="0"/>
+                <a:cs typeface="Arial" panose="020B0604020202020204" pitchFamily="34" charset="0"/>
+              </a:rPr>
+              <a:t> </a:t>
+            </a:r>
+            <a:r>
+              <a:rPr lang="de-DE" altLang="de-DE" sz="1600" i="1" dirty="0" err="1">
+                <a:solidFill>
+                  <a:srgbClr val="17365C"/>
+                </a:solidFill>
+                <a:latin typeface="Arial" panose="020B0604020202020204" pitchFamily="34" charset="0"/>
+                <a:cs typeface="Arial" panose="020B0604020202020204" pitchFamily="34" charset="0"/>
+              </a:rPr>
+              <a:t>race</a:t>
+            </a:r>
+            <a:r>
+              <a:rPr lang="de-DE" altLang="de-DE" sz="1600" i="1" dirty="0">
+                <a:solidFill>
+                  <a:srgbClr val="17365C"/>
+                </a:solidFill>
+                <a:latin typeface="Arial" panose="020B0604020202020204" pitchFamily="34" charset="0"/>
+                <a:cs typeface="Arial" panose="020B0604020202020204" pitchFamily="34" charset="0"/>
+              </a:rPr>
+              <a:t> </a:t>
+            </a:r>
+            <a:r>
+              <a:rPr lang="de-DE" altLang="de-DE" sz="1600" i="1" dirty="0" err="1">
+                <a:solidFill>
+                  <a:srgbClr val="17365C"/>
+                </a:solidFill>
+                <a:latin typeface="Arial" panose="020B0604020202020204" pitchFamily="34" charset="0"/>
+                <a:cs typeface="Arial" panose="020B0604020202020204" pitchFamily="34" charset="0"/>
+              </a:rPr>
+              <a:t>conditions</a:t>
+            </a:r>
+            <a:endParaRPr lang="de-DE" altLang="de-DE" sz="1600" i="1" dirty="0">
+              <a:solidFill>
+                <a:srgbClr val="17365C"/>
+              </a:solidFill>
+              <a:latin typeface="Arial" panose="020B0604020202020204" pitchFamily="34" charset="0"/>
+              <a:cs typeface="Arial" panose="020B0604020202020204" pitchFamily="34" charset="0"/>
+            </a:endParaRPr>
+          </a:p>
+          <a:p>
+            <a:pPr lvl="1" eaLnBrk="1" hangingPunct="1">
+              <a:lnSpc>
+                <a:spcPct val="100000"/>
+              </a:lnSpc>
+              <a:spcBef>
+                <a:spcPct val="0"/>
+              </a:spcBef>
+              <a:spcAft>
+                <a:spcPts val="600"/>
+              </a:spcAft>
+              <a:buClr>
+                <a:srgbClr val="8DAE10"/>
+              </a:buClr>
+              <a:buSzPct val="130000"/>
+              <a:buFont typeface="Wingdings" panose="05000000000000000000" pitchFamily="2" charset="2"/>
+              <a:buChar char="Ø"/>
+            </a:pPr>
+            <a:r>
+              <a:rPr lang="de-DE" altLang="de-DE" sz="1600" i="1" dirty="0" err="1">
+                <a:solidFill>
+                  <a:srgbClr val="17365C"/>
+                </a:solidFill>
+                <a:latin typeface="Arial" panose="020B0604020202020204" pitchFamily="34" charset="0"/>
+                <a:cs typeface="Arial" panose="020B0604020202020204" pitchFamily="34" charset="0"/>
+              </a:rPr>
+              <a:t>Synchronized</a:t>
+            </a:r>
+            <a:r>
+              <a:rPr lang="de-DE" altLang="de-DE" sz="1600" i="1" dirty="0">
+                <a:solidFill>
+                  <a:srgbClr val="17365C"/>
+                </a:solidFill>
+                <a:latin typeface="Arial" panose="020B0604020202020204" pitchFamily="34" charset="0"/>
+                <a:cs typeface="Arial" panose="020B0604020202020204" pitchFamily="34" charset="0"/>
+              </a:rPr>
+              <a:t> </a:t>
+            </a:r>
+            <a:r>
+              <a:rPr lang="de-DE" altLang="de-DE" sz="1600" i="1" dirty="0" err="1">
+                <a:solidFill>
+                  <a:srgbClr val="17365C"/>
+                </a:solidFill>
+                <a:latin typeface="Arial" panose="020B0604020202020204" pitchFamily="34" charset="0"/>
+                <a:cs typeface="Arial" panose="020B0604020202020204" pitchFamily="34" charset="0"/>
+              </a:rPr>
+              <a:t>blocks</a:t>
+            </a:r>
+            <a:r>
+              <a:rPr lang="de-DE" altLang="de-DE" sz="1600" i="1" dirty="0">
+                <a:solidFill>
+                  <a:srgbClr val="17365C"/>
+                </a:solidFill>
+                <a:latin typeface="Arial" panose="020B0604020202020204" pitchFamily="34" charset="0"/>
+                <a:cs typeface="Arial" panose="020B0604020202020204" pitchFamily="34" charset="0"/>
+              </a:rPr>
+              <a:t> + </a:t>
+            </a:r>
+            <a:r>
+              <a:rPr lang="de-DE" altLang="de-DE" sz="1600" i="1" dirty="0" err="1">
+                <a:solidFill>
+                  <a:srgbClr val="17365C"/>
+                </a:solidFill>
+                <a:latin typeface="Arial" panose="020B0604020202020204" pitchFamily="34" charset="0"/>
+                <a:cs typeface="Arial" panose="020B0604020202020204" pitchFamily="34" charset="0"/>
+              </a:rPr>
+              <a:t>thread</a:t>
+            </a:r>
+            <a:r>
+              <a:rPr lang="de-DE" altLang="de-DE" sz="1600" i="1" dirty="0">
+                <a:solidFill>
+                  <a:srgbClr val="17365C"/>
+                </a:solidFill>
+                <a:latin typeface="Arial" panose="020B0604020202020204" pitchFamily="34" charset="0"/>
+                <a:cs typeface="Arial" panose="020B0604020202020204" pitchFamily="34" charset="0"/>
+              </a:rPr>
+              <a:t> </a:t>
+            </a:r>
+            <a:r>
+              <a:rPr lang="de-DE" altLang="de-DE" sz="1600" i="1" dirty="0" err="1">
+                <a:solidFill>
+                  <a:srgbClr val="17365C"/>
+                </a:solidFill>
+                <a:latin typeface="Arial" panose="020B0604020202020204" pitchFamily="34" charset="0"/>
+                <a:cs typeface="Arial" panose="020B0604020202020204" pitchFamily="34" charset="0"/>
+              </a:rPr>
+              <a:t>overherad</a:t>
+            </a:r>
+            <a:r>
+              <a:rPr lang="de-DE" altLang="de-DE" sz="1600" i="1" dirty="0">
+                <a:solidFill>
+                  <a:srgbClr val="17365C"/>
+                </a:solidFill>
+                <a:latin typeface="Arial" panose="020B0604020202020204" pitchFamily="34" charset="0"/>
+                <a:cs typeface="Arial" panose="020B0604020202020204" pitchFamily="34" charset="0"/>
+              </a:rPr>
+              <a:t> </a:t>
+            </a:r>
+            <a:r>
+              <a:rPr lang="de-DE" altLang="de-DE" sz="1600" dirty="0" err="1">
+                <a:solidFill>
+                  <a:srgbClr val="17365C"/>
+                </a:solidFill>
+                <a:latin typeface="Arial" panose="020B0604020202020204" pitchFamily="34" charset="0"/>
+                <a:cs typeface="Arial" panose="020B0604020202020204" pitchFamily="34" charset="0"/>
+              </a:rPr>
+              <a:t>hinder</a:t>
+            </a:r>
+            <a:r>
+              <a:rPr lang="de-DE" altLang="de-DE" sz="1600" dirty="0">
+                <a:solidFill>
+                  <a:srgbClr val="17365C"/>
+                </a:solidFill>
+                <a:latin typeface="Arial" panose="020B0604020202020204" pitchFamily="34" charset="0"/>
+                <a:cs typeface="Arial" panose="020B0604020202020204" pitchFamily="34" charset="0"/>
+              </a:rPr>
+              <a:t> </a:t>
+            </a:r>
+            <a:r>
+              <a:rPr lang="de-DE" altLang="de-DE" sz="1600" dirty="0" err="1">
+                <a:solidFill>
+                  <a:srgbClr val="17365C"/>
+                </a:solidFill>
+                <a:latin typeface="Arial" panose="020B0604020202020204" pitchFamily="34" charset="0"/>
+                <a:cs typeface="Arial" panose="020B0604020202020204" pitchFamily="34" charset="0"/>
+              </a:rPr>
+              <a:t>better</a:t>
+            </a:r>
+            <a:r>
+              <a:rPr lang="de-DE" altLang="de-DE" sz="1600" dirty="0">
+                <a:solidFill>
+                  <a:srgbClr val="17365C"/>
+                </a:solidFill>
+                <a:latin typeface="Arial" panose="020B0604020202020204" pitchFamily="34" charset="0"/>
+                <a:cs typeface="Arial" panose="020B0604020202020204" pitchFamily="34" charset="0"/>
+              </a:rPr>
+              <a:t> </a:t>
+            </a:r>
+            <a:r>
+              <a:rPr lang="de-DE" altLang="de-DE" sz="1600" dirty="0" err="1">
+                <a:solidFill>
+                  <a:srgbClr val="17365C"/>
+                </a:solidFill>
+                <a:latin typeface="Arial" panose="020B0604020202020204" pitchFamily="34" charset="0"/>
+                <a:cs typeface="Arial" panose="020B0604020202020204" pitchFamily="34" charset="0"/>
+              </a:rPr>
+              <a:t>performance</a:t>
+            </a:r>
+            <a:endParaRPr lang="de-DE" altLang="de-DE" sz="1600" dirty="0">
+              <a:solidFill>
+                <a:srgbClr val="17365C"/>
+              </a:solidFill>
+              <a:latin typeface="Arial" panose="020B0604020202020204" pitchFamily="34" charset="0"/>
+              <a:cs typeface="Arial" panose="020B0604020202020204" pitchFamily="34" charset="0"/>
+            </a:endParaRPr>
+          </a:p>
+          <a:p>
+            <a:pPr lvl="1" eaLnBrk="1" hangingPunct="1">
+              <a:lnSpc>
+                <a:spcPct val="100000"/>
+              </a:lnSpc>
+              <a:spcBef>
+                <a:spcPct val="0"/>
+              </a:spcBef>
+              <a:spcAft>
+                <a:spcPts val="600"/>
+              </a:spcAft>
+              <a:buClr>
+                <a:srgbClr val="8DAE10"/>
+              </a:buClr>
+              <a:buSzPct val="130000"/>
+              <a:buFont typeface="Wingdings" panose="05000000000000000000" pitchFamily="2" charset="2"/>
+              <a:buChar char="Ø"/>
+            </a:pPr>
+            <a:endParaRPr lang="de-DE" altLang="de-DE" sz="1600" dirty="0">
+              <a:solidFill>
+                <a:srgbClr val="17365C"/>
+              </a:solidFill>
+              <a:latin typeface="Arial" panose="020B0604020202020204" pitchFamily="34" charset="0"/>
+              <a:cs typeface="Arial" panose="020B0604020202020204" pitchFamily="34" charset="0"/>
+            </a:endParaRPr>
+          </a:p>
+          <a:p>
+            <a:pPr eaLnBrk="1" hangingPunct="1">
+              <a:lnSpc>
+                <a:spcPct val="100000"/>
+              </a:lnSpc>
+              <a:spcBef>
+                <a:spcPct val="0"/>
+              </a:spcBef>
+              <a:spcAft>
+                <a:spcPts val="600"/>
+              </a:spcAft>
+              <a:buClr>
+                <a:srgbClr val="8DAE10"/>
+              </a:buClr>
+              <a:buSzPct val="130000"/>
+            </a:pPr>
+            <a:endParaRPr lang="de-DE" altLang="de-DE" sz="2000" dirty="0">
+              <a:solidFill>
+                <a:srgbClr val="17365C"/>
+              </a:solidFill>
+              <a:latin typeface="Arial" panose="020B0604020202020204" pitchFamily="34" charset="0"/>
+              <a:cs typeface="Arial" panose="020B0604020202020204" pitchFamily="34" charset="0"/>
+            </a:endParaRPr>
+          </a:p>
+        </p:txBody>
+      </p:sp>
+      <p:sp>
+        <p:nvSpPr>
+          <p:cNvPr id="10" name="Rechteck 9">
+            <a:extLst>
+              <a:ext uri="{FF2B5EF4-FFF2-40B4-BE49-F238E27FC236}">
+                <a16:creationId xmlns:a16="http://schemas.microsoft.com/office/drawing/2014/main" id="{02F54F3D-0F9F-4176-8915-2E8A524D14A1}"/>
+              </a:ext>
+            </a:extLst>
+          </p:cNvPr>
+          <p:cNvSpPr/>
+          <p:nvPr/>
+        </p:nvSpPr>
+        <p:spPr>
+          <a:xfrm>
+            <a:off x="6197972" y="1993777"/>
+            <a:ext cx="2306266" cy="3809382"/>
+          </a:xfrm>
+          <a:prstGeom prst="rect">
+            <a:avLst/>
+          </a:prstGeom>
+          <a:noFill/>
+          <a:ln w="28575">
+            <a:solidFill>
+              <a:srgbClr val="FF0000"/>
+            </a:solidFill>
+          </a:ln>
+        </p:spPr>
+        <p:style>
+          <a:lnRef idx="2">
+            <a:schemeClr val="accent1">
+              <a:shade val="50000"/>
+            </a:schemeClr>
+          </a:lnRef>
+          <a:fillRef idx="1">
+            <a:schemeClr val="accent1"/>
+          </a:fillRef>
+          <a:effectRef idx="0">
+            <a:schemeClr val="accent1"/>
+          </a:effectRef>
+          <a:fontRef idx="minor">
+            <a:schemeClr val="lt1"/>
+          </a:fontRef>
+        </p:style>
+        <p:txBody>
+          <a:bodyPr rtlCol="0" anchor="ctr"/>
+          <a:lstStyle/>
+          <a:p>
+            <a:pPr algn="ctr"/>
+            <a:endParaRPr lang="de-DE"/>
           </a:p>
         </p:txBody>
       </p:sp>
@@ -13781,10 +14458,10 @@
       </p:grpSpPr>
       <p:sp>
         <p:nvSpPr>
-          <p:cNvPr id="26627" name="Foliennummernplatzhalter 2">
+          <p:cNvPr id="22531" name="Foliennummernplatzhalter 2">
             <a:extLst>
               <a:ext uri="{FF2B5EF4-FFF2-40B4-BE49-F238E27FC236}">
-                <a16:creationId xmlns:a16="http://schemas.microsoft.com/office/drawing/2014/main" id="{7D75F48D-52FD-4E0C-9273-D7F5DA1207BE}"/>
+                <a16:creationId xmlns:a16="http://schemas.microsoft.com/office/drawing/2014/main" id="{1101F834-6FBC-4EF6-8D6D-D494497EFC1B}"/>
               </a:ext>
             </a:extLst>
           </p:cNvPr>
@@ -13988,7 +14665,7 @@
               <a:buFontTx/>
               <a:buNone/>
             </a:pPr>
-            <a:fld id="{004A4A7F-AAC7-44EC-AEF4-7B9F18989DD5}" type="slidenum">
+            <a:fld id="{4E264448-EA81-4887-B443-1152E7000F5D}" type="slidenum">
               <a:rPr lang="de-DE" altLang="de-DE" sz="900" smtClean="0">
                 <a:solidFill>
                   <a:srgbClr val="17365C"/>
@@ -14018,10 +14695,10 @@
       </p:sp>
       <p:sp>
         <p:nvSpPr>
-          <p:cNvPr id="26628" name="Textfeld 3">
+          <p:cNvPr id="22532" name="Textfeld 3">
             <a:extLst>
               <a:ext uri="{FF2B5EF4-FFF2-40B4-BE49-F238E27FC236}">
-                <a16:creationId xmlns:a16="http://schemas.microsoft.com/office/drawing/2014/main" id="{872910C5-114D-40D8-BB35-C579494D19D6}"/>
+                <a16:creationId xmlns:a16="http://schemas.microsoft.com/office/drawing/2014/main" id="{55DF10BD-4692-42DF-AFEE-1A691AC96783}"/>
               </a:ext>
             </a:extLst>
           </p:cNvPr>
@@ -14243,17 +14920,17 @@
                 <a:latin typeface="Arial" panose="020B0604020202020204" pitchFamily="34" charset="0"/>
                 <a:cs typeface="Arial" panose="020B0604020202020204" pitchFamily="34" charset="0"/>
               </a:rPr>
-              <a:t>Sources</a:t>
+              <a:t>Parallel Problems</a:t>
             </a:r>
           </a:p>
         </p:txBody>
       </p:sp>
       <p:sp>
         <p:nvSpPr>
-          <p:cNvPr id="26629" name="Textfeld 4">
+          <p:cNvPr id="22533" name="Textfeld 4">
             <a:extLst>
               <a:ext uri="{FF2B5EF4-FFF2-40B4-BE49-F238E27FC236}">
-                <a16:creationId xmlns:a16="http://schemas.microsoft.com/office/drawing/2014/main" id="{C8D2D1D9-7AA5-4C8B-A042-85097EC5C951}"/>
+                <a16:creationId xmlns:a16="http://schemas.microsoft.com/office/drawing/2014/main" id="{ADDE3302-D2D8-4A7A-BBB2-C130E11C4FE6}"/>
               </a:ext>
             </a:extLst>
           </p:cNvPr>
@@ -14265,7 +14942,7 @@
         <p:spPr bwMode="auto">
           <a:xfrm>
             <a:off x="338138" y="1031875"/>
-            <a:ext cx="8353425" cy="984885"/>
+            <a:ext cx="8353425" cy="276225"/>
           </a:xfrm>
           <a:prstGeom prst="rect">
             <a:avLst/>
@@ -14473,64 +15150,15 @@
               <a:buSzPct val="130000"/>
             </a:pPr>
             <a:r>
-              <a:rPr lang="de-DE" altLang="de-DE" sz="1800" dirty="0" err="1">
-                <a:solidFill>
-                  <a:srgbClr val="17365C"/>
-                </a:solidFill>
-                <a:latin typeface="Arial" panose="020B0604020202020204" pitchFamily="34" charset="0"/>
-                <a:cs typeface="Arial" panose="020B0604020202020204" pitchFamily="34" charset="0"/>
-              </a:rPr>
-              <a:t>Dsdsdsdsd</a:t>
-            </a:r>
-            <a:endParaRPr lang="de-DE" altLang="de-DE" sz="1800" dirty="0">
-              <a:solidFill>
-                <a:srgbClr val="17365C"/>
-              </a:solidFill>
-              <a:latin typeface="Arial" panose="020B0604020202020204" pitchFamily="34" charset="0"/>
-              <a:cs typeface="Arial" panose="020B0604020202020204" pitchFamily="34" charset="0"/>
-            </a:endParaRPr>
-          </a:p>
-          <a:p>
-            <a:pPr eaLnBrk="1" hangingPunct="1">
-              <a:lnSpc>
-                <a:spcPct val="100000"/>
-              </a:lnSpc>
-              <a:spcBef>
-                <a:spcPct val="0"/>
-              </a:spcBef>
-              <a:spcAft>
-                <a:spcPts val="600"/>
-              </a:spcAft>
-              <a:buClr>
-                <a:srgbClr val="8DAE10"/>
-              </a:buClr>
-              <a:buSzPct val="130000"/>
-            </a:pPr>
-            <a:endParaRPr lang="de-DE" sz="1800" b="1" dirty="0"/>
-          </a:p>
-          <a:p>
-            <a:pPr eaLnBrk="1" hangingPunct="1">
-              <a:lnSpc>
-                <a:spcPct val="100000"/>
-              </a:lnSpc>
-              <a:spcBef>
-                <a:spcPct val="0"/>
-              </a:spcBef>
-              <a:spcAft>
-                <a:spcPts val="600"/>
-              </a:spcAft>
-              <a:buClr>
-                <a:srgbClr val="8DAE10"/>
-              </a:buClr>
-              <a:buSzPct val="130000"/>
-            </a:pPr>
-            <a:endParaRPr lang="de-DE" altLang="de-DE" sz="1800" dirty="0">
-              <a:solidFill>
-                <a:srgbClr val="17365C"/>
-              </a:solidFill>
-              <a:latin typeface="Arial" panose="020B0604020202020204" pitchFamily="34" charset="0"/>
-              <a:cs typeface="Arial" panose="020B0604020202020204" pitchFamily="34" charset="0"/>
-            </a:endParaRPr>
+              <a:rPr lang="de-DE" altLang="de-DE" sz="1800">
+                <a:solidFill>
+                  <a:srgbClr val="17365C"/>
+                </a:solidFill>
+                <a:latin typeface="Arial" panose="020B0604020202020204" pitchFamily="34" charset="0"/>
+                <a:cs typeface="Arial" panose="020B0604020202020204" pitchFamily="34" charset="0"/>
+              </a:rPr>
+              <a:t>dsdsdsdsd</a:t>
+            </a:r>
           </a:p>
         </p:txBody>
       </p:sp>
@@ -14539,7 +15167,7 @@
           <p:cNvPr id="6" name="Fußzeilenplatzhalter 1">
             <a:extLst>
               <a:ext uri="{FF2B5EF4-FFF2-40B4-BE49-F238E27FC236}">
-                <a16:creationId xmlns:a16="http://schemas.microsoft.com/office/drawing/2014/main" id="{D967A5B8-9140-4669-AF9A-FADCA10BB587}"/>
+                <a16:creationId xmlns:a16="http://schemas.microsoft.com/office/drawing/2014/main" id="{4780A6E9-2EF5-40C7-A807-2A4D393448CD}"/>
               </a:ext>
             </a:extLst>
           </p:cNvPr>
@@ -14802,7 +15430,7 @@
               <a:t> parallel – Benchmarking - </a:t>
             </a:r>
             <a:r>
-              <a:rPr lang="de-DE" altLang="de-DE" sz="1050" b="0" dirty="0" err="1">
+              <a:rPr lang="de-DE" altLang="de-DE" sz="1050" dirty="0" err="1">
                 <a:solidFill>
                   <a:srgbClr val="17365C"/>
                 </a:solidFill>
@@ -14811,7 +15439,7 @@
               </a:rPr>
               <a:t>Conclusion</a:t>
             </a:r>
-            <a:endParaRPr lang="de-DE" altLang="de-DE" sz="1050" b="0" dirty="0">
+            <a:endParaRPr lang="de-DE" altLang="de-DE" sz="1050" dirty="0">
               <a:solidFill>
                 <a:srgbClr val="17365C"/>
               </a:solidFill>
@@ -16244,7 +16872,7 @@
                 <a:latin typeface="Arial" panose="020B0604020202020204" pitchFamily="34" charset="0"/>
                 <a:cs typeface="Arial" panose="020B0604020202020204" pitchFamily="34" charset="0"/>
               </a:rPr>
-              <a:t>OpenMP</a:t>
+              <a:t>Our</a:t>
             </a:r>
             <a:r>
               <a:rPr lang="de-DE" altLang="de-DE" sz="1400" dirty="0">
@@ -16254,7 +16882,7 @@
                 <a:latin typeface="Arial" panose="020B0604020202020204" pitchFamily="34" charset="0"/>
                 <a:cs typeface="Arial" panose="020B0604020202020204" pitchFamily="34" charset="0"/>
               </a:rPr>
-              <a:t> in Java and </a:t>
+              <a:t> </a:t>
             </a:r>
             <a:r>
               <a:rPr lang="de-DE" altLang="de-DE" sz="1400" dirty="0" err="1">
@@ -16264,8 +16892,76 @@
                 <a:latin typeface="Arial" panose="020B0604020202020204" pitchFamily="34" charset="0"/>
                 <a:cs typeface="Arial" panose="020B0604020202020204" pitchFamily="34" charset="0"/>
               </a:rPr>
-              <a:t>why</a:t>
-            </a:r>
+              <a:t>implementation</a:t>
+            </a:r>
+            <a:endParaRPr lang="de-DE" altLang="de-DE" sz="1400" dirty="0">
+              <a:solidFill>
+                <a:srgbClr val="17365C"/>
+              </a:solidFill>
+              <a:latin typeface="Arial" panose="020B0604020202020204" pitchFamily="34" charset="0"/>
+              <a:cs typeface="Arial" panose="020B0604020202020204" pitchFamily="34" charset="0"/>
+            </a:endParaRPr>
+          </a:p>
+          <a:p>
+            <a:pPr eaLnBrk="1" hangingPunct="1">
+              <a:lnSpc>
+                <a:spcPct val="100000"/>
+              </a:lnSpc>
+              <a:spcBef>
+                <a:spcPct val="0"/>
+              </a:spcBef>
+              <a:spcAft>
+                <a:spcPts val="600"/>
+              </a:spcAft>
+              <a:buClr>
+                <a:srgbClr val="8DAE10"/>
+              </a:buClr>
+              <a:buSzPct val="130000"/>
+            </a:pPr>
+            <a:r>
+              <a:rPr lang="de-DE" altLang="de-DE" sz="1800" dirty="0">
+                <a:solidFill>
+                  <a:srgbClr val="17365C"/>
+                </a:solidFill>
+                <a:latin typeface="Arial" panose="020B0604020202020204" pitchFamily="34" charset="0"/>
+                <a:cs typeface="Arial" panose="020B0604020202020204" pitchFamily="34" charset="0"/>
+              </a:rPr>
+              <a:t>Benchmarking </a:t>
+            </a:r>
+            <a:r>
+              <a:rPr lang="de-DE" altLang="de-DE" sz="1800" dirty="0" err="1">
+                <a:solidFill>
+                  <a:srgbClr val="17365C"/>
+                </a:solidFill>
+                <a:latin typeface="Arial" panose="020B0604020202020204" pitchFamily="34" charset="0"/>
+                <a:cs typeface="Arial" panose="020B0604020202020204" pitchFamily="34" charset="0"/>
+              </a:rPr>
+              <a:t>etc</a:t>
+            </a:r>
+            <a:endParaRPr lang="de-DE" altLang="de-DE" sz="1800" dirty="0">
+              <a:solidFill>
+                <a:srgbClr val="17365C"/>
+              </a:solidFill>
+              <a:latin typeface="Arial" panose="020B0604020202020204" pitchFamily="34" charset="0"/>
+              <a:cs typeface="Arial" panose="020B0604020202020204" pitchFamily="34" charset="0"/>
+            </a:endParaRPr>
+          </a:p>
+          <a:p>
+            <a:pPr lvl="1" eaLnBrk="1" hangingPunct="1">
+              <a:lnSpc>
+                <a:spcPct val="100000"/>
+              </a:lnSpc>
+              <a:spcBef>
+                <a:spcPct val="0"/>
+              </a:spcBef>
+              <a:spcAft>
+                <a:spcPts val="600"/>
+              </a:spcAft>
+              <a:buClr>
+                <a:srgbClr val="8DAE10"/>
+              </a:buClr>
+              <a:buSzPct val="130000"/>
+            </a:pPr>
             <a:r>
               <a:rPr lang="de-DE" altLang="de-DE" sz="1400" dirty="0">
                 <a:solidFill>
@@ -16274,6 +16970,26 @@
                 <a:latin typeface="Arial" panose="020B0604020202020204" pitchFamily="34" charset="0"/>
                 <a:cs typeface="Arial" panose="020B0604020202020204" pitchFamily="34" charset="0"/>
               </a:rPr>
+              <a:t>In a </a:t>
+            </a:r>
+            <a:r>
+              <a:rPr lang="de-DE" altLang="de-DE" sz="1400" dirty="0" err="1">
+                <a:solidFill>
+                  <a:srgbClr val="17365C"/>
+                </a:solidFill>
+                <a:latin typeface="Arial" panose="020B0604020202020204" pitchFamily="34" charset="0"/>
+                <a:cs typeface="Arial" panose="020B0604020202020204" pitchFamily="34" charset="0"/>
+              </a:rPr>
+              <a:t>perfect</a:t>
+            </a:r>
+            <a:r>
+              <a:rPr lang="de-DE" altLang="de-DE" sz="1400" dirty="0">
+                <a:solidFill>
+                  <a:srgbClr val="17365C"/>
+                </a:solidFill>
+                <a:latin typeface="Arial" panose="020B0604020202020204" pitchFamily="34" charset="0"/>
+                <a:cs typeface="Arial" panose="020B0604020202020204" pitchFamily="34" charset="0"/>
+              </a:rPr>
               <a:t> </a:t>
             </a:r>
             <a:r>
@@ -16284,27 +17000,7 @@
                 <a:latin typeface="Arial" panose="020B0604020202020204" pitchFamily="34" charset="0"/>
                 <a:cs typeface="Arial" panose="020B0604020202020204" pitchFamily="34" charset="0"/>
               </a:rPr>
-              <a:t>it</a:t>
-            </a:r>
-            <a:r>
-              <a:rPr lang="de-DE" altLang="de-DE" sz="1400" dirty="0">
-                <a:solidFill>
-                  <a:srgbClr val="17365C"/>
-                </a:solidFill>
-                <a:latin typeface="Arial" panose="020B0604020202020204" pitchFamily="34" charset="0"/>
-                <a:cs typeface="Arial" panose="020B0604020202020204" pitchFamily="34" charset="0"/>
-              </a:rPr>
-              <a:t> </a:t>
-            </a:r>
-            <a:r>
-              <a:rPr lang="de-DE" altLang="de-DE" sz="1400" dirty="0" err="1">
-                <a:solidFill>
-                  <a:srgbClr val="17365C"/>
-                </a:solidFill>
-                <a:latin typeface="Arial" panose="020B0604020202020204" pitchFamily="34" charset="0"/>
-                <a:cs typeface="Arial" panose="020B0604020202020204" pitchFamily="34" charset="0"/>
-              </a:rPr>
-              <a:t>sucked</a:t>
+              <a:t>world</a:t>
             </a:r>
             <a:endParaRPr lang="de-DE" altLang="de-DE" sz="1400" dirty="0">
               <a:solidFill>
@@ -16331,6 +17027,16 @@
               <a:buSzPct val="130000"/>
             </a:pPr>
             <a:r>
+              <a:rPr lang="de-DE" altLang="de-DE" sz="1400" dirty="0">
+                <a:solidFill>
+                  <a:srgbClr val="17365C"/>
+                </a:solidFill>
+                <a:latin typeface="Arial" panose="020B0604020202020204" pitchFamily="34" charset="0"/>
+                <a:cs typeface="Arial" panose="020B0604020202020204" pitchFamily="34" charset="0"/>
+              </a:rPr>
+              <a:t>In a </a:t>
+            </a:r>
+            <a:r>
               <a:rPr lang="de-DE" altLang="de-DE" sz="1400" dirty="0" err="1">
                 <a:solidFill>
                   <a:srgbClr val="17365C"/>
@@ -16338,7 +17044,7 @@
                 <a:latin typeface="Arial" panose="020B0604020202020204" pitchFamily="34" charset="0"/>
                 <a:cs typeface="Arial" panose="020B0604020202020204" pitchFamily="34" charset="0"/>
               </a:rPr>
-              <a:t>Our</a:t>
+              <a:t>world</a:t>
             </a:r>
             <a:r>
               <a:rPr lang="de-DE" altLang="de-DE" sz="1400" dirty="0">
@@ -16358,7 +17064,111 @@
                 <a:latin typeface="Arial" panose="020B0604020202020204" pitchFamily="34" charset="0"/>
                 <a:cs typeface="Arial" panose="020B0604020202020204" pitchFamily="34" charset="0"/>
               </a:rPr>
-              <a:t>workaround</a:t>
+              <a:t>without</a:t>
+            </a:r>
+            <a:r>
+              <a:rPr lang="de-DE" altLang="de-DE" sz="1400" dirty="0">
+                <a:solidFill>
+                  <a:srgbClr val="17365C"/>
+                </a:solidFill>
+                <a:latin typeface="Arial" panose="020B0604020202020204" pitchFamily="34" charset="0"/>
+                <a:cs typeface="Arial" panose="020B0604020202020204" pitchFamily="34" charset="0"/>
+              </a:rPr>
+              <a:t> </a:t>
+            </a:r>
+            <a:r>
+              <a:rPr lang="de-DE" altLang="de-DE" sz="1400" dirty="0" err="1">
+                <a:solidFill>
+                  <a:srgbClr val="17365C"/>
+                </a:solidFill>
+                <a:latin typeface="Arial" panose="020B0604020202020204" pitchFamily="34" charset="0"/>
+                <a:cs typeface="Arial" panose="020B0604020202020204" pitchFamily="34" charset="0"/>
+              </a:rPr>
+              <a:t>race</a:t>
+            </a:r>
+            <a:r>
+              <a:rPr lang="de-DE" altLang="de-DE" sz="1400" dirty="0">
+                <a:solidFill>
+                  <a:srgbClr val="17365C"/>
+                </a:solidFill>
+                <a:latin typeface="Arial" panose="020B0604020202020204" pitchFamily="34" charset="0"/>
+                <a:cs typeface="Arial" panose="020B0604020202020204" pitchFamily="34" charset="0"/>
+              </a:rPr>
+              <a:t> </a:t>
+            </a:r>
+            <a:r>
+              <a:rPr lang="de-DE" altLang="de-DE" sz="1400" dirty="0" err="1">
+                <a:solidFill>
+                  <a:srgbClr val="17365C"/>
+                </a:solidFill>
+                <a:latin typeface="Arial" panose="020B0604020202020204" pitchFamily="34" charset="0"/>
+                <a:cs typeface="Arial" panose="020B0604020202020204" pitchFamily="34" charset="0"/>
+              </a:rPr>
+              <a:t>conditions</a:t>
+            </a:r>
+            <a:endParaRPr lang="de-DE" altLang="de-DE" sz="1400" dirty="0">
+              <a:solidFill>
+                <a:srgbClr val="17365C"/>
+              </a:solidFill>
+              <a:latin typeface="Arial" panose="020B0604020202020204" pitchFamily="34" charset="0"/>
+              <a:cs typeface="Arial" panose="020B0604020202020204" pitchFamily="34" charset="0"/>
+            </a:endParaRPr>
+          </a:p>
+          <a:p>
+            <a:pPr lvl="1" eaLnBrk="1" hangingPunct="1">
+              <a:lnSpc>
+                <a:spcPct val="100000"/>
+              </a:lnSpc>
+              <a:spcBef>
+                <a:spcPct val="0"/>
+              </a:spcBef>
+              <a:spcAft>
+                <a:spcPts val="600"/>
+              </a:spcAft>
+              <a:buClr>
+                <a:srgbClr val="8DAE10"/>
+              </a:buClr>
+              <a:buSzPct val="130000"/>
+            </a:pPr>
+            <a:r>
+              <a:rPr lang="de-DE" altLang="de-DE" sz="1400" dirty="0">
+                <a:solidFill>
+                  <a:srgbClr val="17365C"/>
+                </a:solidFill>
+                <a:latin typeface="Arial" panose="020B0604020202020204" pitchFamily="34" charset="0"/>
+                <a:cs typeface="Arial" panose="020B0604020202020204" pitchFamily="34" charset="0"/>
+              </a:rPr>
+              <a:t>In </a:t>
+            </a:r>
+            <a:r>
+              <a:rPr lang="de-DE" altLang="de-DE" sz="1400" dirty="0" err="1">
+                <a:solidFill>
+                  <a:srgbClr val="17365C"/>
+                </a:solidFill>
+                <a:latin typeface="Arial" panose="020B0604020202020204" pitchFamily="34" charset="0"/>
+                <a:cs typeface="Arial" panose="020B0604020202020204" pitchFamily="34" charset="0"/>
+              </a:rPr>
+              <a:t>our</a:t>
+            </a:r>
+            <a:r>
+              <a:rPr lang="de-DE" altLang="de-DE" sz="1400" dirty="0">
+                <a:solidFill>
+                  <a:srgbClr val="17365C"/>
+                </a:solidFill>
+                <a:latin typeface="Arial" panose="020B0604020202020204" pitchFamily="34" charset="0"/>
+                <a:cs typeface="Arial" panose="020B0604020202020204" pitchFamily="34" charset="0"/>
+              </a:rPr>
+              <a:t> </a:t>
+            </a:r>
+            <a:r>
+              <a:rPr lang="de-DE" altLang="de-DE" sz="1400" dirty="0" err="1">
+                <a:solidFill>
+                  <a:srgbClr val="17365C"/>
+                </a:solidFill>
+                <a:latin typeface="Arial" panose="020B0604020202020204" pitchFamily="34" charset="0"/>
+                <a:cs typeface="Arial" panose="020B0604020202020204" pitchFamily="34" charset="0"/>
+              </a:rPr>
+              <a:t>world</a:t>
             </a:r>
             <a:endParaRPr lang="de-DE" altLang="de-DE" sz="1400" dirty="0">
               <a:solidFill>
@@ -16385,15 +17195,22 @@
               <a:buSzPct val="130000"/>
             </a:pPr>
             <a:r>
-              <a:rPr lang="de-DE" altLang="de-DE" sz="1800" dirty="0">
-                <a:solidFill>
-                  <a:srgbClr val="17365C"/>
-                </a:solidFill>
-                <a:latin typeface="Arial" panose="020B0604020202020204" pitchFamily="34" charset="0"/>
-                <a:cs typeface="Arial" panose="020B0604020202020204" pitchFamily="34" charset="0"/>
-              </a:rPr>
-              <a:t>Benchmarking</a:t>
-            </a:r>
+              <a:rPr lang="de-DE" altLang="de-DE" sz="1800" dirty="0" err="1">
+                <a:solidFill>
+                  <a:srgbClr val="17365C"/>
+                </a:solidFill>
+                <a:latin typeface="Arial" panose="020B0604020202020204" pitchFamily="34" charset="0"/>
+                <a:cs typeface="Arial" panose="020B0604020202020204" pitchFamily="34" charset="0"/>
+              </a:rPr>
+              <a:t>Conclusion</a:t>
+            </a:r>
+            <a:endParaRPr lang="de-DE" altLang="de-DE" sz="1800" dirty="0">
+              <a:solidFill>
+                <a:srgbClr val="17365C"/>
+              </a:solidFill>
+              <a:latin typeface="Arial" panose="020B0604020202020204" pitchFamily="34" charset="0"/>
+              <a:cs typeface="Arial" panose="020B0604020202020204" pitchFamily="34" charset="0"/>
+            </a:endParaRPr>
           </a:p>
           <a:p>
             <a:pPr lvl="1" eaLnBrk="1" hangingPunct="1">
@@ -16419,8 +17236,908 @@
                 <a:latin typeface="Arial" panose="020B0604020202020204" pitchFamily="34" charset="0"/>
                 <a:cs typeface="Arial" panose="020B0604020202020204" pitchFamily="34" charset="0"/>
               </a:rPr>
-              <a:t>In a </a:t>
-            </a:r>
+              <a:t>OPM JAVA</a:t>
+            </a:r>
+          </a:p>
+          <a:p>
+            <a:pPr eaLnBrk="1" hangingPunct="1">
+              <a:lnSpc>
+                <a:spcPct val="100000"/>
+              </a:lnSpc>
+              <a:spcBef>
+                <a:spcPct val="0"/>
+              </a:spcBef>
+              <a:spcAft>
+                <a:spcPts val="600"/>
+              </a:spcAft>
+              <a:buClr>
+                <a:srgbClr val="8DAE10"/>
+              </a:buClr>
+              <a:buSzPct val="130000"/>
+            </a:pPr>
+            <a:r>
+              <a:rPr lang="de-DE" altLang="de-DE" sz="1800" dirty="0">
+                <a:solidFill>
+                  <a:srgbClr val="17365C"/>
+                </a:solidFill>
+                <a:latin typeface="Arial" panose="020B0604020202020204" pitchFamily="34" charset="0"/>
+                <a:cs typeface="Arial" panose="020B0604020202020204" pitchFamily="34" charset="0"/>
+              </a:rPr>
+              <a:t>Sources</a:t>
+            </a:r>
+          </a:p>
+        </p:txBody>
+      </p:sp>
+    </p:spTree>
+    <p:extLst>
+      <p:ext uri="{BB962C8B-B14F-4D97-AF65-F5344CB8AC3E}">
+        <p14:creationId xmlns:p14="http://schemas.microsoft.com/office/powerpoint/2010/main" val="2725909366"/>
+      </p:ext>
+    </p:extLst>
+  </p:cSld>
+  <p:clrMapOvr>
+    <a:masterClrMapping/>
+  </p:clrMapOvr>
+  <p:transition spd="slow">
+    <p:push dir="u"/>
+  </p:transition>
+</p:sld>
+</file>
+
+<file path=ppt/slides/slide20.xml><?xml version="1.0" encoding="utf-8"?>
+<p:sld xmlns:a="http://schemas.openxmlformats.org/drawingml/2006/main" xmlns:r="http://schemas.openxmlformats.org/officeDocument/2006/relationships" xmlns:p="http://schemas.openxmlformats.org/presentationml/2006/main">
+  <p:cSld>
+    <p:spTree>
+      <p:nvGrpSpPr>
+        <p:cNvPr id="1" name=""/>
+        <p:cNvGrpSpPr/>
+        <p:nvPr/>
+      </p:nvGrpSpPr>
+      <p:grpSpPr>
+        <a:xfrm>
+          <a:off x="0" y="0"/>
+          <a:ext cx="0" cy="0"/>
+          <a:chOff x="0" y="0"/>
+          <a:chExt cx="0" cy="0"/>
+        </a:xfrm>
+      </p:grpSpPr>
+      <p:sp>
+        <p:nvSpPr>
+          <p:cNvPr id="26627" name="Foliennummernplatzhalter 2">
+            <a:extLst>
+              <a:ext uri="{FF2B5EF4-FFF2-40B4-BE49-F238E27FC236}">
+                <a16:creationId xmlns:a16="http://schemas.microsoft.com/office/drawing/2014/main" id="{7D75F48D-52FD-4E0C-9273-D7F5DA1207BE}"/>
+              </a:ext>
+            </a:extLst>
+          </p:cNvPr>
+          <p:cNvSpPr>
+            <a:spLocks noGrp="1"/>
+          </p:cNvSpPr>
+          <p:nvPr>
+            <p:ph type="sldNum" sz="quarter" idx="11"/>
+          </p:nvPr>
+        </p:nvSpPr>
+        <p:spPr bwMode="auto">
+          <a:noFill/>
+          <a:extLst>
+            <a:ext uri="{909E8E84-426E-40DD-AFC4-6F175D3DCCD1}">
+              <a14:hiddenFill xmlns:a14="http://schemas.microsoft.com/office/drawing/2010/main">
+                <a:solidFill>
+                  <a:srgbClr val="FFFFFF"/>
+                </a:solidFill>
+              </a14:hiddenFill>
+            </a:ext>
+            <a:ext uri="{91240B29-F687-4F45-9708-019B960494DF}">
+              <a14:hiddenLine xmlns:a14="http://schemas.microsoft.com/office/drawing/2010/main" w="9525">
+                <a:solidFill>
+                  <a:srgbClr val="000000"/>
+                </a:solidFill>
+                <a:miter lim="800000"/>
+                <a:headEnd/>
+                <a:tailEnd/>
+              </a14:hiddenLine>
+            </a:ext>
+          </a:extLst>
+        </p:spPr>
+        <p:txBody>
+          <a:bodyPr/>
+          <a:lstStyle>
+            <a:lvl1pPr>
+              <a:lnSpc>
+                <a:spcPct val="90000"/>
+              </a:lnSpc>
+              <a:spcBef>
+                <a:spcPts val="1000"/>
+              </a:spcBef>
+              <a:buFont typeface="Arial" panose="020B0604020202020204" pitchFamily="34" charset="0"/>
+              <a:buChar char="•"/>
+              <a:defRPr sz="2800">
+                <a:solidFill>
+                  <a:schemeClr val="tx1"/>
+                </a:solidFill>
+                <a:latin typeface="Calibri" panose="020F0502020204030204" pitchFamily="34" charset="0"/>
+              </a:defRPr>
+            </a:lvl1pPr>
+            <a:lvl2pPr marL="742950" indent="-285750">
+              <a:lnSpc>
+                <a:spcPct val="90000"/>
+              </a:lnSpc>
+              <a:spcBef>
+                <a:spcPts val="500"/>
+              </a:spcBef>
+              <a:buFont typeface="Arial" panose="020B0604020202020204" pitchFamily="34" charset="0"/>
+              <a:buChar char="•"/>
+              <a:defRPr sz="2400">
+                <a:solidFill>
+                  <a:schemeClr val="tx1"/>
+                </a:solidFill>
+                <a:latin typeface="Calibri" panose="020F0502020204030204" pitchFamily="34" charset="0"/>
+              </a:defRPr>
+            </a:lvl2pPr>
+            <a:lvl3pPr marL="1143000" indent="-228600">
+              <a:lnSpc>
+                <a:spcPct val="90000"/>
+              </a:lnSpc>
+              <a:spcBef>
+                <a:spcPts val="500"/>
+              </a:spcBef>
+              <a:buFont typeface="Arial" panose="020B0604020202020204" pitchFamily="34" charset="0"/>
+              <a:buChar char="•"/>
+              <a:defRPr sz="2000">
+                <a:solidFill>
+                  <a:schemeClr val="tx1"/>
+                </a:solidFill>
+                <a:latin typeface="Calibri" panose="020F0502020204030204" pitchFamily="34" charset="0"/>
+              </a:defRPr>
+            </a:lvl3pPr>
+            <a:lvl4pPr marL="1600200" indent="-228600">
+              <a:lnSpc>
+                <a:spcPct val="90000"/>
+              </a:lnSpc>
+              <a:spcBef>
+                <a:spcPts val="500"/>
+              </a:spcBef>
+              <a:buFont typeface="Arial" panose="020B0604020202020204" pitchFamily="34" charset="0"/>
+              <a:buChar char="•"/>
+              <a:defRPr>
+                <a:solidFill>
+                  <a:schemeClr val="tx1"/>
+                </a:solidFill>
+                <a:latin typeface="Calibri" panose="020F0502020204030204" pitchFamily="34" charset="0"/>
+              </a:defRPr>
+            </a:lvl4pPr>
+            <a:lvl5pPr marL="2057400" indent="-228600">
+              <a:lnSpc>
+                <a:spcPct val="90000"/>
+              </a:lnSpc>
+              <a:spcBef>
+                <a:spcPts val="500"/>
+              </a:spcBef>
+              <a:buFont typeface="Arial" panose="020B0604020202020204" pitchFamily="34" charset="0"/>
+              <a:buChar char="•"/>
+              <a:defRPr>
+                <a:solidFill>
+                  <a:schemeClr val="tx1"/>
+                </a:solidFill>
+                <a:latin typeface="Calibri" panose="020F0502020204030204" pitchFamily="34" charset="0"/>
+              </a:defRPr>
+            </a:lvl5pPr>
+            <a:lvl6pPr marL="2514600" indent="-228600" defTabSz="685800" eaLnBrk="0" fontAlgn="base" hangingPunct="0">
+              <a:lnSpc>
+                <a:spcPct val="90000"/>
+              </a:lnSpc>
+              <a:spcBef>
+                <a:spcPts val="500"/>
+              </a:spcBef>
+              <a:spcAft>
+                <a:spcPct val="0"/>
+              </a:spcAft>
+              <a:buFont typeface="Arial" panose="020B0604020202020204" pitchFamily="34" charset="0"/>
+              <a:buChar char="•"/>
+              <a:defRPr>
+                <a:solidFill>
+                  <a:schemeClr val="tx1"/>
+                </a:solidFill>
+                <a:latin typeface="Calibri" panose="020F0502020204030204" pitchFamily="34" charset="0"/>
+              </a:defRPr>
+            </a:lvl6pPr>
+            <a:lvl7pPr marL="2971800" indent="-228600" defTabSz="685800" eaLnBrk="0" fontAlgn="base" hangingPunct="0">
+              <a:lnSpc>
+                <a:spcPct val="90000"/>
+              </a:lnSpc>
+              <a:spcBef>
+                <a:spcPts val="500"/>
+              </a:spcBef>
+              <a:spcAft>
+                <a:spcPct val="0"/>
+              </a:spcAft>
+              <a:buFont typeface="Arial" panose="020B0604020202020204" pitchFamily="34" charset="0"/>
+              <a:buChar char="•"/>
+              <a:defRPr>
+                <a:solidFill>
+                  <a:schemeClr val="tx1"/>
+                </a:solidFill>
+                <a:latin typeface="Calibri" panose="020F0502020204030204" pitchFamily="34" charset="0"/>
+              </a:defRPr>
+            </a:lvl7pPr>
+            <a:lvl8pPr marL="3429000" indent="-228600" defTabSz="685800" eaLnBrk="0" fontAlgn="base" hangingPunct="0">
+              <a:lnSpc>
+                <a:spcPct val="90000"/>
+              </a:lnSpc>
+              <a:spcBef>
+                <a:spcPts val="500"/>
+              </a:spcBef>
+              <a:spcAft>
+                <a:spcPct val="0"/>
+              </a:spcAft>
+              <a:buFont typeface="Arial" panose="020B0604020202020204" pitchFamily="34" charset="0"/>
+              <a:buChar char="•"/>
+              <a:defRPr>
+                <a:solidFill>
+                  <a:schemeClr val="tx1"/>
+                </a:solidFill>
+                <a:latin typeface="Calibri" panose="020F0502020204030204" pitchFamily="34" charset="0"/>
+              </a:defRPr>
+            </a:lvl8pPr>
+            <a:lvl9pPr marL="3886200" indent="-228600" defTabSz="685800" eaLnBrk="0" fontAlgn="base" hangingPunct="0">
+              <a:lnSpc>
+                <a:spcPct val="90000"/>
+              </a:lnSpc>
+              <a:spcBef>
+                <a:spcPts val="500"/>
+              </a:spcBef>
+              <a:spcAft>
+                <a:spcPct val="0"/>
+              </a:spcAft>
+              <a:buFont typeface="Arial" panose="020B0604020202020204" pitchFamily="34" charset="0"/>
+              <a:buChar char="•"/>
+              <a:defRPr>
+                <a:solidFill>
+                  <a:schemeClr val="tx1"/>
+                </a:solidFill>
+                <a:latin typeface="Calibri" panose="020F0502020204030204" pitchFamily="34" charset="0"/>
+              </a:defRPr>
+            </a:lvl9pPr>
+          </a:lstStyle>
+          <a:p>
+            <a:pPr>
+              <a:lnSpc>
+                <a:spcPct val="100000"/>
+              </a:lnSpc>
+              <a:spcBef>
+                <a:spcPct val="0"/>
+              </a:spcBef>
+              <a:buFontTx/>
+              <a:buNone/>
+            </a:pPr>
+            <a:fld id="{004A4A7F-AAC7-44EC-AEF4-7B9F18989DD5}" type="slidenum">
+              <a:rPr lang="de-DE" altLang="de-DE" sz="900" smtClean="0">
+                <a:solidFill>
+                  <a:srgbClr val="17365C"/>
+                </a:solidFill>
+                <a:latin typeface="Arial" panose="020B0604020202020204" pitchFamily="34" charset="0"/>
+              </a:rPr>
+              <a:pPr>
+                <a:lnSpc>
+                  <a:spcPct val="100000"/>
+                </a:lnSpc>
+                <a:spcBef>
+                  <a:spcPct val="0"/>
+                </a:spcBef>
+                <a:buFontTx/>
+                <a:buNone/>
+              </a:pPr>
+              <a:t>20</a:t>
+            </a:fld>
+            <a:endParaRPr lang="de-DE" altLang="de-DE" sz="900">
+              <a:solidFill>
+                <a:srgbClr val="17365C"/>
+              </a:solidFill>
+              <a:latin typeface="Arial" panose="020B0604020202020204" pitchFamily="34" charset="0"/>
+            </a:endParaRPr>
+          </a:p>
+        </p:txBody>
+      </p:sp>
+      <p:sp>
+        <p:nvSpPr>
+          <p:cNvPr id="26628" name="Textfeld 3">
+            <a:extLst>
+              <a:ext uri="{FF2B5EF4-FFF2-40B4-BE49-F238E27FC236}">
+                <a16:creationId xmlns:a16="http://schemas.microsoft.com/office/drawing/2014/main" id="{872910C5-114D-40D8-BB35-C579494D19D6}"/>
+              </a:ext>
+            </a:extLst>
+          </p:cNvPr>
+          <p:cNvSpPr txBox="1">
+            <a:spLocks noChangeArrowheads="1"/>
+          </p:cNvSpPr>
+          <p:nvPr/>
+        </p:nvSpPr>
+        <p:spPr bwMode="auto">
+          <a:xfrm>
+            <a:off x="338138" y="476250"/>
+            <a:ext cx="8166100" cy="430213"/>
+          </a:xfrm>
+          <a:prstGeom prst="rect">
+            <a:avLst/>
+          </a:prstGeom>
+          <a:noFill/>
+          <a:ln>
+            <a:noFill/>
+          </a:ln>
+          <a:extLst>
+            <a:ext uri="{909E8E84-426E-40DD-AFC4-6F175D3DCCD1}">
+              <a14:hiddenFill xmlns:a14="http://schemas.microsoft.com/office/drawing/2010/main">
+                <a:solidFill>
+                  <a:srgbClr val="FFFFFF"/>
+                </a:solidFill>
+              </a14:hiddenFill>
+            </a:ext>
+            <a:ext uri="{91240B29-F687-4F45-9708-019B960494DF}">
+              <a14:hiddenLine xmlns:a14="http://schemas.microsoft.com/office/drawing/2010/main" w="9525">
+                <a:solidFill>
+                  <a:srgbClr val="000000"/>
+                </a:solidFill>
+                <a:miter lim="800000"/>
+                <a:headEnd/>
+                <a:tailEnd/>
+              </a14:hiddenLine>
+            </a:ext>
+          </a:extLst>
+        </p:spPr>
+        <p:txBody>
+          <a:bodyPr lIns="0" tIns="0" rIns="0" bIns="0">
+            <a:spAutoFit/>
+          </a:bodyPr>
+          <a:lstStyle>
+            <a:lvl1pPr>
+              <a:lnSpc>
+                <a:spcPct val="90000"/>
+              </a:lnSpc>
+              <a:spcBef>
+                <a:spcPts val="1000"/>
+              </a:spcBef>
+              <a:buFont typeface="Arial" panose="020B0604020202020204" pitchFamily="34" charset="0"/>
+              <a:buChar char="•"/>
+              <a:defRPr sz="2800">
+                <a:solidFill>
+                  <a:schemeClr val="tx1"/>
+                </a:solidFill>
+                <a:latin typeface="Calibri" panose="020F0502020204030204" pitchFamily="34" charset="0"/>
+              </a:defRPr>
+            </a:lvl1pPr>
+            <a:lvl2pPr marL="742950" indent="-285750">
+              <a:lnSpc>
+                <a:spcPct val="90000"/>
+              </a:lnSpc>
+              <a:spcBef>
+                <a:spcPts val="500"/>
+              </a:spcBef>
+              <a:buFont typeface="Arial" panose="020B0604020202020204" pitchFamily="34" charset="0"/>
+              <a:buChar char="•"/>
+              <a:defRPr sz="2400">
+                <a:solidFill>
+                  <a:schemeClr val="tx1"/>
+                </a:solidFill>
+                <a:latin typeface="Calibri" panose="020F0502020204030204" pitchFamily="34" charset="0"/>
+              </a:defRPr>
+            </a:lvl2pPr>
+            <a:lvl3pPr marL="1143000" indent="-228600">
+              <a:lnSpc>
+                <a:spcPct val="90000"/>
+              </a:lnSpc>
+              <a:spcBef>
+                <a:spcPts val="500"/>
+              </a:spcBef>
+              <a:buFont typeface="Arial" panose="020B0604020202020204" pitchFamily="34" charset="0"/>
+              <a:buChar char="•"/>
+              <a:defRPr sz="2000">
+                <a:solidFill>
+                  <a:schemeClr val="tx1"/>
+                </a:solidFill>
+                <a:latin typeface="Calibri" panose="020F0502020204030204" pitchFamily="34" charset="0"/>
+              </a:defRPr>
+            </a:lvl3pPr>
+            <a:lvl4pPr marL="1600200" indent="-228600">
+              <a:lnSpc>
+                <a:spcPct val="90000"/>
+              </a:lnSpc>
+              <a:spcBef>
+                <a:spcPts val="500"/>
+              </a:spcBef>
+              <a:buFont typeface="Arial" panose="020B0604020202020204" pitchFamily="34" charset="0"/>
+              <a:buChar char="•"/>
+              <a:defRPr>
+                <a:solidFill>
+                  <a:schemeClr val="tx1"/>
+                </a:solidFill>
+                <a:latin typeface="Calibri" panose="020F0502020204030204" pitchFamily="34" charset="0"/>
+              </a:defRPr>
+            </a:lvl4pPr>
+            <a:lvl5pPr marL="2057400" indent="-228600">
+              <a:lnSpc>
+                <a:spcPct val="90000"/>
+              </a:lnSpc>
+              <a:spcBef>
+                <a:spcPts val="500"/>
+              </a:spcBef>
+              <a:buFont typeface="Arial" panose="020B0604020202020204" pitchFamily="34" charset="0"/>
+              <a:buChar char="•"/>
+              <a:defRPr>
+                <a:solidFill>
+                  <a:schemeClr val="tx1"/>
+                </a:solidFill>
+                <a:latin typeface="Calibri" panose="020F0502020204030204" pitchFamily="34" charset="0"/>
+              </a:defRPr>
+            </a:lvl5pPr>
+            <a:lvl6pPr marL="2514600" indent="-228600" defTabSz="685800" eaLnBrk="0" fontAlgn="base" hangingPunct="0">
+              <a:lnSpc>
+                <a:spcPct val="90000"/>
+              </a:lnSpc>
+              <a:spcBef>
+                <a:spcPts val="500"/>
+              </a:spcBef>
+              <a:spcAft>
+                <a:spcPct val="0"/>
+              </a:spcAft>
+              <a:buFont typeface="Arial" panose="020B0604020202020204" pitchFamily="34" charset="0"/>
+              <a:buChar char="•"/>
+              <a:defRPr>
+                <a:solidFill>
+                  <a:schemeClr val="tx1"/>
+                </a:solidFill>
+                <a:latin typeface="Calibri" panose="020F0502020204030204" pitchFamily="34" charset="0"/>
+              </a:defRPr>
+            </a:lvl6pPr>
+            <a:lvl7pPr marL="2971800" indent="-228600" defTabSz="685800" eaLnBrk="0" fontAlgn="base" hangingPunct="0">
+              <a:lnSpc>
+                <a:spcPct val="90000"/>
+              </a:lnSpc>
+              <a:spcBef>
+                <a:spcPts val="500"/>
+              </a:spcBef>
+              <a:spcAft>
+                <a:spcPct val="0"/>
+              </a:spcAft>
+              <a:buFont typeface="Arial" panose="020B0604020202020204" pitchFamily="34" charset="0"/>
+              <a:buChar char="•"/>
+              <a:defRPr>
+                <a:solidFill>
+                  <a:schemeClr val="tx1"/>
+                </a:solidFill>
+                <a:latin typeface="Calibri" panose="020F0502020204030204" pitchFamily="34" charset="0"/>
+              </a:defRPr>
+            </a:lvl7pPr>
+            <a:lvl8pPr marL="3429000" indent="-228600" defTabSz="685800" eaLnBrk="0" fontAlgn="base" hangingPunct="0">
+              <a:lnSpc>
+                <a:spcPct val="90000"/>
+              </a:lnSpc>
+              <a:spcBef>
+                <a:spcPts val="500"/>
+              </a:spcBef>
+              <a:spcAft>
+                <a:spcPct val="0"/>
+              </a:spcAft>
+              <a:buFont typeface="Arial" panose="020B0604020202020204" pitchFamily="34" charset="0"/>
+              <a:buChar char="•"/>
+              <a:defRPr>
+                <a:solidFill>
+                  <a:schemeClr val="tx1"/>
+                </a:solidFill>
+                <a:latin typeface="Calibri" panose="020F0502020204030204" pitchFamily="34" charset="0"/>
+              </a:defRPr>
+            </a:lvl8pPr>
+            <a:lvl9pPr marL="3886200" indent="-228600" defTabSz="685800" eaLnBrk="0" fontAlgn="base" hangingPunct="0">
+              <a:lnSpc>
+                <a:spcPct val="90000"/>
+              </a:lnSpc>
+              <a:spcBef>
+                <a:spcPts val="500"/>
+              </a:spcBef>
+              <a:spcAft>
+                <a:spcPct val="0"/>
+              </a:spcAft>
+              <a:buFont typeface="Arial" panose="020B0604020202020204" pitchFamily="34" charset="0"/>
+              <a:buChar char="•"/>
+              <a:defRPr>
+                <a:solidFill>
+                  <a:schemeClr val="tx1"/>
+                </a:solidFill>
+                <a:latin typeface="Calibri" panose="020F0502020204030204" pitchFamily="34" charset="0"/>
+              </a:defRPr>
+            </a:lvl9pPr>
+          </a:lstStyle>
+          <a:p>
+            <a:pPr eaLnBrk="1" hangingPunct="1">
+              <a:lnSpc>
+                <a:spcPct val="100000"/>
+              </a:lnSpc>
+              <a:spcBef>
+                <a:spcPct val="0"/>
+              </a:spcBef>
+              <a:buFontTx/>
+              <a:buNone/>
+            </a:pPr>
+            <a:r>
+              <a:rPr lang="de-DE" altLang="de-DE" b="1" dirty="0" err="1">
+                <a:solidFill>
+                  <a:srgbClr val="17365C"/>
+                </a:solidFill>
+                <a:latin typeface="Arial" panose="020B0604020202020204" pitchFamily="34" charset="0"/>
+                <a:cs typeface="Arial" panose="020B0604020202020204" pitchFamily="34" charset="0"/>
+              </a:rPr>
+              <a:t>Conclusion</a:t>
+            </a:r>
+            <a:endParaRPr lang="de-DE" altLang="de-DE" b="1" dirty="0">
+              <a:solidFill>
+                <a:srgbClr val="17365C"/>
+              </a:solidFill>
+              <a:latin typeface="Arial" panose="020B0604020202020204" pitchFamily="34" charset="0"/>
+              <a:cs typeface="Arial" panose="020B0604020202020204" pitchFamily="34" charset="0"/>
+            </a:endParaRPr>
+          </a:p>
+        </p:txBody>
+      </p:sp>
+      <p:sp>
+        <p:nvSpPr>
+          <p:cNvPr id="26629" name="Textfeld 4">
+            <a:extLst>
+              <a:ext uri="{FF2B5EF4-FFF2-40B4-BE49-F238E27FC236}">
+                <a16:creationId xmlns:a16="http://schemas.microsoft.com/office/drawing/2014/main" id="{C8D2D1D9-7AA5-4C8B-A042-85097EC5C951}"/>
+              </a:ext>
+            </a:extLst>
+          </p:cNvPr>
+          <p:cNvSpPr txBox="1">
+            <a:spLocks noChangeArrowheads="1"/>
+          </p:cNvSpPr>
+          <p:nvPr/>
+        </p:nvSpPr>
+        <p:spPr bwMode="auto">
+          <a:xfrm>
+            <a:off x="338138" y="1031875"/>
+            <a:ext cx="8353425" cy="4909036"/>
+          </a:xfrm>
+          <a:prstGeom prst="rect">
+            <a:avLst/>
+          </a:prstGeom>
+          <a:noFill/>
+          <a:ln>
+            <a:noFill/>
+          </a:ln>
+          <a:extLst>
+            <a:ext uri="{909E8E84-426E-40DD-AFC4-6F175D3DCCD1}">
+              <a14:hiddenFill xmlns:a14="http://schemas.microsoft.com/office/drawing/2010/main">
+                <a:solidFill>
+                  <a:srgbClr val="FFFFFF"/>
+                </a:solidFill>
+              </a14:hiddenFill>
+            </a:ext>
+            <a:ext uri="{91240B29-F687-4F45-9708-019B960494DF}">
+              <a14:hiddenLine xmlns:a14="http://schemas.microsoft.com/office/drawing/2010/main" w="9525">
+                <a:solidFill>
+                  <a:srgbClr val="000000"/>
+                </a:solidFill>
+                <a:miter lim="800000"/>
+                <a:headEnd/>
+                <a:tailEnd/>
+              </a14:hiddenLine>
+            </a:ext>
+          </a:extLst>
+        </p:spPr>
+        <p:txBody>
+          <a:bodyPr lIns="0" tIns="0" rIns="0" bIns="0">
+            <a:spAutoFit/>
+          </a:bodyPr>
+          <a:lstStyle>
+            <a:lvl1pPr marL="285750" indent="-285750" defTabSz="287338">
+              <a:lnSpc>
+                <a:spcPct val="90000"/>
+              </a:lnSpc>
+              <a:spcBef>
+                <a:spcPts val="1000"/>
+              </a:spcBef>
+              <a:buFont typeface="Arial" panose="020B0604020202020204" pitchFamily="34" charset="0"/>
+              <a:buChar char="•"/>
+              <a:defRPr sz="2800">
+                <a:solidFill>
+                  <a:schemeClr val="tx1"/>
+                </a:solidFill>
+                <a:latin typeface="Calibri" panose="020F0502020204030204" pitchFamily="34" charset="0"/>
+              </a:defRPr>
+            </a:lvl1pPr>
+            <a:lvl2pPr marL="742950" indent="-285750" defTabSz="287338">
+              <a:lnSpc>
+                <a:spcPct val="90000"/>
+              </a:lnSpc>
+              <a:spcBef>
+                <a:spcPts val="500"/>
+              </a:spcBef>
+              <a:buFont typeface="Arial" panose="020B0604020202020204" pitchFamily="34" charset="0"/>
+              <a:buChar char="•"/>
+              <a:defRPr sz="2400">
+                <a:solidFill>
+                  <a:schemeClr val="tx1"/>
+                </a:solidFill>
+                <a:latin typeface="Calibri" panose="020F0502020204030204" pitchFamily="34" charset="0"/>
+              </a:defRPr>
+            </a:lvl2pPr>
+            <a:lvl3pPr marL="1143000" indent="-228600" defTabSz="287338">
+              <a:lnSpc>
+                <a:spcPct val="90000"/>
+              </a:lnSpc>
+              <a:spcBef>
+                <a:spcPts val="500"/>
+              </a:spcBef>
+              <a:buFont typeface="Arial" panose="020B0604020202020204" pitchFamily="34" charset="0"/>
+              <a:buChar char="•"/>
+              <a:defRPr sz="2000">
+                <a:solidFill>
+                  <a:schemeClr val="tx1"/>
+                </a:solidFill>
+                <a:latin typeface="Calibri" panose="020F0502020204030204" pitchFamily="34" charset="0"/>
+              </a:defRPr>
+            </a:lvl3pPr>
+            <a:lvl4pPr marL="1600200" indent="-228600" defTabSz="287338">
+              <a:lnSpc>
+                <a:spcPct val="90000"/>
+              </a:lnSpc>
+              <a:spcBef>
+                <a:spcPts val="500"/>
+              </a:spcBef>
+              <a:buFont typeface="Arial" panose="020B0604020202020204" pitchFamily="34" charset="0"/>
+              <a:buChar char="•"/>
+              <a:defRPr>
+                <a:solidFill>
+                  <a:schemeClr val="tx1"/>
+                </a:solidFill>
+                <a:latin typeface="Calibri" panose="020F0502020204030204" pitchFamily="34" charset="0"/>
+              </a:defRPr>
+            </a:lvl4pPr>
+            <a:lvl5pPr marL="2057400" indent="-228600" defTabSz="287338">
+              <a:lnSpc>
+                <a:spcPct val="90000"/>
+              </a:lnSpc>
+              <a:spcBef>
+                <a:spcPts val="500"/>
+              </a:spcBef>
+              <a:buFont typeface="Arial" panose="020B0604020202020204" pitchFamily="34" charset="0"/>
+              <a:buChar char="•"/>
+              <a:defRPr>
+                <a:solidFill>
+                  <a:schemeClr val="tx1"/>
+                </a:solidFill>
+                <a:latin typeface="Calibri" panose="020F0502020204030204" pitchFamily="34" charset="0"/>
+              </a:defRPr>
+            </a:lvl5pPr>
+            <a:lvl6pPr marL="2514600" indent="-228600" defTabSz="287338" eaLnBrk="0" fontAlgn="base" hangingPunct="0">
+              <a:lnSpc>
+                <a:spcPct val="90000"/>
+              </a:lnSpc>
+              <a:spcBef>
+                <a:spcPts val="500"/>
+              </a:spcBef>
+              <a:spcAft>
+                <a:spcPct val="0"/>
+              </a:spcAft>
+              <a:buFont typeface="Arial" panose="020B0604020202020204" pitchFamily="34" charset="0"/>
+              <a:buChar char="•"/>
+              <a:defRPr>
+                <a:solidFill>
+                  <a:schemeClr val="tx1"/>
+                </a:solidFill>
+                <a:latin typeface="Calibri" panose="020F0502020204030204" pitchFamily="34" charset="0"/>
+              </a:defRPr>
+            </a:lvl6pPr>
+            <a:lvl7pPr marL="2971800" indent="-228600" defTabSz="287338" eaLnBrk="0" fontAlgn="base" hangingPunct="0">
+              <a:lnSpc>
+                <a:spcPct val="90000"/>
+              </a:lnSpc>
+              <a:spcBef>
+                <a:spcPts val="500"/>
+              </a:spcBef>
+              <a:spcAft>
+                <a:spcPct val="0"/>
+              </a:spcAft>
+              <a:buFont typeface="Arial" panose="020B0604020202020204" pitchFamily="34" charset="0"/>
+              <a:buChar char="•"/>
+              <a:defRPr>
+                <a:solidFill>
+                  <a:schemeClr val="tx1"/>
+                </a:solidFill>
+                <a:latin typeface="Calibri" panose="020F0502020204030204" pitchFamily="34" charset="0"/>
+              </a:defRPr>
+            </a:lvl7pPr>
+            <a:lvl8pPr marL="3429000" indent="-228600" defTabSz="287338" eaLnBrk="0" fontAlgn="base" hangingPunct="0">
+              <a:lnSpc>
+                <a:spcPct val="90000"/>
+              </a:lnSpc>
+              <a:spcBef>
+                <a:spcPts val="500"/>
+              </a:spcBef>
+              <a:spcAft>
+                <a:spcPct val="0"/>
+              </a:spcAft>
+              <a:buFont typeface="Arial" panose="020B0604020202020204" pitchFamily="34" charset="0"/>
+              <a:buChar char="•"/>
+              <a:defRPr>
+                <a:solidFill>
+                  <a:schemeClr val="tx1"/>
+                </a:solidFill>
+                <a:latin typeface="Calibri" panose="020F0502020204030204" pitchFamily="34" charset="0"/>
+              </a:defRPr>
+            </a:lvl8pPr>
+            <a:lvl9pPr marL="3886200" indent="-228600" defTabSz="287338" eaLnBrk="0" fontAlgn="base" hangingPunct="0">
+              <a:lnSpc>
+                <a:spcPct val="90000"/>
+              </a:lnSpc>
+              <a:spcBef>
+                <a:spcPts val="500"/>
+              </a:spcBef>
+              <a:spcAft>
+                <a:spcPct val="0"/>
+              </a:spcAft>
+              <a:buFont typeface="Arial" panose="020B0604020202020204" pitchFamily="34" charset="0"/>
+              <a:buChar char="•"/>
+              <a:defRPr>
+                <a:solidFill>
+                  <a:schemeClr val="tx1"/>
+                </a:solidFill>
+                <a:latin typeface="Calibri" panose="020F0502020204030204" pitchFamily="34" charset="0"/>
+              </a:defRPr>
+            </a:lvl9pPr>
+          </a:lstStyle>
+          <a:p>
+            <a:pPr eaLnBrk="1" hangingPunct="1">
+              <a:lnSpc>
+                <a:spcPct val="100000"/>
+              </a:lnSpc>
+              <a:spcBef>
+                <a:spcPct val="0"/>
+              </a:spcBef>
+              <a:spcAft>
+                <a:spcPts val="600"/>
+              </a:spcAft>
+              <a:buClr>
+                <a:srgbClr val="8DAE10"/>
+              </a:buClr>
+              <a:buSzPct val="130000"/>
+            </a:pPr>
+            <a:r>
+              <a:rPr lang="de-DE" altLang="de-DE" sz="1800" b="1" dirty="0" err="1">
+                <a:solidFill>
+                  <a:srgbClr val="17365C"/>
+                </a:solidFill>
+                <a:latin typeface="Arial" panose="020B0604020202020204" pitchFamily="34" charset="0"/>
+                <a:cs typeface="Arial" panose="020B0604020202020204" pitchFamily="34" charset="0"/>
+              </a:rPr>
+              <a:t>Reflection</a:t>
+            </a:r>
+            <a:r>
+              <a:rPr lang="de-DE" altLang="de-DE" sz="1800" b="1" dirty="0">
+                <a:solidFill>
+                  <a:srgbClr val="17365C"/>
+                </a:solidFill>
+                <a:latin typeface="Arial" panose="020B0604020202020204" pitchFamily="34" charset="0"/>
+                <a:cs typeface="Arial" panose="020B0604020202020204" pitchFamily="34" charset="0"/>
+              </a:rPr>
+              <a:t> on </a:t>
+            </a:r>
+            <a:r>
+              <a:rPr lang="de-DE" altLang="de-DE" sz="1800" b="1" dirty="0" err="1">
+                <a:solidFill>
+                  <a:srgbClr val="17365C"/>
+                </a:solidFill>
+                <a:latin typeface="Arial" panose="020B0604020202020204" pitchFamily="34" charset="0"/>
+                <a:cs typeface="Arial" panose="020B0604020202020204" pitchFamily="34" charset="0"/>
+              </a:rPr>
+              <a:t>what</a:t>
+            </a:r>
+            <a:r>
+              <a:rPr lang="de-DE" altLang="de-DE" sz="1800" b="1" dirty="0">
+                <a:solidFill>
+                  <a:srgbClr val="17365C"/>
+                </a:solidFill>
+                <a:latin typeface="Arial" panose="020B0604020202020204" pitchFamily="34" charset="0"/>
+                <a:cs typeface="Arial" panose="020B0604020202020204" pitchFamily="34" charset="0"/>
+              </a:rPr>
+              <a:t> </a:t>
+            </a:r>
+            <a:r>
+              <a:rPr lang="de-DE" altLang="de-DE" sz="1800" b="1" dirty="0" err="1">
+                <a:solidFill>
+                  <a:srgbClr val="17365C"/>
+                </a:solidFill>
+                <a:latin typeface="Arial" panose="020B0604020202020204" pitchFamily="34" charset="0"/>
+                <a:cs typeface="Arial" panose="020B0604020202020204" pitchFamily="34" charset="0"/>
+              </a:rPr>
+              <a:t>this</a:t>
+            </a:r>
+            <a:r>
+              <a:rPr lang="de-DE" altLang="de-DE" sz="1800" b="1" dirty="0">
+                <a:solidFill>
+                  <a:srgbClr val="17365C"/>
+                </a:solidFill>
+                <a:latin typeface="Arial" panose="020B0604020202020204" pitchFamily="34" charset="0"/>
+                <a:cs typeface="Arial" panose="020B0604020202020204" pitchFamily="34" charset="0"/>
+              </a:rPr>
+              <a:t> </a:t>
+            </a:r>
+            <a:r>
+              <a:rPr lang="de-DE" altLang="de-DE" sz="1800" b="1" dirty="0" err="1">
+                <a:solidFill>
+                  <a:srgbClr val="17365C"/>
+                </a:solidFill>
+                <a:latin typeface="Arial" panose="020B0604020202020204" pitchFamily="34" charset="0"/>
+                <a:cs typeface="Arial" panose="020B0604020202020204" pitchFamily="34" charset="0"/>
+              </a:rPr>
+              <a:t>research</a:t>
+            </a:r>
+            <a:r>
+              <a:rPr lang="de-DE" altLang="de-DE" sz="1800" b="1" dirty="0">
+                <a:solidFill>
+                  <a:srgbClr val="17365C"/>
+                </a:solidFill>
+                <a:latin typeface="Arial" panose="020B0604020202020204" pitchFamily="34" charset="0"/>
+                <a:cs typeface="Arial" panose="020B0604020202020204" pitchFamily="34" charset="0"/>
+              </a:rPr>
+              <a:t> </a:t>
+            </a:r>
+            <a:r>
+              <a:rPr lang="de-DE" altLang="de-DE" sz="1800" b="1" dirty="0" err="1">
+                <a:solidFill>
+                  <a:srgbClr val="17365C"/>
+                </a:solidFill>
+                <a:latin typeface="Arial" panose="020B0604020202020204" pitchFamily="34" charset="0"/>
+                <a:cs typeface="Arial" panose="020B0604020202020204" pitchFamily="34" charset="0"/>
+              </a:rPr>
+              <a:t>aimed</a:t>
+            </a:r>
+            <a:r>
+              <a:rPr lang="de-DE" altLang="de-DE" sz="1800" b="1" dirty="0">
+                <a:solidFill>
+                  <a:srgbClr val="17365C"/>
+                </a:solidFill>
+                <a:latin typeface="Arial" panose="020B0604020202020204" pitchFamily="34" charset="0"/>
+                <a:cs typeface="Arial" panose="020B0604020202020204" pitchFamily="34" charset="0"/>
+              </a:rPr>
+              <a:t> </a:t>
+            </a:r>
+            <a:r>
+              <a:rPr lang="de-DE" altLang="de-DE" sz="1800" b="1" dirty="0" err="1">
+                <a:solidFill>
+                  <a:srgbClr val="17365C"/>
+                </a:solidFill>
+                <a:latin typeface="Arial" panose="020B0604020202020204" pitchFamily="34" charset="0"/>
+                <a:cs typeface="Arial" panose="020B0604020202020204" pitchFamily="34" charset="0"/>
+              </a:rPr>
+              <a:t>for</a:t>
+            </a:r>
+            <a:r>
+              <a:rPr lang="de-DE" altLang="de-DE" sz="1800" dirty="0">
+                <a:solidFill>
+                  <a:srgbClr val="17365C"/>
+                </a:solidFill>
+                <a:latin typeface="Arial" panose="020B0604020202020204" pitchFamily="34" charset="0"/>
+                <a:cs typeface="Arial" panose="020B0604020202020204" pitchFamily="34" charset="0"/>
+              </a:rPr>
+              <a:t>: </a:t>
+            </a:r>
+          </a:p>
+          <a:p>
+            <a:pPr lvl="1" eaLnBrk="1" hangingPunct="1">
+              <a:lnSpc>
+                <a:spcPct val="100000"/>
+              </a:lnSpc>
+              <a:spcBef>
+                <a:spcPct val="0"/>
+              </a:spcBef>
+              <a:spcAft>
+                <a:spcPts val="600"/>
+              </a:spcAft>
+              <a:buClr>
+                <a:srgbClr val="8DAE10"/>
+              </a:buClr>
+              <a:buSzPct val="130000"/>
+            </a:pPr>
             <a:r>
               <a:rPr lang="de-DE" altLang="de-DE" sz="1400" dirty="0" err="1">
                 <a:solidFill>
@@ -16429,7 +18146,7 @@
                 <a:latin typeface="Arial" panose="020B0604020202020204" pitchFamily="34" charset="0"/>
                 <a:cs typeface="Arial" panose="020B0604020202020204" pitchFamily="34" charset="0"/>
               </a:rPr>
-              <a:t>perfect</a:t>
+              <a:t>Efficient</a:t>
             </a:r>
             <a:r>
               <a:rPr lang="de-DE" altLang="de-DE" sz="1400" dirty="0">
@@ -16439,6 +18156,26 @@
                 <a:latin typeface="Arial" panose="020B0604020202020204" pitchFamily="34" charset="0"/>
                 <a:cs typeface="Arial" panose="020B0604020202020204" pitchFamily="34" charset="0"/>
               </a:rPr>
+              <a:t> parallel </a:t>
+            </a:r>
+            <a:r>
+              <a:rPr lang="de-DE" altLang="de-DE" sz="1400" dirty="0" err="1">
+                <a:solidFill>
+                  <a:srgbClr val="17365C"/>
+                </a:solidFill>
+                <a:latin typeface="Arial" panose="020B0604020202020204" pitchFamily="34" charset="0"/>
+                <a:cs typeface="Arial" panose="020B0604020202020204" pitchFamily="34" charset="0"/>
+              </a:rPr>
+              <a:t>implementation</a:t>
+            </a:r>
+            <a:r>
+              <a:rPr lang="de-DE" altLang="de-DE" sz="1400" dirty="0">
+                <a:solidFill>
+                  <a:srgbClr val="17365C"/>
+                </a:solidFill>
+                <a:latin typeface="Arial" panose="020B0604020202020204" pitchFamily="34" charset="0"/>
+                <a:cs typeface="Arial" panose="020B0604020202020204" pitchFamily="34" charset="0"/>
+              </a:rPr>
               <a:t> </a:t>
             </a:r>
             <a:r>
@@ -16449,7 +18186,87 @@
                 <a:latin typeface="Arial" panose="020B0604020202020204" pitchFamily="34" charset="0"/>
                 <a:cs typeface="Arial" panose="020B0604020202020204" pitchFamily="34" charset="0"/>
               </a:rPr>
-              <a:t>world</a:t>
+              <a:t>of</a:t>
+            </a:r>
+            <a:r>
+              <a:rPr lang="de-DE" altLang="de-DE" sz="1400" dirty="0">
+                <a:solidFill>
+                  <a:srgbClr val="17365C"/>
+                </a:solidFill>
+                <a:latin typeface="Arial" panose="020B0604020202020204" pitchFamily="34" charset="0"/>
+                <a:cs typeface="Arial" panose="020B0604020202020204" pitchFamily="34" charset="0"/>
+              </a:rPr>
+              <a:t> </a:t>
+            </a:r>
+            <a:r>
+              <a:rPr lang="de-DE" altLang="de-DE" sz="1400" dirty="0" err="1">
+                <a:solidFill>
+                  <a:srgbClr val="17365C"/>
+                </a:solidFill>
+                <a:latin typeface="Arial" panose="020B0604020202020204" pitchFamily="34" charset="0"/>
+                <a:cs typeface="Arial" panose="020B0604020202020204" pitchFamily="34" charset="0"/>
+              </a:rPr>
+              <a:t>the</a:t>
+            </a:r>
+            <a:r>
+              <a:rPr lang="de-DE" altLang="de-DE" sz="1400" dirty="0">
+                <a:solidFill>
+                  <a:srgbClr val="17365C"/>
+                </a:solidFill>
+                <a:latin typeface="Arial" panose="020B0604020202020204" pitchFamily="34" charset="0"/>
+                <a:cs typeface="Arial" panose="020B0604020202020204" pitchFamily="34" charset="0"/>
+              </a:rPr>
+              <a:t> </a:t>
+            </a:r>
+            <a:r>
+              <a:rPr lang="de-DE" altLang="de-DE" sz="1400" dirty="0" err="1">
+                <a:solidFill>
+                  <a:srgbClr val="17365C"/>
+                </a:solidFill>
+                <a:latin typeface="Arial" panose="020B0604020202020204" pitchFamily="34" charset="0"/>
+                <a:cs typeface="Arial" panose="020B0604020202020204" pitchFamily="34" charset="0"/>
+              </a:rPr>
+              <a:t>perceptron</a:t>
+            </a:r>
+            <a:r>
+              <a:rPr lang="de-DE" altLang="de-DE" sz="1400" dirty="0">
+                <a:solidFill>
+                  <a:srgbClr val="17365C"/>
+                </a:solidFill>
+                <a:latin typeface="Arial" panose="020B0604020202020204" pitchFamily="34" charset="0"/>
+                <a:cs typeface="Arial" panose="020B0604020202020204" pitchFamily="34" charset="0"/>
+              </a:rPr>
+              <a:t> </a:t>
+            </a:r>
+            <a:r>
+              <a:rPr lang="de-DE" altLang="de-DE" sz="1400" dirty="0" err="1">
+                <a:solidFill>
+                  <a:srgbClr val="17365C"/>
+                </a:solidFill>
+                <a:latin typeface="Arial" panose="020B0604020202020204" pitchFamily="34" charset="0"/>
+                <a:cs typeface="Arial" panose="020B0604020202020204" pitchFamily="34" charset="0"/>
+              </a:rPr>
+              <a:t>learning</a:t>
+            </a:r>
+            <a:r>
+              <a:rPr lang="de-DE" altLang="de-DE" sz="1400" dirty="0">
+                <a:solidFill>
+                  <a:srgbClr val="17365C"/>
+                </a:solidFill>
+                <a:latin typeface="Arial" panose="020B0604020202020204" pitchFamily="34" charset="0"/>
+                <a:cs typeface="Arial" panose="020B0604020202020204" pitchFamily="34" charset="0"/>
+              </a:rPr>
+              <a:t> </a:t>
+            </a:r>
+            <a:r>
+              <a:rPr lang="de-DE" altLang="de-DE" sz="1400" dirty="0" err="1">
+                <a:solidFill>
+                  <a:srgbClr val="17365C"/>
+                </a:solidFill>
+                <a:latin typeface="Arial" panose="020B0604020202020204" pitchFamily="34" charset="0"/>
+                <a:cs typeface="Arial" panose="020B0604020202020204" pitchFamily="34" charset="0"/>
+              </a:rPr>
+              <a:t>algorithm</a:t>
             </a:r>
             <a:endParaRPr lang="de-DE" altLang="de-DE" sz="1400" dirty="0">
               <a:solidFill>
@@ -16475,6 +18292,117 @@
               </a:buClr>
               <a:buSzPct val="130000"/>
             </a:pPr>
+            <a:endParaRPr lang="de-DE" altLang="de-DE" sz="1400" dirty="0">
+              <a:solidFill>
+                <a:srgbClr val="17365C"/>
+              </a:solidFill>
+              <a:latin typeface="Arial" panose="020B0604020202020204" pitchFamily="34" charset="0"/>
+              <a:cs typeface="Arial" panose="020B0604020202020204" pitchFamily="34" charset="0"/>
+            </a:endParaRPr>
+          </a:p>
+          <a:p>
+            <a:pPr eaLnBrk="1" hangingPunct="1">
+              <a:lnSpc>
+                <a:spcPct val="100000"/>
+              </a:lnSpc>
+              <a:spcBef>
+                <a:spcPct val="0"/>
+              </a:spcBef>
+              <a:spcAft>
+                <a:spcPts val="600"/>
+              </a:spcAft>
+              <a:buClr>
+                <a:srgbClr val="8DAE10"/>
+              </a:buClr>
+              <a:buSzPct val="130000"/>
+            </a:pPr>
+            <a:r>
+              <a:rPr lang="de-DE" altLang="de-DE" sz="1800" b="1" dirty="0" err="1">
+                <a:solidFill>
+                  <a:srgbClr val="17365C"/>
+                </a:solidFill>
+                <a:latin typeface="Arial" panose="020B0604020202020204" pitchFamily="34" charset="0"/>
+                <a:cs typeface="Arial" panose="020B0604020202020204" pitchFamily="34" charset="0"/>
+              </a:rPr>
+              <a:t>Reflection</a:t>
+            </a:r>
+            <a:r>
+              <a:rPr lang="de-DE" altLang="de-DE" sz="1800" b="1" dirty="0">
+                <a:solidFill>
+                  <a:srgbClr val="17365C"/>
+                </a:solidFill>
+                <a:latin typeface="Arial" panose="020B0604020202020204" pitchFamily="34" charset="0"/>
+                <a:cs typeface="Arial" panose="020B0604020202020204" pitchFamily="34" charset="0"/>
+              </a:rPr>
+              <a:t> on </a:t>
+            </a:r>
+            <a:r>
+              <a:rPr lang="de-DE" altLang="de-DE" sz="1800" b="1" dirty="0" err="1">
+                <a:solidFill>
+                  <a:srgbClr val="17365C"/>
+                </a:solidFill>
+                <a:latin typeface="Arial" panose="020B0604020202020204" pitchFamily="34" charset="0"/>
+                <a:cs typeface="Arial" panose="020B0604020202020204" pitchFamily="34" charset="0"/>
+              </a:rPr>
+              <a:t>research</a:t>
+            </a:r>
+            <a:r>
+              <a:rPr lang="de-DE" altLang="de-DE" sz="1800" b="1" dirty="0">
+                <a:solidFill>
+                  <a:srgbClr val="17365C"/>
+                </a:solidFill>
+                <a:latin typeface="Arial" panose="020B0604020202020204" pitchFamily="34" charset="0"/>
+                <a:cs typeface="Arial" panose="020B0604020202020204" pitchFamily="34" charset="0"/>
+              </a:rPr>
+              <a:t> and </a:t>
+            </a:r>
+            <a:r>
+              <a:rPr lang="de-DE" altLang="de-DE" sz="1800" b="1" dirty="0" err="1">
+                <a:solidFill>
+                  <a:srgbClr val="17365C"/>
+                </a:solidFill>
+                <a:latin typeface="Arial" panose="020B0604020202020204" pitchFamily="34" charset="0"/>
+                <a:cs typeface="Arial" panose="020B0604020202020204" pitchFamily="34" charset="0"/>
+              </a:rPr>
+              <a:t>methods</a:t>
+            </a:r>
+            <a:r>
+              <a:rPr lang="de-DE" altLang="de-DE" sz="1800" b="1" dirty="0">
+                <a:solidFill>
+                  <a:srgbClr val="17365C"/>
+                </a:solidFill>
+                <a:latin typeface="Arial" panose="020B0604020202020204" pitchFamily="34" charset="0"/>
+                <a:cs typeface="Arial" panose="020B0604020202020204" pitchFamily="34" charset="0"/>
+              </a:rPr>
+              <a:t>:</a:t>
+            </a:r>
+          </a:p>
+          <a:p>
+            <a:pPr lvl="1" eaLnBrk="1" hangingPunct="1">
+              <a:lnSpc>
+                <a:spcPct val="100000"/>
+              </a:lnSpc>
+              <a:spcBef>
+                <a:spcPct val="0"/>
+              </a:spcBef>
+              <a:spcAft>
+                <a:spcPts val="600"/>
+              </a:spcAft>
+              <a:buClr>
+                <a:srgbClr val="8DAE10"/>
+              </a:buClr>
+              <a:buSzPct val="130000"/>
+            </a:pPr>
+            <a:r>
+              <a:rPr lang="de-DE" altLang="de-DE" sz="1400" dirty="0" err="1">
+                <a:solidFill>
+                  <a:srgbClr val="17365C"/>
+                </a:solidFill>
+                <a:latin typeface="Arial" panose="020B0604020202020204" pitchFamily="34" charset="0"/>
+                <a:cs typeface="Arial" panose="020B0604020202020204" pitchFamily="34" charset="0"/>
+              </a:rPr>
+              <a:t>We</a:t>
+            </a:r>
             <a:r>
               <a:rPr lang="de-DE" altLang="de-DE" sz="1400" dirty="0">
                 <a:solidFill>
@@ -16483,7 +18411,7 @@
                 <a:latin typeface="Arial" panose="020B0604020202020204" pitchFamily="34" charset="0"/>
                 <a:cs typeface="Arial" panose="020B0604020202020204" pitchFamily="34" charset="0"/>
               </a:rPr>
-              <a:t>In a </a:t>
+              <a:t> </a:t>
             </a:r>
             <a:r>
               <a:rPr lang="de-DE" altLang="de-DE" sz="1400" dirty="0" err="1">
@@ -16493,7 +18421,7 @@
                 <a:latin typeface="Arial" panose="020B0604020202020204" pitchFamily="34" charset="0"/>
                 <a:cs typeface="Arial" panose="020B0604020202020204" pitchFamily="34" charset="0"/>
               </a:rPr>
-              <a:t>world</a:t>
+              <a:t>had</a:t>
             </a:r>
             <a:r>
               <a:rPr lang="de-DE" altLang="de-DE" sz="1400" dirty="0">
@@ -16513,7 +18441,7 @@
                 <a:latin typeface="Arial" panose="020B0604020202020204" pitchFamily="34" charset="0"/>
                 <a:cs typeface="Arial" panose="020B0604020202020204" pitchFamily="34" charset="0"/>
               </a:rPr>
-              <a:t>without</a:t>
+              <a:t>troble</a:t>
             </a:r>
             <a:r>
               <a:rPr lang="de-DE" altLang="de-DE" sz="1400" dirty="0">
@@ -16533,7 +18461,7 @@
                 <a:latin typeface="Arial" panose="020B0604020202020204" pitchFamily="34" charset="0"/>
                 <a:cs typeface="Arial" panose="020B0604020202020204" pitchFamily="34" charset="0"/>
               </a:rPr>
-              <a:t>race</a:t>
+              <a:t>with</a:t>
             </a:r>
             <a:r>
               <a:rPr lang="de-DE" altLang="de-DE" sz="1400" dirty="0">
@@ -16553,7 +18481,294 @@
                 <a:latin typeface="Arial" panose="020B0604020202020204" pitchFamily="34" charset="0"/>
                 <a:cs typeface="Arial" panose="020B0604020202020204" pitchFamily="34" charset="0"/>
               </a:rPr>
-              <a:t>conditions</a:t>
+              <a:t>the</a:t>
+            </a:r>
+            <a:r>
+              <a:rPr lang="de-DE" altLang="de-DE" sz="1400" dirty="0">
+                <a:solidFill>
+                  <a:srgbClr val="17365C"/>
+                </a:solidFill>
+                <a:latin typeface="Arial" panose="020B0604020202020204" pitchFamily="34" charset="0"/>
+                <a:cs typeface="Arial" panose="020B0604020202020204" pitchFamily="34" charset="0"/>
+              </a:rPr>
+              <a:t> </a:t>
+            </a:r>
+            <a:r>
+              <a:rPr lang="de-DE" altLang="de-DE" sz="1400" dirty="0" err="1">
+                <a:solidFill>
+                  <a:srgbClr val="17365C"/>
+                </a:solidFill>
+                <a:latin typeface="Arial" panose="020B0604020202020204" pitchFamily="34" charset="0"/>
+                <a:cs typeface="Arial" panose="020B0604020202020204" pitchFamily="34" charset="0"/>
+              </a:rPr>
+              <a:t>software</a:t>
+            </a:r>
+            <a:r>
+              <a:rPr lang="de-DE" altLang="de-DE" sz="1400" dirty="0">
+                <a:solidFill>
+                  <a:srgbClr val="17365C"/>
+                </a:solidFill>
+                <a:latin typeface="Arial" panose="020B0604020202020204" pitchFamily="34" charset="0"/>
+                <a:cs typeface="Arial" panose="020B0604020202020204" pitchFamily="34" charset="0"/>
+              </a:rPr>
+              <a:t> </a:t>
+            </a:r>
+            <a:r>
+              <a:rPr lang="de-DE" altLang="de-DE" sz="1400" dirty="0" err="1">
+                <a:solidFill>
+                  <a:srgbClr val="17365C"/>
+                </a:solidFill>
+                <a:latin typeface="Arial" panose="020B0604020202020204" pitchFamily="34" charset="0"/>
+                <a:cs typeface="Arial" panose="020B0604020202020204" pitchFamily="34" charset="0"/>
+              </a:rPr>
+              <a:t>that</a:t>
+            </a:r>
+            <a:r>
+              <a:rPr lang="de-DE" altLang="de-DE" sz="1400" dirty="0">
+                <a:solidFill>
+                  <a:srgbClr val="17365C"/>
+                </a:solidFill>
+                <a:latin typeface="Arial" panose="020B0604020202020204" pitchFamily="34" charset="0"/>
+                <a:cs typeface="Arial" panose="020B0604020202020204" pitchFamily="34" charset="0"/>
+              </a:rPr>
+              <a:t> was </a:t>
+            </a:r>
+            <a:r>
+              <a:rPr lang="de-DE" altLang="de-DE" sz="1400" dirty="0" err="1">
+                <a:solidFill>
+                  <a:srgbClr val="17365C"/>
+                </a:solidFill>
+                <a:latin typeface="Arial" panose="020B0604020202020204" pitchFamily="34" charset="0"/>
+                <a:cs typeface="Arial" panose="020B0604020202020204" pitchFamily="34" charset="0"/>
+              </a:rPr>
+              <a:t>to</a:t>
+            </a:r>
+            <a:r>
+              <a:rPr lang="de-DE" altLang="de-DE" sz="1400" dirty="0">
+                <a:solidFill>
+                  <a:srgbClr val="17365C"/>
+                </a:solidFill>
+                <a:latin typeface="Arial" panose="020B0604020202020204" pitchFamily="34" charset="0"/>
+                <a:cs typeface="Arial" panose="020B0604020202020204" pitchFamily="34" charset="0"/>
+              </a:rPr>
+              <a:t> </a:t>
+            </a:r>
+            <a:r>
+              <a:rPr lang="de-DE" altLang="de-DE" sz="1400" dirty="0" err="1">
+                <a:solidFill>
+                  <a:srgbClr val="17365C"/>
+                </a:solidFill>
+                <a:latin typeface="Arial" panose="020B0604020202020204" pitchFamily="34" charset="0"/>
+                <a:cs typeface="Arial" panose="020B0604020202020204" pitchFamily="34" charset="0"/>
+              </a:rPr>
+              <a:t>be</a:t>
+            </a:r>
+            <a:r>
+              <a:rPr lang="de-DE" altLang="de-DE" sz="1400" dirty="0">
+                <a:solidFill>
+                  <a:srgbClr val="17365C"/>
+                </a:solidFill>
+                <a:latin typeface="Arial" panose="020B0604020202020204" pitchFamily="34" charset="0"/>
+                <a:cs typeface="Arial" panose="020B0604020202020204" pitchFamily="34" charset="0"/>
+              </a:rPr>
+              <a:t> </a:t>
+            </a:r>
+            <a:r>
+              <a:rPr lang="de-DE" altLang="de-DE" sz="1400" dirty="0" err="1">
+                <a:solidFill>
+                  <a:srgbClr val="17365C"/>
+                </a:solidFill>
+                <a:latin typeface="Arial" panose="020B0604020202020204" pitchFamily="34" charset="0"/>
+                <a:cs typeface="Arial" panose="020B0604020202020204" pitchFamily="34" charset="0"/>
+              </a:rPr>
+              <a:t>used</a:t>
+            </a:r>
+            <a:r>
+              <a:rPr lang="de-DE" altLang="de-DE" sz="1400" dirty="0">
+                <a:solidFill>
+                  <a:srgbClr val="17365C"/>
+                </a:solidFill>
+                <a:latin typeface="Arial" panose="020B0604020202020204" pitchFamily="34" charset="0"/>
+                <a:cs typeface="Arial" panose="020B0604020202020204" pitchFamily="34" charset="0"/>
+              </a:rPr>
+              <a:t> (OMP4J)</a:t>
+            </a:r>
+          </a:p>
+          <a:p>
+            <a:pPr lvl="1" eaLnBrk="1" hangingPunct="1">
+              <a:lnSpc>
+                <a:spcPct val="100000"/>
+              </a:lnSpc>
+              <a:spcBef>
+                <a:spcPct val="0"/>
+              </a:spcBef>
+              <a:spcAft>
+                <a:spcPts val="600"/>
+              </a:spcAft>
+              <a:buClr>
+                <a:srgbClr val="8DAE10"/>
+              </a:buClr>
+              <a:buSzPct val="130000"/>
+            </a:pPr>
+            <a:r>
+              <a:rPr lang="de-DE" altLang="de-DE" sz="1400" dirty="0">
+                <a:solidFill>
+                  <a:srgbClr val="17365C"/>
+                </a:solidFill>
+                <a:latin typeface="Arial" panose="020B0604020202020204" pitchFamily="34" charset="0"/>
+                <a:cs typeface="Arial" panose="020B0604020202020204" pitchFamily="34" charset="0"/>
+              </a:rPr>
+              <a:t>So </a:t>
+            </a:r>
+            <a:r>
+              <a:rPr lang="de-DE" altLang="de-DE" sz="1400" dirty="0" err="1">
+                <a:solidFill>
+                  <a:srgbClr val="17365C"/>
+                </a:solidFill>
+                <a:latin typeface="Arial" panose="020B0604020202020204" pitchFamily="34" charset="0"/>
+                <a:cs typeface="Arial" panose="020B0604020202020204" pitchFamily="34" charset="0"/>
+              </a:rPr>
+              <a:t>we</a:t>
+            </a:r>
+            <a:r>
+              <a:rPr lang="de-DE" altLang="de-DE" sz="1400" dirty="0">
+                <a:solidFill>
+                  <a:srgbClr val="17365C"/>
+                </a:solidFill>
+                <a:latin typeface="Arial" panose="020B0604020202020204" pitchFamily="34" charset="0"/>
+                <a:cs typeface="Arial" panose="020B0604020202020204" pitchFamily="34" charset="0"/>
+              </a:rPr>
+              <a:t> </a:t>
+            </a:r>
+            <a:r>
+              <a:rPr lang="de-DE" altLang="de-DE" sz="1400" dirty="0" err="1">
+                <a:solidFill>
+                  <a:srgbClr val="17365C"/>
+                </a:solidFill>
+                <a:latin typeface="Arial" panose="020B0604020202020204" pitchFamily="34" charset="0"/>
+                <a:cs typeface="Arial" panose="020B0604020202020204" pitchFamily="34" charset="0"/>
+              </a:rPr>
+              <a:t>could</a:t>
+            </a:r>
+            <a:r>
+              <a:rPr lang="de-DE" altLang="de-DE" sz="1400" dirty="0">
+                <a:solidFill>
+                  <a:srgbClr val="17365C"/>
+                </a:solidFill>
+                <a:latin typeface="Arial" panose="020B0604020202020204" pitchFamily="34" charset="0"/>
+                <a:cs typeface="Arial" panose="020B0604020202020204" pitchFamily="34" charset="0"/>
+              </a:rPr>
+              <a:t> not </a:t>
+            </a:r>
+            <a:r>
+              <a:rPr lang="de-DE" altLang="de-DE" sz="1400" dirty="0" err="1">
+                <a:solidFill>
+                  <a:srgbClr val="17365C"/>
+                </a:solidFill>
+                <a:latin typeface="Arial" panose="020B0604020202020204" pitchFamily="34" charset="0"/>
+                <a:cs typeface="Arial" panose="020B0604020202020204" pitchFamily="34" charset="0"/>
+              </a:rPr>
+              <a:t>work</a:t>
+            </a:r>
+            <a:r>
+              <a:rPr lang="de-DE" altLang="de-DE" sz="1400" dirty="0">
+                <a:solidFill>
+                  <a:srgbClr val="17365C"/>
+                </a:solidFill>
+                <a:latin typeface="Arial" panose="020B0604020202020204" pitchFamily="34" charset="0"/>
+                <a:cs typeface="Arial" panose="020B0604020202020204" pitchFamily="34" charset="0"/>
+              </a:rPr>
+              <a:t> </a:t>
+            </a:r>
+            <a:r>
+              <a:rPr lang="de-DE" altLang="de-DE" sz="1400" dirty="0" err="1">
+                <a:solidFill>
+                  <a:srgbClr val="17365C"/>
+                </a:solidFill>
+                <a:latin typeface="Arial" panose="020B0604020202020204" pitchFamily="34" charset="0"/>
+                <a:cs typeface="Arial" panose="020B0604020202020204" pitchFamily="34" charset="0"/>
+              </a:rPr>
+              <a:t>the</a:t>
+            </a:r>
+            <a:r>
+              <a:rPr lang="de-DE" altLang="de-DE" sz="1400" dirty="0">
+                <a:solidFill>
+                  <a:srgbClr val="17365C"/>
+                </a:solidFill>
+                <a:latin typeface="Arial" panose="020B0604020202020204" pitchFamily="34" charset="0"/>
+                <a:cs typeface="Arial" panose="020B0604020202020204" pitchFamily="34" charset="0"/>
+              </a:rPr>
+              <a:t> </a:t>
+            </a:r>
+            <a:r>
+              <a:rPr lang="de-DE" altLang="de-DE" sz="1400" dirty="0" err="1">
+                <a:solidFill>
+                  <a:srgbClr val="17365C"/>
+                </a:solidFill>
+                <a:latin typeface="Arial" panose="020B0604020202020204" pitchFamily="34" charset="0"/>
+                <a:cs typeface="Arial" panose="020B0604020202020204" pitchFamily="34" charset="0"/>
+              </a:rPr>
+              <a:t>way</a:t>
+            </a:r>
+            <a:r>
+              <a:rPr lang="de-DE" altLang="de-DE" sz="1400" dirty="0">
+                <a:solidFill>
+                  <a:srgbClr val="17365C"/>
+                </a:solidFill>
+                <a:latin typeface="Arial" panose="020B0604020202020204" pitchFamily="34" charset="0"/>
+                <a:cs typeface="Arial" panose="020B0604020202020204" pitchFamily="34" charset="0"/>
+              </a:rPr>
+              <a:t> </a:t>
+            </a:r>
+            <a:r>
+              <a:rPr lang="de-DE" altLang="de-DE" sz="1400" dirty="0" err="1">
+                <a:solidFill>
+                  <a:srgbClr val="17365C"/>
+                </a:solidFill>
+                <a:latin typeface="Arial" panose="020B0604020202020204" pitchFamily="34" charset="0"/>
+                <a:cs typeface="Arial" panose="020B0604020202020204" pitchFamily="34" charset="0"/>
+              </a:rPr>
+              <a:t>we</a:t>
+            </a:r>
+            <a:r>
+              <a:rPr lang="de-DE" altLang="de-DE" sz="1400" dirty="0">
+                <a:solidFill>
+                  <a:srgbClr val="17365C"/>
+                </a:solidFill>
+                <a:latin typeface="Arial" panose="020B0604020202020204" pitchFamily="34" charset="0"/>
+                <a:cs typeface="Arial" panose="020B0604020202020204" pitchFamily="34" charset="0"/>
+              </a:rPr>
+              <a:t> </a:t>
+            </a:r>
+            <a:r>
+              <a:rPr lang="de-DE" altLang="de-DE" sz="1400" dirty="0" err="1">
+                <a:solidFill>
+                  <a:srgbClr val="17365C"/>
+                </a:solidFill>
+                <a:latin typeface="Arial" panose="020B0604020202020204" pitchFamily="34" charset="0"/>
+                <a:cs typeface="Arial" panose="020B0604020202020204" pitchFamily="34" charset="0"/>
+              </a:rPr>
+              <a:t>planned</a:t>
+            </a:r>
+            <a:r>
+              <a:rPr lang="de-DE" altLang="de-DE" sz="1400" dirty="0">
+                <a:solidFill>
+                  <a:srgbClr val="17365C"/>
+                </a:solidFill>
+                <a:latin typeface="Arial" panose="020B0604020202020204" pitchFamily="34" charset="0"/>
+                <a:cs typeface="Arial" panose="020B0604020202020204" pitchFamily="34" charset="0"/>
+              </a:rPr>
+              <a:t> </a:t>
+            </a:r>
+            <a:r>
+              <a:rPr lang="de-DE" altLang="de-DE" sz="1400" dirty="0" err="1">
+                <a:solidFill>
+                  <a:srgbClr val="17365C"/>
+                </a:solidFill>
+                <a:latin typeface="Arial" panose="020B0604020202020204" pitchFamily="34" charset="0"/>
+                <a:cs typeface="Arial" panose="020B0604020202020204" pitchFamily="34" charset="0"/>
+              </a:rPr>
+              <a:t>to</a:t>
             </a:r>
             <a:endParaRPr lang="de-DE" altLang="de-DE" sz="1400" dirty="0">
               <a:solidFill>
@@ -16580,6 +18795,16 @@
               <a:buSzPct val="130000"/>
             </a:pPr>
             <a:r>
+              <a:rPr lang="de-DE" altLang="de-DE" sz="1400" dirty="0" err="1">
+                <a:solidFill>
+                  <a:srgbClr val="17365C"/>
+                </a:solidFill>
+                <a:latin typeface="Arial" panose="020B0604020202020204" pitchFamily="34" charset="0"/>
+                <a:cs typeface="Arial" panose="020B0604020202020204" pitchFamily="34" charset="0"/>
+              </a:rPr>
+              <a:t>Result</a:t>
+            </a:r>
+            <a:r>
               <a:rPr lang="de-DE" altLang="de-DE" sz="1400" dirty="0">
                 <a:solidFill>
                   <a:srgbClr val="17365C"/>
@@ -16587,7 +18812,7 @@
                 <a:latin typeface="Arial" panose="020B0604020202020204" pitchFamily="34" charset="0"/>
                 <a:cs typeface="Arial" panose="020B0604020202020204" pitchFamily="34" charset="0"/>
               </a:rPr>
-              <a:t>In </a:t>
+              <a:t> </a:t>
             </a:r>
             <a:r>
               <a:rPr lang="de-DE" altLang="de-DE" sz="1400" dirty="0" err="1">
@@ -16597,7 +18822,7 @@
                 <a:latin typeface="Arial" panose="020B0604020202020204" pitchFamily="34" charset="0"/>
                 <a:cs typeface="Arial" panose="020B0604020202020204" pitchFamily="34" charset="0"/>
               </a:rPr>
-              <a:t>our</a:t>
+              <a:t>is</a:t>
             </a:r>
             <a:r>
               <a:rPr lang="de-DE" altLang="de-DE" sz="1400" dirty="0">
@@ -16607,6 +18832,26 @@
                 <a:latin typeface="Arial" panose="020B0604020202020204" pitchFamily="34" charset="0"/>
                 <a:cs typeface="Arial" panose="020B0604020202020204" pitchFamily="34" charset="0"/>
               </a:rPr>
+              <a:t> not </a:t>
+            </a:r>
+            <a:r>
+              <a:rPr lang="de-DE" altLang="de-DE" sz="1400" dirty="0" err="1">
+                <a:solidFill>
+                  <a:srgbClr val="17365C"/>
+                </a:solidFill>
+                <a:latin typeface="Arial" panose="020B0604020202020204" pitchFamily="34" charset="0"/>
+                <a:cs typeface="Arial" panose="020B0604020202020204" pitchFamily="34" charset="0"/>
+              </a:rPr>
+              <a:t>satisfactory</a:t>
+            </a:r>
+            <a:r>
+              <a:rPr lang="de-DE" altLang="de-DE" sz="1400" dirty="0">
+                <a:solidFill>
+                  <a:srgbClr val="17365C"/>
+                </a:solidFill>
+                <a:latin typeface="Arial" panose="020B0604020202020204" pitchFamily="34" charset="0"/>
+                <a:cs typeface="Arial" panose="020B0604020202020204" pitchFamily="34" charset="0"/>
+              </a:rPr>
               <a:t> </a:t>
             </a:r>
             <a:r>
@@ -16617,8 +18862,52 @@
                 <a:latin typeface="Arial" panose="020B0604020202020204" pitchFamily="34" charset="0"/>
                 <a:cs typeface="Arial" panose="020B0604020202020204" pitchFamily="34" charset="0"/>
               </a:rPr>
-              <a:t>world</a:t>
-            </a:r>
+              <a:t>as</a:t>
+            </a:r>
+            <a:r>
+              <a:rPr lang="de-DE" altLang="de-DE" sz="1400" dirty="0">
+                <a:solidFill>
+                  <a:srgbClr val="17365C"/>
+                </a:solidFill>
+                <a:latin typeface="Arial" panose="020B0604020202020204" pitchFamily="34" charset="0"/>
+                <a:cs typeface="Arial" panose="020B0604020202020204" pitchFamily="34" charset="0"/>
+              </a:rPr>
+              <a:t> a </a:t>
+            </a:r>
+            <a:r>
+              <a:rPr lang="de-DE" altLang="de-DE" sz="1400" dirty="0" err="1">
+                <a:solidFill>
+                  <a:srgbClr val="17365C"/>
+                </a:solidFill>
+                <a:latin typeface="Arial" panose="020B0604020202020204" pitchFamily="34" charset="0"/>
+                <a:cs typeface="Arial" panose="020B0604020202020204" pitchFamily="34" charset="0"/>
+              </a:rPr>
+              <a:t>consequence</a:t>
+            </a:r>
+            <a:endParaRPr lang="de-DE" altLang="de-DE" sz="1400" dirty="0">
+              <a:solidFill>
+                <a:srgbClr val="17365C"/>
+              </a:solidFill>
+              <a:latin typeface="Arial" panose="020B0604020202020204" pitchFamily="34" charset="0"/>
+              <a:cs typeface="Arial" panose="020B0604020202020204" pitchFamily="34" charset="0"/>
+            </a:endParaRPr>
+          </a:p>
+          <a:p>
+            <a:pPr lvl="1" eaLnBrk="1" hangingPunct="1">
+              <a:lnSpc>
+                <a:spcPct val="100000"/>
+              </a:lnSpc>
+              <a:spcBef>
+                <a:spcPct val="0"/>
+              </a:spcBef>
+              <a:spcAft>
+                <a:spcPts val="600"/>
+              </a:spcAft>
+              <a:buClr>
+                <a:srgbClr val="8DAE10"/>
+              </a:buClr>
+              <a:buSzPct val="130000"/>
+            </a:pPr>
             <a:endParaRPr lang="de-DE" altLang="de-DE" sz="1400" dirty="0">
               <a:solidFill>
                 <a:srgbClr val="17365C"/>
@@ -16644,6 +18933,1715 @@
               <a:buSzPct val="130000"/>
             </a:pPr>
             <a:r>
+              <a:rPr lang="de-DE" altLang="de-DE" sz="1800" b="1" dirty="0" err="1">
+                <a:solidFill>
+                  <a:srgbClr val="17365C"/>
+                </a:solidFill>
+                <a:latin typeface="Arial" panose="020B0604020202020204" pitchFamily="34" charset="0"/>
+                <a:cs typeface="Arial" panose="020B0604020202020204" pitchFamily="34" charset="0"/>
+              </a:rPr>
+              <a:t>Reflection</a:t>
+            </a:r>
+            <a:r>
+              <a:rPr lang="de-DE" altLang="de-DE" sz="1800" b="1" dirty="0">
+                <a:solidFill>
+                  <a:srgbClr val="17365C"/>
+                </a:solidFill>
+                <a:latin typeface="Arial" panose="020B0604020202020204" pitchFamily="34" charset="0"/>
+                <a:cs typeface="Arial" panose="020B0604020202020204" pitchFamily="34" charset="0"/>
+              </a:rPr>
+              <a:t> on </a:t>
+            </a:r>
+            <a:r>
+              <a:rPr lang="de-DE" altLang="de-DE" sz="1800" b="1" dirty="0" err="1">
+                <a:solidFill>
+                  <a:srgbClr val="17365C"/>
+                </a:solidFill>
+                <a:latin typeface="Arial" panose="020B0604020202020204" pitchFamily="34" charset="0"/>
+                <a:cs typeface="Arial" panose="020B0604020202020204" pitchFamily="34" charset="0"/>
+              </a:rPr>
+              <a:t>the</a:t>
+            </a:r>
+            <a:r>
+              <a:rPr lang="de-DE" altLang="de-DE" sz="1800" b="1" dirty="0">
+                <a:solidFill>
+                  <a:srgbClr val="17365C"/>
+                </a:solidFill>
+                <a:latin typeface="Arial" panose="020B0604020202020204" pitchFamily="34" charset="0"/>
+                <a:cs typeface="Arial" panose="020B0604020202020204" pitchFamily="34" charset="0"/>
+              </a:rPr>
+              <a:t> final </a:t>
+            </a:r>
+            <a:r>
+              <a:rPr lang="de-DE" altLang="de-DE" sz="1800" b="1" dirty="0" err="1">
+                <a:solidFill>
+                  <a:srgbClr val="17365C"/>
+                </a:solidFill>
+                <a:latin typeface="Arial" panose="020B0604020202020204" pitchFamily="34" charset="0"/>
+                <a:cs typeface="Arial" panose="020B0604020202020204" pitchFamily="34" charset="0"/>
+              </a:rPr>
+              <a:t>result</a:t>
+            </a:r>
+            <a:r>
+              <a:rPr lang="de-DE" altLang="de-DE" sz="1800" dirty="0">
+                <a:solidFill>
+                  <a:srgbClr val="17365C"/>
+                </a:solidFill>
+                <a:latin typeface="Arial" panose="020B0604020202020204" pitchFamily="34" charset="0"/>
+                <a:cs typeface="Arial" panose="020B0604020202020204" pitchFamily="34" charset="0"/>
+              </a:rPr>
+              <a:t>: </a:t>
+            </a:r>
+          </a:p>
+          <a:p>
+            <a:pPr lvl="1" eaLnBrk="1" hangingPunct="1">
+              <a:lnSpc>
+                <a:spcPct val="100000"/>
+              </a:lnSpc>
+              <a:spcBef>
+                <a:spcPct val="0"/>
+              </a:spcBef>
+              <a:spcAft>
+                <a:spcPts val="600"/>
+              </a:spcAft>
+              <a:buClr>
+                <a:srgbClr val="8DAE10"/>
+              </a:buClr>
+              <a:buSzPct val="130000"/>
+            </a:pPr>
+            <a:r>
+              <a:rPr lang="de-DE" altLang="de-DE" sz="1400" dirty="0">
+                <a:solidFill>
+                  <a:srgbClr val="17365C"/>
+                </a:solidFill>
+                <a:latin typeface="Arial" panose="020B0604020202020204" pitchFamily="34" charset="0"/>
+                <a:cs typeface="Arial" panose="020B0604020202020204" pitchFamily="34" charset="0"/>
+              </a:rPr>
+              <a:t> </a:t>
+            </a:r>
+            <a:r>
+              <a:rPr lang="de-DE" altLang="de-DE" sz="1400" dirty="0" err="1">
+                <a:solidFill>
+                  <a:srgbClr val="17365C"/>
+                </a:solidFill>
+                <a:latin typeface="Arial" panose="020B0604020202020204" pitchFamily="34" charset="0"/>
+                <a:cs typeface="Arial" panose="020B0604020202020204" pitchFamily="34" charset="0"/>
+              </a:rPr>
+              <a:t>goal</a:t>
+            </a:r>
+            <a:r>
+              <a:rPr lang="de-DE" altLang="de-DE" sz="1400" dirty="0">
+                <a:solidFill>
+                  <a:srgbClr val="17365C"/>
+                </a:solidFill>
+                <a:latin typeface="Arial" panose="020B0604020202020204" pitchFamily="34" charset="0"/>
+                <a:cs typeface="Arial" panose="020B0604020202020204" pitchFamily="34" charset="0"/>
+              </a:rPr>
+              <a:t> was not </a:t>
+            </a:r>
+            <a:r>
+              <a:rPr lang="de-DE" altLang="de-DE" sz="1400" dirty="0" err="1">
+                <a:solidFill>
+                  <a:srgbClr val="17365C"/>
+                </a:solidFill>
+                <a:latin typeface="Arial" panose="020B0604020202020204" pitchFamily="34" charset="0"/>
+                <a:cs typeface="Arial" panose="020B0604020202020204" pitchFamily="34" charset="0"/>
+              </a:rPr>
+              <a:t>achieved</a:t>
+            </a:r>
+            <a:r>
+              <a:rPr lang="de-DE" altLang="de-DE" sz="1400" dirty="0">
+                <a:solidFill>
+                  <a:srgbClr val="17365C"/>
+                </a:solidFill>
+                <a:latin typeface="Arial" panose="020B0604020202020204" pitchFamily="34" charset="0"/>
+                <a:cs typeface="Arial" panose="020B0604020202020204" pitchFamily="34" charset="0"/>
+              </a:rPr>
+              <a:t>, </a:t>
+            </a:r>
+            <a:r>
+              <a:rPr lang="de-DE" altLang="de-DE" sz="1400" dirty="0" err="1">
+                <a:solidFill>
+                  <a:srgbClr val="17365C"/>
+                </a:solidFill>
+                <a:latin typeface="Arial" panose="020B0604020202020204" pitchFamily="34" charset="0"/>
+                <a:cs typeface="Arial" panose="020B0604020202020204" pitchFamily="34" charset="0"/>
+              </a:rPr>
+              <a:t>algorithm</a:t>
+            </a:r>
+            <a:r>
+              <a:rPr lang="de-DE" altLang="de-DE" sz="1400" dirty="0">
+                <a:solidFill>
+                  <a:srgbClr val="17365C"/>
+                </a:solidFill>
+                <a:latin typeface="Arial" panose="020B0604020202020204" pitchFamily="34" charset="0"/>
+                <a:cs typeface="Arial" panose="020B0604020202020204" pitchFamily="34" charset="0"/>
+              </a:rPr>
+              <a:t> </a:t>
+            </a:r>
+            <a:r>
+              <a:rPr lang="de-DE" altLang="de-DE" sz="1400" dirty="0" err="1">
+                <a:solidFill>
+                  <a:srgbClr val="17365C"/>
+                </a:solidFill>
+                <a:latin typeface="Arial" panose="020B0604020202020204" pitchFamily="34" charset="0"/>
+                <a:cs typeface="Arial" panose="020B0604020202020204" pitchFamily="34" charset="0"/>
+              </a:rPr>
+              <a:t>with</a:t>
+            </a:r>
+            <a:r>
+              <a:rPr lang="de-DE" altLang="de-DE" sz="1400" dirty="0">
+                <a:solidFill>
+                  <a:srgbClr val="17365C"/>
+                </a:solidFill>
+                <a:latin typeface="Arial" panose="020B0604020202020204" pitchFamily="34" charset="0"/>
+                <a:cs typeface="Arial" panose="020B0604020202020204" pitchFamily="34" charset="0"/>
+              </a:rPr>
+              <a:t> JAVA </a:t>
+            </a:r>
+            <a:r>
+              <a:rPr lang="de-DE" altLang="de-DE" sz="1400" dirty="0" err="1">
+                <a:solidFill>
+                  <a:srgbClr val="17365C"/>
+                </a:solidFill>
+                <a:latin typeface="Arial" panose="020B0604020202020204" pitchFamily="34" charset="0"/>
+                <a:cs typeface="Arial" panose="020B0604020202020204" pitchFamily="34" charset="0"/>
+              </a:rPr>
+              <a:t>threads</a:t>
+            </a:r>
+            <a:r>
+              <a:rPr lang="de-DE" altLang="de-DE" sz="1400" dirty="0">
+                <a:solidFill>
+                  <a:srgbClr val="17365C"/>
+                </a:solidFill>
+                <a:latin typeface="Arial" panose="020B0604020202020204" pitchFamily="34" charset="0"/>
+                <a:cs typeface="Arial" panose="020B0604020202020204" pitchFamily="34" charset="0"/>
+              </a:rPr>
+              <a:t> </a:t>
+            </a:r>
+            <a:r>
+              <a:rPr lang="de-DE" altLang="de-DE" sz="1400" dirty="0" err="1">
+                <a:solidFill>
+                  <a:srgbClr val="17365C"/>
+                </a:solidFill>
+                <a:latin typeface="Arial" panose="020B0604020202020204" pitchFamily="34" charset="0"/>
+                <a:cs typeface="Arial" panose="020B0604020202020204" pitchFamily="34" charset="0"/>
+              </a:rPr>
+              <a:t>caused</a:t>
+            </a:r>
+            <a:r>
+              <a:rPr lang="de-DE" altLang="de-DE" sz="1400" dirty="0">
+                <a:solidFill>
+                  <a:srgbClr val="17365C"/>
+                </a:solidFill>
+                <a:latin typeface="Arial" panose="020B0604020202020204" pitchFamily="34" charset="0"/>
+                <a:cs typeface="Arial" panose="020B0604020202020204" pitchFamily="34" charset="0"/>
+              </a:rPr>
+              <a:t> </a:t>
+            </a:r>
+            <a:r>
+              <a:rPr lang="de-DE" altLang="de-DE" sz="1400" dirty="0" err="1">
+                <a:solidFill>
+                  <a:srgbClr val="17365C"/>
+                </a:solidFill>
+                <a:latin typeface="Arial" panose="020B0604020202020204" pitchFamily="34" charset="0"/>
+                <a:cs typeface="Arial" panose="020B0604020202020204" pitchFamily="34" charset="0"/>
+              </a:rPr>
+              <a:t>race</a:t>
+            </a:r>
+            <a:r>
+              <a:rPr lang="de-DE" altLang="de-DE" sz="1400" dirty="0">
+                <a:solidFill>
+                  <a:srgbClr val="17365C"/>
+                </a:solidFill>
+                <a:latin typeface="Arial" panose="020B0604020202020204" pitchFamily="34" charset="0"/>
+                <a:cs typeface="Arial" panose="020B0604020202020204" pitchFamily="34" charset="0"/>
+              </a:rPr>
+              <a:t> </a:t>
+            </a:r>
+            <a:r>
+              <a:rPr lang="de-DE" altLang="de-DE" sz="1400" dirty="0" err="1">
+                <a:solidFill>
+                  <a:srgbClr val="17365C"/>
+                </a:solidFill>
+                <a:latin typeface="Arial" panose="020B0604020202020204" pitchFamily="34" charset="0"/>
+                <a:cs typeface="Arial" panose="020B0604020202020204" pitchFamily="34" charset="0"/>
+              </a:rPr>
+              <a:t>conditions</a:t>
+            </a:r>
+            <a:endParaRPr lang="de-DE" altLang="de-DE" sz="1400" dirty="0">
+              <a:solidFill>
+                <a:srgbClr val="17365C"/>
+              </a:solidFill>
+              <a:latin typeface="Arial" panose="020B0604020202020204" pitchFamily="34" charset="0"/>
+              <a:cs typeface="Arial" panose="020B0604020202020204" pitchFamily="34" charset="0"/>
+            </a:endParaRPr>
+          </a:p>
+          <a:p>
+            <a:pPr lvl="1" eaLnBrk="1" hangingPunct="1">
+              <a:lnSpc>
+                <a:spcPct val="100000"/>
+              </a:lnSpc>
+              <a:spcBef>
+                <a:spcPct val="0"/>
+              </a:spcBef>
+              <a:spcAft>
+                <a:spcPts val="600"/>
+              </a:spcAft>
+              <a:buClr>
+                <a:srgbClr val="8DAE10"/>
+              </a:buClr>
+              <a:buSzPct val="130000"/>
+              <a:buFont typeface="Wingdings" panose="05000000000000000000" pitchFamily="2" charset="2"/>
+              <a:buChar char="Ø"/>
+            </a:pPr>
+            <a:r>
+              <a:rPr lang="de-DE" altLang="de-DE" sz="1400" dirty="0" err="1">
+                <a:solidFill>
+                  <a:srgbClr val="17365C"/>
+                </a:solidFill>
+                <a:latin typeface="Arial" panose="020B0604020202020204" pitchFamily="34" charset="0"/>
+                <a:cs typeface="Arial" panose="020B0604020202020204" pitchFamily="34" charset="0"/>
+              </a:rPr>
+              <a:t>Synchronization</a:t>
+            </a:r>
+            <a:r>
+              <a:rPr lang="de-DE" altLang="de-DE" sz="1400" dirty="0">
+                <a:solidFill>
+                  <a:srgbClr val="17365C"/>
+                </a:solidFill>
+                <a:latin typeface="Arial" panose="020B0604020202020204" pitchFamily="34" charset="0"/>
+                <a:cs typeface="Arial" panose="020B0604020202020204" pitchFamily="34" charset="0"/>
+              </a:rPr>
+              <a:t> </a:t>
+            </a:r>
+            <a:r>
+              <a:rPr lang="de-DE" altLang="de-DE" sz="1400" dirty="0" err="1">
+                <a:solidFill>
+                  <a:srgbClr val="17365C"/>
+                </a:solidFill>
+                <a:latin typeface="Arial" panose="020B0604020202020204" pitchFamily="34" charset="0"/>
+                <a:cs typeface="Arial" panose="020B0604020202020204" pitchFamily="34" charset="0"/>
+              </a:rPr>
+              <a:t>required</a:t>
+            </a:r>
+            <a:r>
+              <a:rPr lang="de-DE" altLang="de-DE" sz="1400" dirty="0">
+                <a:solidFill>
+                  <a:srgbClr val="17365C"/>
+                </a:solidFill>
+                <a:latin typeface="Arial" panose="020B0604020202020204" pitchFamily="34" charset="0"/>
+                <a:cs typeface="Arial" panose="020B0604020202020204" pitchFamily="34" charset="0"/>
+              </a:rPr>
+              <a:t> </a:t>
+            </a:r>
+          </a:p>
+          <a:p>
+            <a:pPr lvl="1" eaLnBrk="1" hangingPunct="1">
+              <a:lnSpc>
+                <a:spcPct val="100000"/>
+              </a:lnSpc>
+              <a:spcBef>
+                <a:spcPct val="0"/>
+              </a:spcBef>
+              <a:spcAft>
+                <a:spcPts val="600"/>
+              </a:spcAft>
+              <a:buClr>
+                <a:srgbClr val="8DAE10"/>
+              </a:buClr>
+              <a:buSzPct val="130000"/>
+              <a:buFont typeface="Wingdings" panose="05000000000000000000" pitchFamily="2" charset="2"/>
+              <a:buChar char="Ø"/>
+            </a:pPr>
+            <a:r>
+              <a:rPr lang="de-DE" altLang="de-DE" sz="1400" dirty="0">
+                <a:solidFill>
+                  <a:srgbClr val="17365C"/>
+                </a:solidFill>
+                <a:latin typeface="Arial" panose="020B0604020202020204" pitchFamily="34" charset="0"/>
+                <a:cs typeface="Arial" panose="020B0604020202020204" pitchFamily="34" charset="0"/>
+              </a:rPr>
+              <a:t> </a:t>
+            </a:r>
+            <a:r>
+              <a:rPr lang="de-DE" altLang="de-DE" sz="1400" dirty="0" err="1">
+                <a:solidFill>
+                  <a:srgbClr val="17365C"/>
+                </a:solidFill>
+                <a:latin typeface="Arial" panose="020B0604020202020204" pitchFamily="34" charset="0"/>
+                <a:cs typeface="Arial" panose="020B0604020202020204" pitchFamily="34" charset="0"/>
+              </a:rPr>
+              <a:t>no</a:t>
+            </a:r>
+            <a:r>
+              <a:rPr lang="de-DE" altLang="de-DE" sz="1400" dirty="0">
+                <a:solidFill>
+                  <a:srgbClr val="17365C"/>
+                </a:solidFill>
+                <a:latin typeface="Arial" panose="020B0604020202020204" pitchFamily="34" charset="0"/>
+                <a:cs typeface="Arial" panose="020B0604020202020204" pitchFamily="34" charset="0"/>
+              </a:rPr>
+              <a:t> </a:t>
+            </a:r>
+            <a:r>
+              <a:rPr lang="de-DE" altLang="de-DE" sz="1400" dirty="0" err="1">
+                <a:solidFill>
+                  <a:srgbClr val="17365C"/>
+                </a:solidFill>
+                <a:latin typeface="Arial" panose="020B0604020202020204" pitchFamily="34" charset="0"/>
+                <a:cs typeface="Arial" panose="020B0604020202020204" pitchFamily="34" charset="0"/>
+              </a:rPr>
+              <a:t>speedup</a:t>
+            </a:r>
+            <a:r>
+              <a:rPr lang="de-DE" altLang="de-DE" sz="1400" dirty="0">
+                <a:solidFill>
+                  <a:srgbClr val="17365C"/>
+                </a:solidFill>
+                <a:latin typeface="Arial" panose="020B0604020202020204" pitchFamily="34" charset="0"/>
+                <a:cs typeface="Arial" panose="020B0604020202020204" pitchFamily="34" charset="0"/>
+              </a:rPr>
+              <a:t> </a:t>
+            </a:r>
+            <a:r>
+              <a:rPr lang="de-DE" altLang="de-DE" sz="1400" dirty="0" err="1">
+                <a:solidFill>
+                  <a:srgbClr val="17365C"/>
+                </a:solidFill>
+                <a:latin typeface="Arial" panose="020B0604020202020204" pitchFamily="34" charset="0"/>
+                <a:cs typeface="Arial" panose="020B0604020202020204" pitchFamily="34" charset="0"/>
+              </a:rPr>
+              <a:t>can</a:t>
+            </a:r>
+            <a:r>
+              <a:rPr lang="de-DE" altLang="de-DE" sz="1400" dirty="0">
+                <a:solidFill>
+                  <a:srgbClr val="17365C"/>
+                </a:solidFill>
+                <a:latin typeface="Arial" panose="020B0604020202020204" pitchFamily="34" charset="0"/>
+                <a:cs typeface="Arial" panose="020B0604020202020204" pitchFamily="34" charset="0"/>
+              </a:rPr>
+              <a:t> </a:t>
+            </a:r>
+            <a:r>
+              <a:rPr lang="de-DE" altLang="de-DE" sz="1400" dirty="0" err="1">
+                <a:solidFill>
+                  <a:srgbClr val="17365C"/>
+                </a:solidFill>
+                <a:latin typeface="Arial" panose="020B0604020202020204" pitchFamily="34" charset="0"/>
+                <a:cs typeface="Arial" panose="020B0604020202020204" pitchFamily="34" charset="0"/>
+              </a:rPr>
+              <a:t>be</a:t>
+            </a:r>
+            <a:r>
+              <a:rPr lang="de-DE" altLang="de-DE" sz="1400" dirty="0">
+                <a:solidFill>
+                  <a:srgbClr val="17365C"/>
+                </a:solidFill>
+                <a:latin typeface="Arial" panose="020B0604020202020204" pitchFamily="34" charset="0"/>
+                <a:cs typeface="Arial" panose="020B0604020202020204" pitchFamily="34" charset="0"/>
+              </a:rPr>
+              <a:t> </a:t>
+            </a:r>
+            <a:r>
+              <a:rPr lang="de-DE" altLang="de-DE" sz="1400" dirty="0" err="1">
+                <a:solidFill>
+                  <a:srgbClr val="17365C"/>
+                </a:solidFill>
+                <a:latin typeface="Arial" panose="020B0604020202020204" pitchFamily="34" charset="0"/>
+                <a:cs typeface="Arial" panose="020B0604020202020204" pitchFamily="34" charset="0"/>
+              </a:rPr>
+              <a:t>achieved</a:t>
+            </a:r>
+            <a:endParaRPr lang="de-DE" altLang="de-DE" sz="1400" dirty="0">
+              <a:solidFill>
+                <a:srgbClr val="17365C"/>
+              </a:solidFill>
+              <a:latin typeface="Arial" panose="020B0604020202020204" pitchFamily="34" charset="0"/>
+              <a:cs typeface="Arial" panose="020B0604020202020204" pitchFamily="34" charset="0"/>
+            </a:endParaRPr>
+          </a:p>
+          <a:p>
+            <a:pPr lvl="1" eaLnBrk="1" hangingPunct="1">
+              <a:lnSpc>
+                <a:spcPct val="100000"/>
+              </a:lnSpc>
+              <a:spcBef>
+                <a:spcPct val="0"/>
+              </a:spcBef>
+              <a:spcAft>
+                <a:spcPts val="600"/>
+              </a:spcAft>
+              <a:buClr>
+                <a:srgbClr val="8DAE10"/>
+              </a:buClr>
+              <a:buSzPct val="130000"/>
+              <a:buFont typeface="Wingdings" panose="05000000000000000000" pitchFamily="2" charset="2"/>
+              <a:buChar char="Ø"/>
+            </a:pPr>
+            <a:endParaRPr lang="de-DE" altLang="de-DE" sz="1400" dirty="0">
+              <a:solidFill>
+                <a:srgbClr val="17365C"/>
+              </a:solidFill>
+              <a:latin typeface="Arial" panose="020B0604020202020204" pitchFamily="34" charset="0"/>
+              <a:cs typeface="Arial" panose="020B0604020202020204" pitchFamily="34" charset="0"/>
+            </a:endParaRPr>
+          </a:p>
+          <a:p>
+            <a:pPr eaLnBrk="1" hangingPunct="1">
+              <a:lnSpc>
+                <a:spcPct val="100000"/>
+              </a:lnSpc>
+              <a:spcBef>
+                <a:spcPct val="0"/>
+              </a:spcBef>
+              <a:spcAft>
+                <a:spcPts val="600"/>
+              </a:spcAft>
+              <a:buClr>
+                <a:srgbClr val="8DAE10"/>
+              </a:buClr>
+              <a:buSzPct val="130000"/>
+            </a:pPr>
+            <a:r>
+              <a:rPr lang="de-DE" altLang="de-DE" sz="1800" b="1" dirty="0" err="1">
+                <a:solidFill>
+                  <a:srgbClr val="17365C"/>
+                </a:solidFill>
+                <a:latin typeface="Arial" panose="020B0604020202020204" pitchFamily="34" charset="0"/>
+                <a:cs typeface="Arial" panose="020B0604020202020204" pitchFamily="34" charset="0"/>
+              </a:rPr>
+              <a:t>Whats</a:t>
+            </a:r>
+            <a:r>
+              <a:rPr lang="de-DE" altLang="de-DE" sz="1800" b="1" dirty="0">
+                <a:solidFill>
+                  <a:srgbClr val="17365C"/>
+                </a:solidFill>
+                <a:latin typeface="Arial" panose="020B0604020202020204" pitchFamily="34" charset="0"/>
+                <a:cs typeface="Arial" panose="020B0604020202020204" pitchFamily="34" charset="0"/>
+              </a:rPr>
+              <a:t> </a:t>
+            </a:r>
+            <a:r>
+              <a:rPr lang="de-DE" altLang="de-DE" sz="1800" b="1" dirty="0" err="1">
+                <a:solidFill>
+                  <a:srgbClr val="17365C"/>
+                </a:solidFill>
+                <a:latin typeface="Arial" panose="020B0604020202020204" pitchFamily="34" charset="0"/>
+                <a:cs typeface="Arial" panose="020B0604020202020204" pitchFamily="34" charset="0"/>
+              </a:rPr>
+              <a:t>to</a:t>
+            </a:r>
+            <a:r>
+              <a:rPr lang="de-DE" altLang="de-DE" sz="1800" b="1" dirty="0">
+                <a:solidFill>
+                  <a:srgbClr val="17365C"/>
+                </a:solidFill>
+                <a:latin typeface="Arial" panose="020B0604020202020204" pitchFamily="34" charset="0"/>
+                <a:cs typeface="Arial" panose="020B0604020202020204" pitchFamily="34" charset="0"/>
+              </a:rPr>
+              <a:t> </a:t>
+            </a:r>
+            <a:r>
+              <a:rPr lang="de-DE" altLang="de-DE" sz="1800" b="1" dirty="0" err="1">
+                <a:solidFill>
+                  <a:srgbClr val="17365C"/>
+                </a:solidFill>
+                <a:latin typeface="Arial" panose="020B0604020202020204" pitchFamily="34" charset="0"/>
+                <a:cs typeface="Arial" panose="020B0604020202020204" pitchFamily="34" charset="0"/>
+              </a:rPr>
+              <a:t>be</a:t>
+            </a:r>
+            <a:r>
+              <a:rPr lang="de-DE" altLang="de-DE" sz="1800" b="1" dirty="0">
+                <a:solidFill>
+                  <a:srgbClr val="17365C"/>
+                </a:solidFill>
+                <a:latin typeface="Arial" panose="020B0604020202020204" pitchFamily="34" charset="0"/>
+                <a:cs typeface="Arial" panose="020B0604020202020204" pitchFamily="34" charset="0"/>
+              </a:rPr>
+              <a:t> </a:t>
+            </a:r>
+            <a:r>
+              <a:rPr lang="de-DE" altLang="de-DE" sz="1800" b="1" dirty="0" err="1">
+                <a:solidFill>
+                  <a:srgbClr val="17365C"/>
+                </a:solidFill>
+                <a:latin typeface="Arial" panose="020B0604020202020204" pitchFamily="34" charset="0"/>
+                <a:cs typeface="Arial" panose="020B0604020202020204" pitchFamily="34" charset="0"/>
+              </a:rPr>
+              <a:t>discussed</a:t>
+            </a:r>
+            <a:r>
+              <a:rPr lang="de-DE" altLang="de-DE" sz="1800" b="1" dirty="0">
+                <a:solidFill>
+                  <a:srgbClr val="17365C"/>
+                </a:solidFill>
+                <a:latin typeface="Arial" panose="020B0604020202020204" pitchFamily="34" charset="0"/>
+                <a:cs typeface="Arial" panose="020B0604020202020204" pitchFamily="34" charset="0"/>
+              </a:rPr>
+              <a:t> </a:t>
+            </a:r>
+            <a:r>
+              <a:rPr lang="de-DE" altLang="de-DE" sz="1800" dirty="0">
+                <a:solidFill>
+                  <a:srgbClr val="17365C"/>
+                </a:solidFill>
+                <a:latin typeface="Arial" panose="020B0604020202020204" pitchFamily="34" charset="0"/>
+                <a:cs typeface="Arial" panose="020B0604020202020204" pitchFamily="34" charset="0"/>
+              </a:rPr>
+              <a:t>:</a:t>
+            </a:r>
+          </a:p>
+          <a:p>
+            <a:pPr lvl="1" eaLnBrk="1" hangingPunct="1">
+              <a:lnSpc>
+                <a:spcPct val="100000"/>
+              </a:lnSpc>
+              <a:spcBef>
+                <a:spcPct val="0"/>
+              </a:spcBef>
+              <a:spcAft>
+                <a:spcPts val="600"/>
+              </a:spcAft>
+              <a:buClr>
+                <a:srgbClr val="8DAE10"/>
+              </a:buClr>
+              <a:buSzPct val="130000"/>
+            </a:pPr>
+            <a:r>
+              <a:rPr lang="de-DE" altLang="de-DE" sz="1400" dirty="0">
+                <a:solidFill>
+                  <a:srgbClr val="17365C"/>
+                </a:solidFill>
+                <a:latin typeface="Arial" panose="020B0604020202020204" pitchFamily="34" charset="0"/>
+                <a:cs typeface="Arial" panose="020B0604020202020204" pitchFamily="34" charset="0"/>
+              </a:rPr>
+              <a:t> </a:t>
+            </a:r>
+            <a:r>
+              <a:rPr lang="de-DE" altLang="de-DE" sz="1400" dirty="0" err="1">
+                <a:solidFill>
+                  <a:srgbClr val="17365C"/>
+                </a:solidFill>
+                <a:latin typeface="Arial" panose="020B0604020202020204" pitchFamily="34" charset="0"/>
+                <a:cs typeface="Arial" panose="020B0604020202020204" pitchFamily="34" charset="0"/>
+              </a:rPr>
+              <a:t>Better</a:t>
+            </a:r>
+            <a:r>
+              <a:rPr lang="de-DE" altLang="de-DE" sz="1400" dirty="0">
+                <a:solidFill>
+                  <a:srgbClr val="17365C"/>
+                </a:solidFill>
+                <a:latin typeface="Arial" panose="020B0604020202020204" pitchFamily="34" charset="0"/>
+                <a:cs typeface="Arial" panose="020B0604020202020204" pitchFamily="34" charset="0"/>
+              </a:rPr>
+              <a:t> </a:t>
+            </a:r>
+            <a:r>
+              <a:rPr lang="de-DE" altLang="de-DE" sz="1400" dirty="0" err="1">
+                <a:solidFill>
+                  <a:srgbClr val="17365C"/>
+                </a:solidFill>
+                <a:latin typeface="Arial" panose="020B0604020202020204" pitchFamily="34" charset="0"/>
+                <a:cs typeface="Arial" panose="020B0604020202020204" pitchFamily="34" charset="0"/>
+              </a:rPr>
+              <a:t>with</a:t>
+            </a:r>
+            <a:r>
+              <a:rPr lang="de-DE" altLang="de-DE" sz="1400" dirty="0">
+                <a:solidFill>
+                  <a:srgbClr val="17365C"/>
+                </a:solidFill>
+                <a:latin typeface="Arial" panose="020B0604020202020204" pitchFamily="34" charset="0"/>
+                <a:cs typeface="Arial" panose="020B0604020202020204" pitchFamily="34" charset="0"/>
+              </a:rPr>
+              <a:t> C-style </a:t>
+            </a:r>
+            <a:r>
+              <a:rPr lang="de-DE" altLang="de-DE" sz="1400" dirty="0" err="1">
+                <a:solidFill>
+                  <a:srgbClr val="17365C"/>
+                </a:solidFill>
+                <a:latin typeface="Arial" panose="020B0604020202020204" pitchFamily="34" charset="0"/>
+                <a:cs typeface="Arial" panose="020B0604020202020204" pitchFamily="34" charset="0"/>
+              </a:rPr>
+              <a:t>preprocessor</a:t>
+            </a:r>
+            <a:r>
+              <a:rPr lang="de-DE" altLang="de-DE" sz="1400" dirty="0">
+                <a:solidFill>
+                  <a:srgbClr val="17365C"/>
+                </a:solidFill>
+                <a:latin typeface="Arial" panose="020B0604020202020204" pitchFamily="34" charset="0"/>
+                <a:cs typeface="Arial" panose="020B0604020202020204" pitchFamily="34" charset="0"/>
+              </a:rPr>
+              <a:t> </a:t>
+            </a:r>
+            <a:r>
+              <a:rPr lang="de-DE" altLang="de-DE" sz="1400" dirty="0" err="1">
+                <a:solidFill>
+                  <a:srgbClr val="17365C"/>
+                </a:solidFill>
+                <a:latin typeface="Arial" panose="020B0604020202020204" pitchFamily="34" charset="0"/>
+                <a:cs typeface="Arial" panose="020B0604020202020204" pitchFamily="34" charset="0"/>
+              </a:rPr>
+              <a:t>OpenMP</a:t>
+            </a:r>
+            <a:r>
+              <a:rPr lang="de-DE" altLang="de-DE" sz="1400" dirty="0">
+                <a:solidFill>
+                  <a:srgbClr val="17365C"/>
+                </a:solidFill>
+                <a:latin typeface="Arial" panose="020B0604020202020204" pitchFamily="34" charset="0"/>
+                <a:cs typeface="Arial" panose="020B0604020202020204" pitchFamily="34" charset="0"/>
+              </a:rPr>
+              <a:t>?</a:t>
+            </a:r>
+          </a:p>
+          <a:p>
+            <a:pPr eaLnBrk="1" hangingPunct="1">
+              <a:lnSpc>
+                <a:spcPct val="100000"/>
+              </a:lnSpc>
+              <a:spcBef>
+                <a:spcPct val="0"/>
+              </a:spcBef>
+              <a:spcAft>
+                <a:spcPts val="600"/>
+              </a:spcAft>
+              <a:buClr>
+                <a:srgbClr val="8DAE10"/>
+              </a:buClr>
+              <a:buSzPct val="130000"/>
+            </a:pPr>
+            <a:endParaRPr lang="de-DE" altLang="de-DE" sz="1800" dirty="0">
+              <a:solidFill>
+                <a:srgbClr val="17365C"/>
+              </a:solidFill>
+              <a:latin typeface="Arial" panose="020B0604020202020204" pitchFamily="34" charset="0"/>
+              <a:cs typeface="Arial" panose="020B0604020202020204" pitchFamily="34" charset="0"/>
+            </a:endParaRPr>
+          </a:p>
+        </p:txBody>
+      </p:sp>
+      <p:sp>
+        <p:nvSpPr>
+          <p:cNvPr id="6" name="Fußzeilenplatzhalter 1">
+            <a:extLst>
+              <a:ext uri="{FF2B5EF4-FFF2-40B4-BE49-F238E27FC236}">
+                <a16:creationId xmlns:a16="http://schemas.microsoft.com/office/drawing/2014/main" id="{D967A5B8-9140-4669-AF9A-FADCA10BB587}"/>
+              </a:ext>
+            </a:extLst>
+          </p:cNvPr>
+          <p:cNvSpPr>
+            <a:spLocks noGrp="1"/>
+          </p:cNvSpPr>
+          <p:nvPr>
+            <p:ph type="ftr" sz="quarter" idx="10"/>
+          </p:nvPr>
+        </p:nvSpPr>
+        <p:spPr bwMode="auto">
+          <a:xfrm>
+            <a:off x="696913" y="6221413"/>
+            <a:ext cx="5905768" cy="363537"/>
+          </a:xfrm>
+          <a:noFill/>
+          <a:extLst>
+            <a:ext uri="{909E8E84-426E-40DD-AFC4-6F175D3DCCD1}">
+              <a14:hiddenFill xmlns:a14="http://schemas.microsoft.com/office/drawing/2010/main">
+                <a:solidFill>
+                  <a:srgbClr val="FFFFFF"/>
+                </a:solidFill>
+              </a14:hiddenFill>
+            </a:ext>
+            <a:ext uri="{91240B29-F687-4F45-9708-019B960494DF}">
+              <a14:hiddenLine xmlns:a14="http://schemas.microsoft.com/office/drawing/2010/main" w="9525">
+                <a:solidFill>
+                  <a:srgbClr val="000000"/>
+                </a:solidFill>
+                <a:miter lim="800000"/>
+                <a:headEnd/>
+                <a:tailEnd/>
+              </a14:hiddenLine>
+            </a:ext>
+          </a:extLst>
+        </p:spPr>
+        <p:txBody>
+          <a:bodyPr wrap="square" numCol="1" anchorCtr="0" compatLnSpc="1">
+            <a:prstTxWarp prst="textNoShape">
+              <a:avLst/>
+            </a:prstTxWarp>
+          </a:bodyPr>
+          <a:lstStyle>
+            <a:lvl1pPr>
+              <a:lnSpc>
+                <a:spcPct val="90000"/>
+              </a:lnSpc>
+              <a:spcBef>
+                <a:spcPts val="1000"/>
+              </a:spcBef>
+              <a:buFont typeface="Arial" panose="020B0604020202020204" pitchFamily="34" charset="0"/>
+              <a:buChar char="•"/>
+              <a:defRPr sz="2800">
+                <a:solidFill>
+                  <a:schemeClr val="tx1"/>
+                </a:solidFill>
+                <a:latin typeface="Calibri" panose="020F0502020204030204" pitchFamily="34" charset="0"/>
+              </a:defRPr>
+            </a:lvl1pPr>
+            <a:lvl2pPr marL="742950" indent="-285750">
+              <a:lnSpc>
+                <a:spcPct val="90000"/>
+              </a:lnSpc>
+              <a:spcBef>
+                <a:spcPts val="500"/>
+              </a:spcBef>
+              <a:buFont typeface="Arial" panose="020B0604020202020204" pitchFamily="34" charset="0"/>
+              <a:buChar char="•"/>
+              <a:defRPr sz="2400">
+                <a:solidFill>
+                  <a:schemeClr val="tx1"/>
+                </a:solidFill>
+                <a:latin typeface="Calibri" panose="020F0502020204030204" pitchFamily="34" charset="0"/>
+              </a:defRPr>
+            </a:lvl2pPr>
+            <a:lvl3pPr marL="1143000" indent="-228600">
+              <a:lnSpc>
+                <a:spcPct val="90000"/>
+              </a:lnSpc>
+              <a:spcBef>
+                <a:spcPts val="500"/>
+              </a:spcBef>
+              <a:buFont typeface="Arial" panose="020B0604020202020204" pitchFamily="34" charset="0"/>
+              <a:buChar char="•"/>
+              <a:defRPr sz="2000">
+                <a:solidFill>
+                  <a:schemeClr val="tx1"/>
+                </a:solidFill>
+                <a:latin typeface="Calibri" panose="020F0502020204030204" pitchFamily="34" charset="0"/>
+              </a:defRPr>
+            </a:lvl3pPr>
+            <a:lvl4pPr marL="1600200" indent="-228600">
+              <a:lnSpc>
+                <a:spcPct val="90000"/>
+              </a:lnSpc>
+              <a:spcBef>
+                <a:spcPts val="500"/>
+              </a:spcBef>
+              <a:buFont typeface="Arial" panose="020B0604020202020204" pitchFamily="34" charset="0"/>
+              <a:buChar char="•"/>
+              <a:defRPr>
+                <a:solidFill>
+                  <a:schemeClr val="tx1"/>
+                </a:solidFill>
+                <a:latin typeface="Calibri" panose="020F0502020204030204" pitchFamily="34" charset="0"/>
+              </a:defRPr>
+            </a:lvl4pPr>
+            <a:lvl5pPr marL="2057400" indent="-228600">
+              <a:lnSpc>
+                <a:spcPct val="90000"/>
+              </a:lnSpc>
+              <a:spcBef>
+                <a:spcPts val="500"/>
+              </a:spcBef>
+              <a:buFont typeface="Arial" panose="020B0604020202020204" pitchFamily="34" charset="0"/>
+              <a:buChar char="•"/>
+              <a:defRPr>
+                <a:solidFill>
+                  <a:schemeClr val="tx1"/>
+                </a:solidFill>
+                <a:latin typeface="Calibri" panose="020F0502020204030204" pitchFamily="34" charset="0"/>
+              </a:defRPr>
+            </a:lvl5pPr>
+            <a:lvl6pPr marL="2514600" indent="-228600" defTabSz="685800" eaLnBrk="0" fontAlgn="base" hangingPunct="0">
+              <a:lnSpc>
+                <a:spcPct val="90000"/>
+              </a:lnSpc>
+              <a:spcBef>
+                <a:spcPts val="500"/>
+              </a:spcBef>
+              <a:spcAft>
+                <a:spcPct val="0"/>
+              </a:spcAft>
+              <a:buFont typeface="Arial" panose="020B0604020202020204" pitchFamily="34" charset="0"/>
+              <a:buChar char="•"/>
+              <a:defRPr>
+                <a:solidFill>
+                  <a:schemeClr val="tx1"/>
+                </a:solidFill>
+                <a:latin typeface="Calibri" panose="020F0502020204030204" pitchFamily="34" charset="0"/>
+              </a:defRPr>
+            </a:lvl6pPr>
+            <a:lvl7pPr marL="2971800" indent="-228600" defTabSz="685800" eaLnBrk="0" fontAlgn="base" hangingPunct="0">
+              <a:lnSpc>
+                <a:spcPct val="90000"/>
+              </a:lnSpc>
+              <a:spcBef>
+                <a:spcPts val="500"/>
+              </a:spcBef>
+              <a:spcAft>
+                <a:spcPct val="0"/>
+              </a:spcAft>
+              <a:buFont typeface="Arial" panose="020B0604020202020204" pitchFamily="34" charset="0"/>
+              <a:buChar char="•"/>
+              <a:defRPr>
+                <a:solidFill>
+                  <a:schemeClr val="tx1"/>
+                </a:solidFill>
+                <a:latin typeface="Calibri" panose="020F0502020204030204" pitchFamily="34" charset="0"/>
+              </a:defRPr>
+            </a:lvl7pPr>
+            <a:lvl8pPr marL="3429000" indent="-228600" defTabSz="685800" eaLnBrk="0" fontAlgn="base" hangingPunct="0">
+              <a:lnSpc>
+                <a:spcPct val="90000"/>
+              </a:lnSpc>
+              <a:spcBef>
+                <a:spcPts val="500"/>
+              </a:spcBef>
+              <a:spcAft>
+                <a:spcPct val="0"/>
+              </a:spcAft>
+              <a:buFont typeface="Arial" panose="020B0604020202020204" pitchFamily="34" charset="0"/>
+              <a:buChar char="•"/>
+              <a:defRPr>
+                <a:solidFill>
+                  <a:schemeClr val="tx1"/>
+                </a:solidFill>
+                <a:latin typeface="Calibri" panose="020F0502020204030204" pitchFamily="34" charset="0"/>
+              </a:defRPr>
+            </a:lvl8pPr>
+            <a:lvl9pPr marL="3886200" indent="-228600" defTabSz="685800" eaLnBrk="0" fontAlgn="base" hangingPunct="0">
+              <a:lnSpc>
+                <a:spcPct val="90000"/>
+              </a:lnSpc>
+              <a:spcBef>
+                <a:spcPts val="500"/>
+              </a:spcBef>
+              <a:spcAft>
+                <a:spcPct val="0"/>
+              </a:spcAft>
+              <a:buFont typeface="Arial" panose="020B0604020202020204" pitchFamily="34" charset="0"/>
+              <a:buChar char="•"/>
+              <a:defRPr>
+                <a:solidFill>
+                  <a:schemeClr val="tx1"/>
+                </a:solidFill>
+                <a:latin typeface="Calibri" panose="020F0502020204030204" pitchFamily="34" charset="0"/>
+              </a:defRPr>
+            </a:lvl9pPr>
+          </a:lstStyle>
+          <a:p>
+            <a:pPr>
+              <a:lnSpc>
+                <a:spcPct val="100000"/>
+              </a:lnSpc>
+              <a:spcBef>
+                <a:spcPct val="0"/>
+              </a:spcBef>
+              <a:buFontTx/>
+              <a:buNone/>
+            </a:pPr>
+            <a:r>
+              <a:rPr lang="de-DE" altLang="de-DE" sz="1050" b="0" dirty="0">
+                <a:solidFill>
+                  <a:srgbClr val="17365C"/>
+                </a:solidFill>
+                <a:latin typeface="Arial" panose="020B0604020202020204" pitchFamily="34" charset="0"/>
+                <a:cs typeface="Arial" panose="020B0604020202020204" pitchFamily="34" charset="0"/>
+              </a:rPr>
+              <a:t>The </a:t>
+            </a:r>
+            <a:r>
+              <a:rPr lang="de-DE" altLang="de-DE" sz="1050" b="0" dirty="0" err="1">
+                <a:solidFill>
+                  <a:srgbClr val="17365C"/>
+                </a:solidFill>
+                <a:latin typeface="Arial" panose="020B0604020202020204" pitchFamily="34" charset="0"/>
+                <a:cs typeface="Arial" panose="020B0604020202020204" pitchFamily="34" charset="0"/>
+              </a:rPr>
+              <a:t>Algorithm</a:t>
+            </a:r>
+            <a:r>
+              <a:rPr lang="de-DE" altLang="de-DE" sz="1050" b="0" dirty="0">
+                <a:solidFill>
+                  <a:srgbClr val="17365C"/>
+                </a:solidFill>
+                <a:latin typeface="Arial" panose="020B0604020202020204" pitchFamily="34" charset="0"/>
+                <a:cs typeface="Arial" panose="020B0604020202020204" pitchFamily="34" charset="0"/>
+              </a:rPr>
+              <a:t> – Architecture – </a:t>
+            </a:r>
+            <a:r>
+              <a:rPr lang="de-DE" altLang="de-DE" sz="1050" b="0" dirty="0" err="1">
+                <a:solidFill>
+                  <a:srgbClr val="17365C"/>
+                </a:solidFill>
+                <a:latin typeface="Arial" panose="020B0604020202020204" pitchFamily="34" charset="0"/>
+                <a:cs typeface="Arial" panose="020B0604020202020204" pitchFamily="34" charset="0"/>
+              </a:rPr>
+              <a:t>Going</a:t>
+            </a:r>
+            <a:r>
+              <a:rPr lang="de-DE" altLang="de-DE" sz="1050" b="0" dirty="0">
+                <a:solidFill>
+                  <a:srgbClr val="17365C"/>
+                </a:solidFill>
+                <a:latin typeface="Arial" panose="020B0604020202020204" pitchFamily="34" charset="0"/>
+                <a:cs typeface="Arial" panose="020B0604020202020204" pitchFamily="34" charset="0"/>
+              </a:rPr>
+              <a:t> parallel – Benchmarking - </a:t>
+            </a:r>
+            <a:r>
+              <a:rPr lang="de-DE" altLang="de-DE" sz="1050" dirty="0" err="1">
+                <a:solidFill>
+                  <a:srgbClr val="17365C"/>
+                </a:solidFill>
+                <a:latin typeface="Arial" panose="020B0604020202020204" pitchFamily="34" charset="0"/>
+                <a:cs typeface="Arial" panose="020B0604020202020204" pitchFamily="34" charset="0"/>
+              </a:rPr>
+              <a:t>Conclusion</a:t>
+            </a:r>
+            <a:endParaRPr lang="de-DE" altLang="de-DE" sz="1050" dirty="0">
+              <a:solidFill>
+                <a:srgbClr val="17365C"/>
+              </a:solidFill>
+              <a:latin typeface="Arial" panose="020B0604020202020204" pitchFamily="34" charset="0"/>
+              <a:cs typeface="Arial" panose="020B0604020202020204" pitchFamily="34" charset="0"/>
+            </a:endParaRPr>
+          </a:p>
+        </p:txBody>
+      </p:sp>
+    </p:spTree>
+    <p:extLst>
+      <p:ext uri="{BB962C8B-B14F-4D97-AF65-F5344CB8AC3E}">
+        <p14:creationId xmlns:p14="http://schemas.microsoft.com/office/powerpoint/2010/main" val="822410707"/>
+      </p:ext>
+    </p:extLst>
+  </p:cSld>
+  <p:clrMapOvr>
+    <a:masterClrMapping/>
+  </p:clrMapOvr>
+  <p:transition spd="slow">
+    <p:push dir="u"/>
+  </p:transition>
+</p:sld>
+</file>
+
+<file path=ppt/slides/slide21.xml><?xml version="1.0" encoding="utf-8"?>
+<p:sld xmlns:a="http://schemas.openxmlformats.org/drawingml/2006/main" xmlns:r="http://schemas.openxmlformats.org/officeDocument/2006/relationships" xmlns:p="http://schemas.openxmlformats.org/presentationml/2006/main">
+  <p:cSld>
+    <p:spTree>
+      <p:nvGrpSpPr>
+        <p:cNvPr id="1" name=""/>
+        <p:cNvGrpSpPr/>
+        <p:nvPr/>
+      </p:nvGrpSpPr>
+      <p:grpSpPr>
+        <a:xfrm>
+          <a:off x="0" y="0"/>
+          <a:ext cx="0" cy="0"/>
+          <a:chOff x="0" y="0"/>
+          <a:chExt cx="0" cy="0"/>
+        </a:xfrm>
+      </p:grpSpPr>
+      <p:sp>
+        <p:nvSpPr>
+          <p:cNvPr id="26627" name="Foliennummernplatzhalter 2">
+            <a:extLst>
+              <a:ext uri="{FF2B5EF4-FFF2-40B4-BE49-F238E27FC236}">
+                <a16:creationId xmlns:a16="http://schemas.microsoft.com/office/drawing/2014/main" id="{7D75F48D-52FD-4E0C-9273-D7F5DA1207BE}"/>
+              </a:ext>
+            </a:extLst>
+          </p:cNvPr>
+          <p:cNvSpPr>
+            <a:spLocks noGrp="1"/>
+          </p:cNvSpPr>
+          <p:nvPr>
+            <p:ph type="sldNum" sz="quarter" idx="11"/>
+          </p:nvPr>
+        </p:nvSpPr>
+        <p:spPr bwMode="auto">
+          <a:noFill/>
+          <a:extLst>
+            <a:ext uri="{909E8E84-426E-40DD-AFC4-6F175D3DCCD1}">
+              <a14:hiddenFill xmlns:a14="http://schemas.microsoft.com/office/drawing/2010/main">
+                <a:solidFill>
+                  <a:srgbClr val="FFFFFF"/>
+                </a:solidFill>
+              </a14:hiddenFill>
+            </a:ext>
+            <a:ext uri="{91240B29-F687-4F45-9708-019B960494DF}">
+              <a14:hiddenLine xmlns:a14="http://schemas.microsoft.com/office/drawing/2010/main" w="9525">
+                <a:solidFill>
+                  <a:srgbClr val="000000"/>
+                </a:solidFill>
+                <a:miter lim="800000"/>
+                <a:headEnd/>
+                <a:tailEnd/>
+              </a14:hiddenLine>
+            </a:ext>
+          </a:extLst>
+        </p:spPr>
+        <p:txBody>
+          <a:bodyPr/>
+          <a:lstStyle>
+            <a:lvl1pPr>
+              <a:lnSpc>
+                <a:spcPct val="90000"/>
+              </a:lnSpc>
+              <a:spcBef>
+                <a:spcPts val="1000"/>
+              </a:spcBef>
+              <a:buFont typeface="Arial" panose="020B0604020202020204" pitchFamily="34" charset="0"/>
+              <a:buChar char="•"/>
+              <a:defRPr sz="2800">
+                <a:solidFill>
+                  <a:schemeClr val="tx1"/>
+                </a:solidFill>
+                <a:latin typeface="Calibri" panose="020F0502020204030204" pitchFamily="34" charset="0"/>
+              </a:defRPr>
+            </a:lvl1pPr>
+            <a:lvl2pPr marL="742950" indent="-285750">
+              <a:lnSpc>
+                <a:spcPct val="90000"/>
+              </a:lnSpc>
+              <a:spcBef>
+                <a:spcPts val="500"/>
+              </a:spcBef>
+              <a:buFont typeface="Arial" panose="020B0604020202020204" pitchFamily="34" charset="0"/>
+              <a:buChar char="•"/>
+              <a:defRPr sz="2400">
+                <a:solidFill>
+                  <a:schemeClr val="tx1"/>
+                </a:solidFill>
+                <a:latin typeface="Calibri" panose="020F0502020204030204" pitchFamily="34" charset="0"/>
+              </a:defRPr>
+            </a:lvl2pPr>
+            <a:lvl3pPr marL="1143000" indent="-228600">
+              <a:lnSpc>
+                <a:spcPct val="90000"/>
+              </a:lnSpc>
+              <a:spcBef>
+                <a:spcPts val="500"/>
+              </a:spcBef>
+              <a:buFont typeface="Arial" panose="020B0604020202020204" pitchFamily="34" charset="0"/>
+              <a:buChar char="•"/>
+              <a:defRPr sz="2000">
+                <a:solidFill>
+                  <a:schemeClr val="tx1"/>
+                </a:solidFill>
+                <a:latin typeface="Calibri" panose="020F0502020204030204" pitchFamily="34" charset="0"/>
+              </a:defRPr>
+            </a:lvl3pPr>
+            <a:lvl4pPr marL="1600200" indent="-228600">
+              <a:lnSpc>
+                <a:spcPct val="90000"/>
+              </a:lnSpc>
+              <a:spcBef>
+                <a:spcPts val="500"/>
+              </a:spcBef>
+              <a:buFont typeface="Arial" panose="020B0604020202020204" pitchFamily="34" charset="0"/>
+              <a:buChar char="•"/>
+              <a:defRPr>
+                <a:solidFill>
+                  <a:schemeClr val="tx1"/>
+                </a:solidFill>
+                <a:latin typeface="Calibri" panose="020F0502020204030204" pitchFamily="34" charset="0"/>
+              </a:defRPr>
+            </a:lvl4pPr>
+            <a:lvl5pPr marL="2057400" indent="-228600">
+              <a:lnSpc>
+                <a:spcPct val="90000"/>
+              </a:lnSpc>
+              <a:spcBef>
+                <a:spcPts val="500"/>
+              </a:spcBef>
+              <a:buFont typeface="Arial" panose="020B0604020202020204" pitchFamily="34" charset="0"/>
+              <a:buChar char="•"/>
+              <a:defRPr>
+                <a:solidFill>
+                  <a:schemeClr val="tx1"/>
+                </a:solidFill>
+                <a:latin typeface="Calibri" panose="020F0502020204030204" pitchFamily="34" charset="0"/>
+              </a:defRPr>
+            </a:lvl5pPr>
+            <a:lvl6pPr marL="2514600" indent="-228600" defTabSz="685800" eaLnBrk="0" fontAlgn="base" hangingPunct="0">
+              <a:lnSpc>
+                <a:spcPct val="90000"/>
+              </a:lnSpc>
+              <a:spcBef>
+                <a:spcPts val="500"/>
+              </a:spcBef>
+              <a:spcAft>
+                <a:spcPct val="0"/>
+              </a:spcAft>
+              <a:buFont typeface="Arial" panose="020B0604020202020204" pitchFamily="34" charset="0"/>
+              <a:buChar char="•"/>
+              <a:defRPr>
+                <a:solidFill>
+                  <a:schemeClr val="tx1"/>
+                </a:solidFill>
+                <a:latin typeface="Calibri" panose="020F0502020204030204" pitchFamily="34" charset="0"/>
+              </a:defRPr>
+            </a:lvl6pPr>
+            <a:lvl7pPr marL="2971800" indent="-228600" defTabSz="685800" eaLnBrk="0" fontAlgn="base" hangingPunct="0">
+              <a:lnSpc>
+                <a:spcPct val="90000"/>
+              </a:lnSpc>
+              <a:spcBef>
+                <a:spcPts val="500"/>
+              </a:spcBef>
+              <a:spcAft>
+                <a:spcPct val="0"/>
+              </a:spcAft>
+              <a:buFont typeface="Arial" panose="020B0604020202020204" pitchFamily="34" charset="0"/>
+              <a:buChar char="•"/>
+              <a:defRPr>
+                <a:solidFill>
+                  <a:schemeClr val="tx1"/>
+                </a:solidFill>
+                <a:latin typeface="Calibri" panose="020F0502020204030204" pitchFamily="34" charset="0"/>
+              </a:defRPr>
+            </a:lvl7pPr>
+            <a:lvl8pPr marL="3429000" indent="-228600" defTabSz="685800" eaLnBrk="0" fontAlgn="base" hangingPunct="0">
+              <a:lnSpc>
+                <a:spcPct val="90000"/>
+              </a:lnSpc>
+              <a:spcBef>
+                <a:spcPts val="500"/>
+              </a:spcBef>
+              <a:spcAft>
+                <a:spcPct val="0"/>
+              </a:spcAft>
+              <a:buFont typeface="Arial" panose="020B0604020202020204" pitchFamily="34" charset="0"/>
+              <a:buChar char="•"/>
+              <a:defRPr>
+                <a:solidFill>
+                  <a:schemeClr val="tx1"/>
+                </a:solidFill>
+                <a:latin typeface="Calibri" panose="020F0502020204030204" pitchFamily="34" charset="0"/>
+              </a:defRPr>
+            </a:lvl8pPr>
+            <a:lvl9pPr marL="3886200" indent="-228600" defTabSz="685800" eaLnBrk="0" fontAlgn="base" hangingPunct="0">
+              <a:lnSpc>
+                <a:spcPct val="90000"/>
+              </a:lnSpc>
+              <a:spcBef>
+                <a:spcPts val="500"/>
+              </a:spcBef>
+              <a:spcAft>
+                <a:spcPct val="0"/>
+              </a:spcAft>
+              <a:buFont typeface="Arial" panose="020B0604020202020204" pitchFamily="34" charset="0"/>
+              <a:buChar char="•"/>
+              <a:defRPr>
+                <a:solidFill>
+                  <a:schemeClr val="tx1"/>
+                </a:solidFill>
+                <a:latin typeface="Calibri" panose="020F0502020204030204" pitchFamily="34" charset="0"/>
+              </a:defRPr>
+            </a:lvl9pPr>
+          </a:lstStyle>
+          <a:p>
+            <a:pPr>
+              <a:lnSpc>
+                <a:spcPct val="100000"/>
+              </a:lnSpc>
+              <a:spcBef>
+                <a:spcPct val="0"/>
+              </a:spcBef>
+              <a:buFontTx/>
+              <a:buNone/>
+            </a:pPr>
+            <a:fld id="{004A4A7F-AAC7-44EC-AEF4-7B9F18989DD5}" type="slidenum">
+              <a:rPr lang="de-DE" altLang="de-DE" sz="900" smtClean="0">
+                <a:solidFill>
+                  <a:srgbClr val="17365C"/>
+                </a:solidFill>
+                <a:latin typeface="Arial" panose="020B0604020202020204" pitchFamily="34" charset="0"/>
+              </a:rPr>
+              <a:pPr>
+                <a:lnSpc>
+                  <a:spcPct val="100000"/>
+                </a:lnSpc>
+                <a:spcBef>
+                  <a:spcPct val="0"/>
+                </a:spcBef>
+                <a:buFontTx/>
+                <a:buNone/>
+              </a:pPr>
+              <a:t>21</a:t>
+            </a:fld>
+            <a:endParaRPr lang="de-DE" altLang="de-DE" sz="900">
+              <a:solidFill>
+                <a:srgbClr val="17365C"/>
+              </a:solidFill>
+              <a:latin typeface="Arial" panose="020B0604020202020204" pitchFamily="34" charset="0"/>
+            </a:endParaRPr>
+          </a:p>
+        </p:txBody>
+      </p:sp>
+      <p:sp>
+        <p:nvSpPr>
+          <p:cNvPr id="26628" name="Textfeld 3">
+            <a:extLst>
+              <a:ext uri="{FF2B5EF4-FFF2-40B4-BE49-F238E27FC236}">
+                <a16:creationId xmlns:a16="http://schemas.microsoft.com/office/drawing/2014/main" id="{872910C5-114D-40D8-BB35-C579494D19D6}"/>
+              </a:ext>
+            </a:extLst>
+          </p:cNvPr>
+          <p:cNvSpPr txBox="1">
+            <a:spLocks noChangeArrowheads="1"/>
+          </p:cNvSpPr>
+          <p:nvPr/>
+        </p:nvSpPr>
+        <p:spPr bwMode="auto">
+          <a:xfrm>
+            <a:off x="338138" y="476250"/>
+            <a:ext cx="8166100" cy="430213"/>
+          </a:xfrm>
+          <a:prstGeom prst="rect">
+            <a:avLst/>
+          </a:prstGeom>
+          <a:noFill/>
+          <a:ln>
+            <a:noFill/>
+          </a:ln>
+          <a:extLst>
+            <a:ext uri="{909E8E84-426E-40DD-AFC4-6F175D3DCCD1}">
+              <a14:hiddenFill xmlns:a14="http://schemas.microsoft.com/office/drawing/2010/main">
+                <a:solidFill>
+                  <a:srgbClr val="FFFFFF"/>
+                </a:solidFill>
+              </a14:hiddenFill>
+            </a:ext>
+            <a:ext uri="{91240B29-F687-4F45-9708-019B960494DF}">
+              <a14:hiddenLine xmlns:a14="http://schemas.microsoft.com/office/drawing/2010/main" w="9525">
+                <a:solidFill>
+                  <a:srgbClr val="000000"/>
+                </a:solidFill>
+                <a:miter lim="800000"/>
+                <a:headEnd/>
+                <a:tailEnd/>
+              </a14:hiddenLine>
+            </a:ext>
+          </a:extLst>
+        </p:spPr>
+        <p:txBody>
+          <a:bodyPr lIns="0" tIns="0" rIns="0" bIns="0">
+            <a:spAutoFit/>
+          </a:bodyPr>
+          <a:lstStyle>
+            <a:lvl1pPr>
+              <a:lnSpc>
+                <a:spcPct val="90000"/>
+              </a:lnSpc>
+              <a:spcBef>
+                <a:spcPts val="1000"/>
+              </a:spcBef>
+              <a:buFont typeface="Arial" panose="020B0604020202020204" pitchFamily="34" charset="0"/>
+              <a:buChar char="•"/>
+              <a:defRPr sz="2800">
+                <a:solidFill>
+                  <a:schemeClr val="tx1"/>
+                </a:solidFill>
+                <a:latin typeface="Calibri" panose="020F0502020204030204" pitchFamily="34" charset="0"/>
+              </a:defRPr>
+            </a:lvl1pPr>
+            <a:lvl2pPr marL="742950" indent="-285750">
+              <a:lnSpc>
+                <a:spcPct val="90000"/>
+              </a:lnSpc>
+              <a:spcBef>
+                <a:spcPts val="500"/>
+              </a:spcBef>
+              <a:buFont typeface="Arial" panose="020B0604020202020204" pitchFamily="34" charset="0"/>
+              <a:buChar char="•"/>
+              <a:defRPr sz="2400">
+                <a:solidFill>
+                  <a:schemeClr val="tx1"/>
+                </a:solidFill>
+                <a:latin typeface="Calibri" panose="020F0502020204030204" pitchFamily="34" charset="0"/>
+              </a:defRPr>
+            </a:lvl2pPr>
+            <a:lvl3pPr marL="1143000" indent="-228600">
+              <a:lnSpc>
+                <a:spcPct val="90000"/>
+              </a:lnSpc>
+              <a:spcBef>
+                <a:spcPts val="500"/>
+              </a:spcBef>
+              <a:buFont typeface="Arial" panose="020B0604020202020204" pitchFamily="34" charset="0"/>
+              <a:buChar char="•"/>
+              <a:defRPr sz="2000">
+                <a:solidFill>
+                  <a:schemeClr val="tx1"/>
+                </a:solidFill>
+                <a:latin typeface="Calibri" panose="020F0502020204030204" pitchFamily="34" charset="0"/>
+              </a:defRPr>
+            </a:lvl3pPr>
+            <a:lvl4pPr marL="1600200" indent="-228600">
+              <a:lnSpc>
+                <a:spcPct val="90000"/>
+              </a:lnSpc>
+              <a:spcBef>
+                <a:spcPts val="500"/>
+              </a:spcBef>
+              <a:buFont typeface="Arial" panose="020B0604020202020204" pitchFamily="34" charset="0"/>
+              <a:buChar char="•"/>
+              <a:defRPr>
+                <a:solidFill>
+                  <a:schemeClr val="tx1"/>
+                </a:solidFill>
+                <a:latin typeface="Calibri" panose="020F0502020204030204" pitchFamily="34" charset="0"/>
+              </a:defRPr>
+            </a:lvl4pPr>
+            <a:lvl5pPr marL="2057400" indent="-228600">
+              <a:lnSpc>
+                <a:spcPct val="90000"/>
+              </a:lnSpc>
+              <a:spcBef>
+                <a:spcPts val="500"/>
+              </a:spcBef>
+              <a:buFont typeface="Arial" panose="020B0604020202020204" pitchFamily="34" charset="0"/>
+              <a:buChar char="•"/>
+              <a:defRPr>
+                <a:solidFill>
+                  <a:schemeClr val="tx1"/>
+                </a:solidFill>
+                <a:latin typeface="Calibri" panose="020F0502020204030204" pitchFamily="34" charset="0"/>
+              </a:defRPr>
+            </a:lvl5pPr>
+            <a:lvl6pPr marL="2514600" indent="-228600" defTabSz="685800" eaLnBrk="0" fontAlgn="base" hangingPunct="0">
+              <a:lnSpc>
+                <a:spcPct val="90000"/>
+              </a:lnSpc>
+              <a:spcBef>
+                <a:spcPts val="500"/>
+              </a:spcBef>
+              <a:spcAft>
+                <a:spcPct val="0"/>
+              </a:spcAft>
+              <a:buFont typeface="Arial" panose="020B0604020202020204" pitchFamily="34" charset="0"/>
+              <a:buChar char="•"/>
+              <a:defRPr>
+                <a:solidFill>
+                  <a:schemeClr val="tx1"/>
+                </a:solidFill>
+                <a:latin typeface="Calibri" panose="020F0502020204030204" pitchFamily="34" charset="0"/>
+              </a:defRPr>
+            </a:lvl6pPr>
+            <a:lvl7pPr marL="2971800" indent="-228600" defTabSz="685800" eaLnBrk="0" fontAlgn="base" hangingPunct="0">
+              <a:lnSpc>
+                <a:spcPct val="90000"/>
+              </a:lnSpc>
+              <a:spcBef>
+                <a:spcPts val="500"/>
+              </a:spcBef>
+              <a:spcAft>
+                <a:spcPct val="0"/>
+              </a:spcAft>
+              <a:buFont typeface="Arial" panose="020B0604020202020204" pitchFamily="34" charset="0"/>
+              <a:buChar char="•"/>
+              <a:defRPr>
+                <a:solidFill>
+                  <a:schemeClr val="tx1"/>
+                </a:solidFill>
+                <a:latin typeface="Calibri" panose="020F0502020204030204" pitchFamily="34" charset="0"/>
+              </a:defRPr>
+            </a:lvl7pPr>
+            <a:lvl8pPr marL="3429000" indent="-228600" defTabSz="685800" eaLnBrk="0" fontAlgn="base" hangingPunct="0">
+              <a:lnSpc>
+                <a:spcPct val="90000"/>
+              </a:lnSpc>
+              <a:spcBef>
+                <a:spcPts val="500"/>
+              </a:spcBef>
+              <a:spcAft>
+                <a:spcPct val="0"/>
+              </a:spcAft>
+              <a:buFont typeface="Arial" panose="020B0604020202020204" pitchFamily="34" charset="0"/>
+              <a:buChar char="•"/>
+              <a:defRPr>
+                <a:solidFill>
+                  <a:schemeClr val="tx1"/>
+                </a:solidFill>
+                <a:latin typeface="Calibri" panose="020F0502020204030204" pitchFamily="34" charset="0"/>
+              </a:defRPr>
+            </a:lvl8pPr>
+            <a:lvl9pPr marL="3886200" indent="-228600" defTabSz="685800" eaLnBrk="0" fontAlgn="base" hangingPunct="0">
+              <a:lnSpc>
+                <a:spcPct val="90000"/>
+              </a:lnSpc>
+              <a:spcBef>
+                <a:spcPts val="500"/>
+              </a:spcBef>
+              <a:spcAft>
+                <a:spcPct val="0"/>
+              </a:spcAft>
+              <a:buFont typeface="Arial" panose="020B0604020202020204" pitchFamily="34" charset="0"/>
+              <a:buChar char="•"/>
+              <a:defRPr>
+                <a:solidFill>
+                  <a:schemeClr val="tx1"/>
+                </a:solidFill>
+                <a:latin typeface="Calibri" panose="020F0502020204030204" pitchFamily="34" charset="0"/>
+              </a:defRPr>
+            </a:lvl9pPr>
+          </a:lstStyle>
+          <a:p>
+            <a:pPr eaLnBrk="1" hangingPunct="1">
+              <a:lnSpc>
+                <a:spcPct val="100000"/>
+              </a:lnSpc>
+              <a:spcBef>
+                <a:spcPct val="0"/>
+              </a:spcBef>
+              <a:buFontTx/>
+              <a:buNone/>
+            </a:pPr>
+            <a:r>
+              <a:rPr lang="de-DE" altLang="de-DE" b="1">
+                <a:solidFill>
+                  <a:srgbClr val="17365C"/>
+                </a:solidFill>
+                <a:latin typeface="Arial" panose="020B0604020202020204" pitchFamily="34" charset="0"/>
+                <a:cs typeface="Arial" panose="020B0604020202020204" pitchFamily="34" charset="0"/>
+              </a:rPr>
+              <a:t>Sources</a:t>
+            </a:r>
+          </a:p>
+        </p:txBody>
+      </p:sp>
+      <p:sp>
+        <p:nvSpPr>
+          <p:cNvPr id="26629" name="Textfeld 4">
+            <a:extLst>
+              <a:ext uri="{FF2B5EF4-FFF2-40B4-BE49-F238E27FC236}">
+                <a16:creationId xmlns:a16="http://schemas.microsoft.com/office/drawing/2014/main" id="{C8D2D1D9-7AA5-4C8B-A042-85097EC5C951}"/>
+              </a:ext>
+            </a:extLst>
+          </p:cNvPr>
+          <p:cNvSpPr txBox="1">
+            <a:spLocks noChangeArrowheads="1"/>
+          </p:cNvSpPr>
+          <p:nvPr/>
+        </p:nvSpPr>
+        <p:spPr bwMode="auto">
+          <a:xfrm>
+            <a:off x="338138" y="1031875"/>
+            <a:ext cx="8353425" cy="984885"/>
+          </a:xfrm>
+          <a:prstGeom prst="rect">
+            <a:avLst/>
+          </a:prstGeom>
+          <a:noFill/>
+          <a:ln>
+            <a:noFill/>
+          </a:ln>
+          <a:extLst>
+            <a:ext uri="{909E8E84-426E-40DD-AFC4-6F175D3DCCD1}">
+              <a14:hiddenFill xmlns:a14="http://schemas.microsoft.com/office/drawing/2010/main">
+                <a:solidFill>
+                  <a:srgbClr val="FFFFFF"/>
+                </a:solidFill>
+              </a14:hiddenFill>
+            </a:ext>
+            <a:ext uri="{91240B29-F687-4F45-9708-019B960494DF}">
+              <a14:hiddenLine xmlns:a14="http://schemas.microsoft.com/office/drawing/2010/main" w="9525">
+                <a:solidFill>
+                  <a:srgbClr val="000000"/>
+                </a:solidFill>
+                <a:miter lim="800000"/>
+                <a:headEnd/>
+                <a:tailEnd/>
+              </a14:hiddenLine>
+            </a:ext>
+          </a:extLst>
+        </p:spPr>
+        <p:txBody>
+          <a:bodyPr lIns="0" tIns="0" rIns="0" bIns="0">
+            <a:spAutoFit/>
+          </a:bodyPr>
+          <a:lstStyle>
+            <a:lvl1pPr marL="285750" indent="-285750" defTabSz="287338">
+              <a:lnSpc>
+                <a:spcPct val="90000"/>
+              </a:lnSpc>
+              <a:spcBef>
+                <a:spcPts val="1000"/>
+              </a:spcBef>
+              <a:buFont typeface="Arial" panose="020B0604020202020204" pitchFamily="34" charset="0"/>
+              <a:buChar char="•"/>
+              <a:defRPr sz="2800">
+                <a:solidFill>
+                  <a:schemeClr val="tx1"/>
+                </a:solidFill>
+                <a:latin typeface="Calibri" panose="020F0502020204030204" pitchFamily="34" charset="0"/>
+              </a:defRPr>
+            </a:lvl1pPr>
+            <a:lvl2pPr marL="742950" indent="-285750" defTabSz="287338">
+              <a:lnSpc>
+                <a:spcPct val="90000"/>
+              </a:lnSpc>
+              <a:spcBef>
+                <a:spcPts val="500"/>
+              </a:spcBef>
+              <a:buFont typeface="Arial" panose="020B0604020202020204" pitchFamily="34" charset="0"/>
+              <a:buChar char="•"/>
+              <a:defRPr sz="2400">
+                <a:solidFill>
+                  <a:schemeClr val="tx1"/>
+                </a:solidFill>
+                <a:latin typeface="Calibri" panose="020F0502020204030204" pitchFamily="34" charset="0"/>
+              </a:defRPr>
+            </a:lvl2pPr>
+            <a:lvl3pPr marL="1143000" indent="-228600" defTabSz="287338">
+              <a:lnSpc>
+                <a:spcPct val="90000"/>
+              </a:lnSpc>
+              <a:spcBef>
+                <a:spcPts val="500"/>
+              </a:spcBef>
+              <a:buFont typeface="Arial" panose="020B0604020202020204" pitchFamily="34" charset="0"/>
+              <a:buChar char="•"/>
+              <a:defRPr sz="2000">
+                <a:solidFill>
+                  <a:schemeClr val="tx1"/>
+                </a:solidFill>
+                <a:latin typeface="Calibri" panose="020F0502020204030204" pitchFamily="34" charset="0"/>
+              </a:defRPr>
+            </a:lvl3pPr>
+            <a:lvl4pPr marL="1600200" indent="-228600" defTabSz="287338">
+              <a:lnSpc>
+                <a:spcPct val="90000"/>
+              </a:lnSpc>
+              <a:spcBef>
+                <a:spcPts val="500"/>
+              </a:spcBef>
+              <a:buFont typeface="Arial" panose="020B0604020202020204" pitchFamily="34" charset="0"/>
+              <a:buChar char="•"/>
+              <a:defRPr>
+                <a:solidFill>
+                  <a:schemeClr val="tx1"/>
+                </a:solidFill>
+                <a:latin typeface="Calibri" panose="020F0502020204030204" pitchFamily="34" charset="0"/>
+              </a:defRPr>
+            </a:lvl4pPr>
+            <a:lvl5pPr marL="2057400" indent="-228600" defTabSz="287338">
+              <a:lnSpc>
+                <a:spcPct val="90000"/>
+              </a:lnSpc>
+              <a:spcBef>
+                <a:spcPts val="500"/>
+              </a:spcBef>
+              <a:buFont typeface="Arial" panose="020B0604020202020204" pitchFamily="34" charset="0"/>
+              <a:buChar char="•"/>
+              <a:defRPr>
+                <a:solidFill>
+                  <a:schemeClr val="tx1"/>
+                </a:solidFill>
+                <a:latin typeface="Calibri" panose="020F0502020204030204" pitchFamily="34" charset="0"/>
+              </a:defRPr>
+            </a:lvl5pPr>
+            <a:lvl6pPr marL="2514600" indent="-228600" defTabSz="287338" eaLnBrk="0" fontAlgn="base" hangingPunct="0">
+              <a:lnSpc>
+                <a:spcPct val="90000"/>
+              </a:lnSpc>
+              <a:spcBef>
+                <a:spcPts val="500"/>
+              </a:spcBef>
+              <a:spcAft>
+                <a:spcPct val="0"/>
+              </a:spcAft>
+              <a:buFont typeface="Arial" panose="020B0604020202020204" pitchFamily="34" charset="0"/>
+              <a:buChar char="•"/>
+              <a:defRPr>
+                <a:solidFill>
+                  <a:schemeClr val="tx1"/>
+                </a:solidFill>
+                <a:latin typeface="Calibri" panose="020F0502020204030204" pitchFamily="34" charset="0"/>
+              </a:defRPr>
+            </a:lvl6pPr>
+            <a:lvl7pPr marL="2971800" indent="-228600" defTabSz="287338" eaLnBrk="0" fontAlgn="base" hangingPunct="0">
+              <a:lnSpc>
+                <a:spcPct val="90000"/>
+              </a:lnSpc>
+              <a:spcBef>
+                <a:spcPts val="500"/>
+              </a:spcBef>
+              <a:spcAft>
+                <a:spcPct val="0"/>
+              </a:spcAft>
+              <a:buFont typeface="Arial" panose="020B0604020202020204" pitchFamily="34" charset="0"/>
+              <a:buChar char="•"/>
+              <a:defRPr>
+                <a:solidFill>
+                  <a:schemeClr val="tx1"/>
+                </a:solidFill>
+                <a:latin typeface="Calibri" panose="020F0502020204030204" pitchFamily="34" charset="0"/>
+              </a:defRPr>
+            </a:lvl7pPr>
+            <a:lvl8pPr marL="3429000" indent="-228600" defTabSz="287338" eaLnBrk="0" fontAlgn="base" hangingPunct="0">
+              <a:lnSpc>
+                <a:spcPct val="90000"/>
+              </a:lnSpc>
+              <a:spcBef>
+                <a:spcPts val="500"/>
+              </a:spcBef>
+              <a:spcAft>
+                <a:spcPct val="0"/>
+              </a:spcAft>
+              <a:buFont typeface="Arial" panose="020B0604020202020204" pitchFamily="34" charset="0"/>
+              <a:buChar char="•"/>
+              <a:defRPr>
+                <a:solidFill>
+                  <a:schemeClr val="tx1"/>
+                </a:solidFill>
+                <a:latin typeface="Calibri" panose="020F0502020204030204" pitchFamily="34" charset="0"/>
+              </a:defRPr>
+            </a:lvl8pPr>
+            <a:lvl9pPr marL="3886200" indent="-228600" defTabSz="287338" eaLnBrk="0" fontAlgn="base" hangingPunct="0">
+              <a:lnSpc>
+                <a:spcPct val="90000"/>
+              </a:lnSpc>
+              <a:spcBef>
+                <a:spcPts val="500"/>
+              </a:spcBef>
+              <a:spcAft>
+                <a:spcPct val="0"/>
+              </a:spcAft>
+              <a:buFont typeface="Arial" panose="020B0604020202020204" pitchFamily="34" charset="0"/>
+              <a:buChar char="•"/>
+              <a:defRPr>
+                <a:solidFill>
+                  <a:schemeClr val="tx1"/>
+                </a:solidFill>
+                <a:latin typeface="Calibri" panose="020F0502020204030204" pitchFamily="34" charset="0"/>
+              </a:defRPr>
+            </a:lvl9pPr>
+          </a:lstStyle>
+          <a:p>
+            <a:pPr eaLnBrk="1" hangingPunct="1">
+              <a:lnSpc>
+                <a:spcPct val="100000"/>
+              </a:lnSpc>
+              <a:spcBef>
+                <a:spcPct val="0"/>
+              </a:spcBef>
+              <a:spcAft>
+                <a:spcPts val="600"/>
+              </a:spcAft>
+              <a:buClr>
+                <a:srgbClr val="8DAE10"/>
+              </a:buClr>
+              <a:buSzPct val="130000"/>
+            </a:pPr>
+            <a:r>
               <a:rPr lang="de-DE" altLang="de-DE" sz="1800" dirty="0" err="1">
                 <a:solidFill>
                   <a:srgbClr val="17365C"/>
@@ -16651,7 +20649,7 @@
                 <a:latin typeface="Arial" panose="020B0604020202020204" pitchFamily="34" charset="0"/>
                 <a:cs typeface="Arial" panose="020B0604020202020204" pitchFamily="34" charset="0"/>
               </a:rPr>
-              <a:t>Conclusion</a:t>
+              <a:t>Dsdsdsdsd</a:t>
             </a:r>
             <a:endParaRPr lang="de-DE" altLang="de-DE" sz="1800" dirty="0">
               <a:solidFill>
@@ -16677,23 +20675,325 @@
               </a:buClr>
               <a:buSzPct val="130000"/>
             </a:pPr>
-            <a:r>
-              <a:rPr lang="de-DE" altLang="de-DE" sz="1800" dirty="0">
-                <a:solidFill>
-                  <a:srgbClr val="17365C"/>
-                </a:solidFill>
-                <a:latin typeface="Arial" panose="020B0604020202020204" pitchFamily="34" charset="0"/>
-                <a:cs typeface="Arial" panose="020B0604020202020204" pitchFamily="34" charset="0"/>
-              </a:rPr>
-              <a:t>Sources</a:t>
-            </a:r>
+            <a:endParaRPr lang="de-DE" sz="1800" b="1" dirty="0"/>
+          </a:p>
+          <a:p>
+            <a:pPr eaLnBrk="1" hangingPunct="1">
+              <a:lnSpc>
+                <a:spcPct val="100000"/>
+              </a:lnSpc>
+              <a:spcBef>
+                <a:spcPct val="0"/>
+              </a:spcBef>
+              <a:spcAft>
+                <a:spcPts val="600"/>
+              </a:spcAft>
+              <a:buClr>
+                <a:srgbClr val="8DAE10"/>
+              </a:buClr>
+              <a:buSzPct val="130000"/>
+            </a:pPr>
+            <a:endParaRPr lang="de-DE" altLang="de-DE" sz="1800" dirty="0">
+              <a:solidFill>
+                <a:srgbClr val="17365C"/>
+              </a:solidFill>
+              <a:latin typeface="Arial" panose="020B0604020202020204" pitchFamily="34" charset="0"/>
+              <a:cs typeface="Arial" panose="020B0604020202020204" pitchFamily="34" charset="0"/>
+            </a:endParaRPr>
+          </a:p>
+        </p:txBody>
+      </p:sp>
+      <p:sp>
+        <p:nvSpPr>
+          <p:cNvPr id="6" name="Fußzeilenplatzhalter 1">
+            <a:extLst>
+              <a:ext uri="{FF2B5EF4-FFF2-40B4-BE49-F238E27FC236}">
+                <a16:creationId xmlns:a16="http://schemas.microsoft.com/office/drawing/2014/main" id="{D967A5B8-9140-4669-AF9A-FADCA10BB587}"/>
+              </a:ext>
+            </a:extLst>
+          </p:cNvPr>
+          <p:cNvSpPr>
+            <a:spLocks noGrp="1"/>
+          </p:cNvSpPr>
+          <p:nvPr>
+            <p:ph type="ftr" sz="quarter" idx="10"/>
+          </p:nvPr>
+        </p:nvSpPr>
+        <p:spPr bwMode="auto">
+          <a:xfrm>
+            <a:off x="696913" y="6221413"/>
+            <a:ext cx="5905768" cy="363537"/>
+          </a:xfrm>
+          <a:noFill/>
+          <a:extLst>
+            <a:ext uri="{909E8E84-426E-40DD-AFC4-6F175D3DCCD1}">
+              <a14:hiddenFill xmlns:a14="http://schemas.microsoft.com/office/drawing/2010/main">
+                <a:solidFill>
+                  <a:srgbClr val="FFFFFF"/>
+                </a:solidFill>
+              </a14:hiddenFill>
+            </a:ext>
+            <a:ext uri="{91240B29-F687-4F45-9708-019B960494DF}">
+              <a14:hiddenLine xmlns:a14="http://schemas.microsoft.com/office/drawing/2010/main" w="9525">
+                <a:solidFill>
+                  <a:srgbClr val="000000"/>
+                </a:solidFill>
+                <a:miter lim="800000"/>
+                <a:headEnd/>
+                <a:tailEnd/>
+              </a14:hiddenLine>
+            </a:ext>
+          </a:extLst>
+        </p:spPr>
+        <p:txBody>
+          <a:bodyPr wrap="square" numCol="1" anchorCtr="0" compatLnSpc="1">
+            <a:prstTxWarp prst="textNoShape">
+              <a:avLst/>
+            </a:prstTxWarp>
+          </a:bodyPr>
+          <a:lstStyle>
+            <a:lvl1pPr>
+              <a:lnSpc>
+                <a:spcPct val="90000"/>
+              </a:lnSpc>
+              <a:spcBef>
+                <a:spcPts val="1000"/>
+              </a:spcBef>
+              <a:buFont typeface="Arial" panose="020B0604020202020204" pitchFamily="34" charset="0"/>
+              <a:buChar char="•"/>
+              <a:defRPr sz="2800">
+                <a:solidFill>
+                  <a:schemeClr val="tx1"/>
+                </a:solidFill>
+                <a:latin typeface="Calibri" panose="020F0502020204030204" pitchFamily="34" charset="0"/>
+              </a:defRPr>
+            </a:lvl1pPr>
+            <a:lvl2pPr marL="742950" indent="-285750">
+              <a:lnSpc>
+                <a:spcPct val="90000"/>
+              </a:lnSpc>
+              <a:spcBef>
+                <a:spcPts val="500"/>
+              </a:spcBef>
+              <a:buFont typeface="Arial" panose="020B0604020202020204" pitchFamily="34" charset="0"/>
+              <a:buChar char="•"/>
+              <a:defRPr sz="2400">
+                <a:solidFill>
+                  <a:schemeClr val="tx1"/>
+                </a:solidFill>
+                <a:latin typeface="Calibri" panose="020F0502020204030204" pitchFamily="34" charset="0"/>
+              </a:defRPr>
+            </a:lvl2pPr>
+            <a:lvl3pPr marL="1143000" indent="-228600">
+              <a:lnSpc>
+                <a:spcPct val="90000"/>
+              </a:lnSpc>
+              <a:spcBef>
+                <a:spcPts val="500"/>
+              </a:spcBef>
+              <a:buFont typeface="Arial" panose="020B0604020202020204" pitchFamily="34" charset="0"/>
+              <a:buChar char="•"/>
+              <a:defRPr sz="2000">
+                <a:solidFill>
+                  <a:schemeClr val="tx1"/>
+                </a:solidFill>
+                <a:latin typeface="Calibri" panose="020F0502020204030204" pitchFamily="34" charset="0"/>
+              </a:defRPr>
+            </a:lvl3pPr>
+            <a:lvl4pPr marL="1600200" indent="-228600">
+              <a:lnSpc>
+                <a:spcPct val="90000"/>
+              </a:lnSpc>
+              <a:spcBef>
+                <a:spcPts val="500"/>
+              </a:spcBef>
+              <a:buFont typeface="Arial" panose="020B0604020202020204" pitchFamily="34" charset="0"/>
+              <a:buChar char="•"/>
+              <a:defRPr>
+                <a:solidFill>
+                  <a:schemeClr val="tx1"/>
+                </a:solidFill>
+                <a:latin typeface="Calibri" panose="020F0502020204030204" pitchFamily="34" charset="0"/>
+              </a:defRPr>
+            </a:lvl4pPr>
+            <a:lvl5pPr marL="2057400" indent="-228600">
+              <a:lnSpc>
+                <a:spcPct val="90000"/>
+              </a:lnSpc>
+              <a:spcBef>
+                <a:spcPts val="500"/>
+              </a:spcBef>
+              <a:buFont typeface="Arial" panose="020B0604020202020204" pitchFamily="34" charset="0"/>
+              <a:buChar char="•"/>
+              <a:defRPr>
+                <a:solidFill>
+                  <a:schemeClr val="tx1"/>
+                </a:solidFill>
+                <a:latin typeface="Calibri" panose="020F0502020204030204" pitchFamily="34" charset="0"/>
+              </a:defRPr>
+            </a:lvl5pPr>
+            <a:lvl6pPr marL="2514600" indent="-228600" defTabSz="685800" eaLnBrk="0" fontAlgn="base" hangingPunct="0">
+              <a:lnSpc>
+                <a:spcPct val="90000"/>
+              </a:lnSpc>
+              <a:spcBef>
+                <a:spcPts val="500"/>
+              </a:spcBef>
+              <a:spcAft>
+                <a:spcPct val="0"/>
+              </a:spcAft>
+              <a:buFont typeface="Arial" panose="020B0604020202020204" pitchFamily="34" charset="0"/>
+              <a:buChar char="•"/>
+              <a:defRPr>
+                <a:solidFill>
+                  <a:schemeClr val="tx1"/>
+                </a:solidFill>
+                <a:latin typeface="Calibri" panose="020F0502020204030204" pitchFamily="34" charset="0"/>
+              </a:defRPr>
+            </a:lvl6pPr>
+            <a:lvl7pPr marL="2971800" indent="-228600" defTabSz="685800" eaLnBrk="0" fontAlgn="base" hangingPunct="0">
+              <a:lnSpc>
+                <a:spcPct val="90000"/>
+              </a:lnSpc>
+              <a:spcBef>
+                <a:spcPts val="500"/>
+              </a:spcBef>
+              <a:spcAft>
+                <a:spcPct val="0"/>
+              </a:spcAft>
+              <a:buFont typeface="Arial" panose="020B0604020202020204" pitchFamily="34" charset="0"/>
+              <a:buChar char="•"/>
+              <a:defRPr>
+                <a:solidFill>
+                  <a:schemeClr val="tx1"/>
+                </a:solidFill>
+                <a:latin typeface="Calibri" panose="020F0502020204030204" pitchFamily="34" charset="0"/>
+              </a:defRPr>
+            </a:lvl7pPr>
+            <a:lvl8pPr marL="3429000" indent="-228600" defTabSz="685800" eaLnBrk="0" fontAlgn="base" hangingPunct="0">
+              <a:lnSpc>
+                <a:spcPct val="90000"/>
+              </a:lnSpc>
+              <a:spcBef>
+                <a:spcPts val="500"/>
+              </a:spcBef>
+              <a:spcAft>
+                <a:spcPct val="0"/>
+              </a:spcAft>
+              <a:buFont typeface="Arial" panose="020B0604020202020204" pitchFamily="34" charset="0"/>
+              <a:buChar char="•"/>
+              <a:defRPr>
+                <a:solidFill>
+                  <a:schemeClr val="tx1"/>
+                </a:solidFill>
+                <a:latin typeface="Calibri" panose="020F0502020204030204" pitchFamily="34" charset="0"/>
+              </a:defRPr>
+            </a:lvl8pPr>
+            <a:lvl9pPr marL="3886200" indent="-228600" defTabSz="685800" eaLnBrk="0" fontAlgn="base" hangingPunct="0">
+              <a:lnSpc>
+                <a:spcPct val="90000"/>
+              </a:lnSpc>
+              <a:spcBef>
+                <a:spcPts val="500"/>
+              </a:spcBef>
+              <a:spcAft>
+                <a:spcPct val="0"/>
+              </a:spcAft>
+              <a:buFont typeface="Arial" panose="020B0604020202020204" pitchFamily="34" charset="0"/>
+              <a:buChar char="•"/>
+              <a:defRPr>
+                <a:solidFill>
+                  <a:schemeClr val="tx1"/>
+                </a:solidFill>
+                <a:latin typeface="Calibri" panose="020F0502020204030204" pitchFamily="34" charset="0"/>
+              </a:defRPr>
+            </a:lvl9pPr>
+          </a:lstStyle>
+          <a:p>
+            <a:pPr>
+              <a:lnSpc>
+                <a:spcPct val="100000"/>
+              </a:lnSpc>
+              <a:spcBef>
+                <a:spcPct val="0"/>
+              </a:spcBef>
+              <a:buFontTx/>
+              <a:buNone/>
+            </a:pPr>
+            <a:r>
+              <a:rPr lang="de-DE" altLang="de-DE" sz="1050" b="0" dirty="0">
+                <a:solidFill>
+                  <a:srgbClr val="17365C"/>
+                </a:solidFill>
+                <a:latin typeface="Arial" panose="020B0604020202020204" pitchFamily="34" charset="0"/>
+                <a:cs typeface="Arial" panose="020B0604020202020204" pitchFamily="34" charset="0"/>
+              </a:rPr>
+              <a:t>The </a:t>
+            </a:r>
+            <a:r>
+              <a:rPr lang="de-DE" altLang="de-DE" sz="1050" b="0" dirty="0" err="1">
+                <a:solidFill>
+                  <a:srgbClr val="17365C"/>
+                </a:solidFill>
+                <a:latin typeface="Arial" panose="020B0604020202020204" pitchFamily="34" charset="0"/>
+                <a:cs typeface="Arial" panose="020B0604020202020204" pitchFamily="34" charset="0"/>
+              </a:rPr>
+              <a:t>Algorithm</a:t>
+            </a:r>
+            <a:r>
+              <a:rPr lang="de-DE" altLang="de-DE" sz="1050" b="0" dirty="0">
+                <a:solidFill>
+                  <a:srgbClr val="17365C"/>
+                </a:solidFill>
+                <a:latin typeface="Arial" panose="020B0604020202020204" pitchFamily="34" charset="0"/>
+                <a:cs typeface="Arial" panose="020B0604020202020204" pitchFamily="34" charset="0"/>
+              </a:rPr>
+              <a:t> – Architecture – </a:t>
+            </a:r>
+            <a:r>
+              <a:rPr lang="de-DE" altLang="de-DE" sz="1050" b="0" dirty="0" err="1">
+                <a:solidFill>
+                  <a:srgbClr val="17365C"/>
+                </a:solidFill>
+                <a:latin typeface="Arial" panose="020B0604020202020204" pitchFamily="34" charset="0"/>
+                <a:cs typeface="Arial" panose="020B0604020202020204" pitchFamily="34" charset="0"/>
+              </a:rPr>
+              <a:t>Going</a:t>
+            </a:r>
+            <a:r>
+              <a:rPr lang="de-DE" altLang="de-DE" sz="1050" b="0" dirty="0">
+                <a:solidFill>
+                  <a:srgbClr val="17365C"/>
+                </a:solidFill>
+                <a:latin typeface="Arial" panose="020B0604020202020204" pitchFamily="34" charset="0"/>
+                <a:cs typeface="Arial" panose="020B0604020202020204" pitchFamily="34" charset="0"/>
+              </a:rPr>
+              <a:t> parallel – Benchmarking - </a:t>
+            </a:r>
+            <a:r>
+              <a:rPr lang="de-DE" altLang="de-DE" sz="1050" b="0" dirty="0" err="1">
+                <a:solidFill>
+                  <a:srgbClr val="17365C"/>
+                </a:solidFill>
+                <a:latin typeface="Arial" panose="020B0604020202020204" pitchFamily="34" charset="0"/>
+                <a:cs typeface="Arial" panose="020B0604020202020204" pitchFamily="34" charset="0"/>
+              </a:rPr>
+              <a:t>Conclusion</a:t>
+            </a:r>
+            <a:endParaRPr lang="de-DE" altLang="de-DE" sz="1050" b="0" dirty="0">
+              <a:solidFill>
+                <a:srgbClr val="17365C"/>
+              </a:solidFill>
+              <a:latin typeface="Arial" panose="020B0604020202020204" pitchFamily="34" charset="0"/>
+              <a:cs typeface="Arial" panose="020B0604020202020204" pitchFamily="34" charset="0"/>
+            </a:endParaRPr>
           </a:p>
         </p:txBody>
       </p:sp>
     </p:spTree>
     <p:extLst>
       <p:ext uri="{BB962C8B-B14F-4D97-AF65-F5344CB8AC3E}">
-        <p14:creationId xmlns:p14="http://schemas.microsoft.com/office/powerpoint/2010/main" val="2725909366"/>
+        <p14:creationId xmlns:p14="http://schemas.microsoft.com/office/powerpoint/2010/main" val="3019417958"/>
       </p:ext>
     </p:extLst>
   </p:cSld>
